--- a/reports/D2/images/dataProcess.pptx
+++ b/reports/D2/images/dataProcess.pptx
@@ -215,7 +215,7 @@
           <a:p>
             <a:fld id="{442B2255-37B6-404B-87B7-6AE47F48CD4B}" type="datetimeFigureOut">
               <a:rPr lang="en-US" smtClean="0"/>
-              <a:t>11/29/19</a:t>
+              <a:t>5/22/20</a:t>
             </a:fld>
             <a:endParaRPr lang="en-US"/>
           </a:p>
@@ -2247,7 +2247,7 @@
           <a:p>
             <a:fld id="{A3412AC9-C315-E042-9981-F08DF5D0D45B}" type="datetimeFigureOut">
               <a:rPr lang="en-US" smtClean="0"/>
-              <a:t>11/29/19</a:t>
+              <a:t>5/22/20</a:t>
             </a:fld>
             <a:endParaRPr lang="en-US"/>
           </a:p>
@@ -2356,7 +2356,7 @@
           </a:ln>
           <a:extLst>
             <a:ext uri="{C572A759-6A51-4108-AA02-DFA0A04FC94B}">
-              <ma14:wrappingTextBoxFlag xmlns:ma14="http://schemas.microsoft.com/office/mac/drawingml/2011/main" xmlns="" val="1"/>
+              <ma14:wrappingTextBoxFlag xmlns="" xmlns:ma14="http://schemas.microsoft.com/office/mac/drawingml/2011/main" val="1"/>
             </a:ext>
           </a:extLst>
         </p:spPr>
@@ -2407,7 +2407,7 @@
           </a:ln>
           <a:extLst>
             <a:ext uri="{C572A759-6A51-4108-AA02-DFA0A04FC94B}">
-              <ma14:wrappingTextBoxFlag xmlns:ma14="http://schemas.microsoft.com/office/mac/drawingml/2011/main" xmlns="" val="1"/>
+              <ma14:wrappingTextBoxFlag xmlns="" xmlns:ma14="http://schemas.microsoft.com/office/mac/drawingml/2011/main" val="1"/>
             </a:ext>
           </a:extLst>
         </p:spPr>
@@ -2955,6 +2955,181 @@
           <a:chExt cx="0" cy="0"/>
         </a:xfrm>
       </p:grpSpPr>
+      <p:cxnSp>
+        <p:nvCxnSpPr>
+          <p:cNvPr id="266" name="Straight Arrow Connector 265">
+            <a:extLst>
+              <a:ext uri="{FF2B5EF4-FFF2-40B4-BE49-F238E27FC236}">
+                <a16:creationId xmlns:a16="http://schemas.microsoft.com/office/drawing/2014/main" id="{DAB8F727-7385-5347-801F-E34B8D401C52}"/>
+              </a:ext>
+            </a:extLst>
+          </p:cNvPr>
+          <p:cNvCxnSpPr>
+            <a:cxnSpLocks/>
+          </p:cNvCxnSpPr>
+          <p:nvPr/>
+        </p:nvCxnSpPr>
+        <p:spPr>
+          <a:xfrm>
+            <a:off x="5517997" y="3007641"/>
+            <a:ext cx="1263803" cy="0"/>
+          </a:xfrm>
+          <a:prstGeom prst="straightConnector1">
+            <a:avLst/>
+          </a:prstGeom>
+          <a:ln w="38100">
+            <a:solidFill>
+              <a:schemeClr val="tx1"/>
+            </a:solidFill>
+            <a:tailEnd type="triangle"/>
+          </a:ln>
+        </p:spPr>
+        <p:style>
+          <a:lnRef idx="1">
+            <a:schemeClr val="accent1"/>
+          </a:lnRef>
+          <a:fillRef idx="0">
+            <a:schemeClr val="accent1"/>
+          </a:fillRef>
+          <a:effectRef idx="0">
+            <a:schemeClr val="accent1"/>
+          </a:effectRef>
+          <a:fontRef idx="minor">
+            <a:schemeClr val="tx1"/>
+          </a:fontRef>
+        </p:style>
+      </p:cxnSp>
+      <p:cxnSp>
+        <p:nvCxnSpPr>
+          <p:cNvPr id="148" name="Straight Arrow Connector 147">
+            <a:extLst>
+              <a:ext uri="{FF2B5EF4-FFF2-40B4-BE49-F238E27FC236}">
+                <a16:creationId xmlns:a16="http://schemas.microsoft.com/office/drawing/2014/main" id="{B9B6E737-3196-F941-A8AF-1A4C21C72C5F}"/>
+              </a:ext>
+            </a:extLst>
+          </p:cNvPr>
+          <p:cNvCxnSpPr>
+            <a:cxnSpLocks/>
+          </p:cNvCxnSpPr>
+          <p:nvPr/>
+        </p:nvCxnSpPr>
+        <p:spPr>
+          <a:xfrm>
+            <a:off x="4214461" y="3856299"/>
+            <a:ext cx="2592739" cy="0"/>
+          </a:xfrm>
+          <a:prstGeom prst="straightConnector1">
+            <a:avLst/>
+          </a:prstGeom>
+          <a:ln w="38100">
+            <a:solidFill>
+              <a:schemeClr val="tx1"/>
+            </a:solidFill>
+            <a:tailEnd type="triangle"/>
+          </a:ln>
+        </p:spPr>
+        <p:style>
+          <a:lnRef idx="1">
+            <a:schemeClr val="accent1"/>
+          </a:lnRef>
+          <a:fillRef idx="0">
+            <a:schemeClr val="accent1"/>
+          </a:fillRef>
+          <a:effectRef idx="0">
+            <a:schemeClr val="accent1"/>
+          </a:effectRef>
+          <a:fontRef idx="minor">
+            <a:schemeClr val="tx1"/>
+          </a:fontRef>
+        </p:style>
+      </p:cxnSp>
+      <p:cxnSp>
+        <p:nvCxnSpPr>
+          <p:cNvPr id="159" name="Straight Connector 158">
+            <a:extLst>
+              <a:ext uri="{FF2B5EF4-FFF2-40B4-BE49-F238E27FC236}">
+                <a16:creationId xmlns:a16="http://schemas.microsoft.com/office/drawing/2014/main" id="{B96720DF-D43F-4644-9A90-43394B0155C2}"/>
+              </a:ext>
+            </a:extLst>
+          </p:cNvPr>
+          <p:cNvCxnSpPr>
+            <a:cxnSpLocks/>
+          </p:cNvCxnSpPr>
+          <p:nvPr/>
+        </p:nvCxnSpPr>
+        <p:spPr>
+          <a:xfrm>
+            <a:off x="6826570" y="2794000"/>
+            <a:ext cx="0" cy="1946438"/>
+          </a:xfrm>
+          <a:prstGeom prst="line">
+            <a:avLst/>
+          </a:prstGeom>
+          <a:ln w="38100">
+            <a:solidFill>
+              <a:schemeClr val="tx1"/>
+            </a:solidFill>
+          </a:ln>
+        </p:spPr>
+        <p:style>
+          <a:lnRef idx="1">
+            <a:schemeClr val="accent1"/>
+          </a:lnRef>
+          <a:fillRef idx="0">
+            <a:schemeClr val="accent1"/>
+          </a:fillRef>
+          <a:effectRef idx="0">
+            <a:schemeClr val="accent1"/>
+          </a:effectRef>
+          <a:fontRef idx="minor">
+            <a:schemeClr val="tx1"/>
+          </a:fontRef>
+        </p:style>
+      </p:cxnSp>
+      <p:cxnSp>
+        <p:nvCxnSpPr>
+          <p:cNvPr id="160" name="Straight Arrow Connector 159">
+            <a:extLst>
+              <a:ext uri="{FF2B5EF4-FFF2-40B4-BE49-F238E27FC236}">
+                <a16:creationId xmlns:a16="http://schemas.microsoft.com/office/drawing/2014/main" id="{81614079-A707-EB40-9235-BDE11A2A0F65}"/>
+              </a:ext>
+            </a:extLst>
+          </p:cNvPr>
+          <p:cNvCxnSpPr>
+            <a:cxnSpLocks/>
+          </p:cNvCxnSpPr>
+          <p:nvPr/>
+        </p:nvCxnSpPr>
+        <p:spPr>
+          <a:xfrm>
+            <a:off x="4247997" y="4658641"/>
+            <a:ext cx="2559203" cy="0"/>
+          </a:xfrm>
+          <a:prstGeom prst="straightConnector1">
+            <a:avLst/>
+          </a:prstGeom>
+          <a:ln w="38100">
+            <a:solidFill>
+              <a:schemeClr val="tx1"/>
+            </a:solidFill>
+            <a:tailEnd type="triangle"/>
+          </a:ln>
+        </p:spPr>
+        <p:style>
+          <a:lnRef idx="1">
+            <a:schemeClr val="accent1"/>
+          </a:lnRef>
+          <a:fillRef idx="0">
+            <a:schemeClr val="accent1"/>
+          </a:fillRef>
+          <a:effectRef idx="0">
+            <a:schemeClr val="accent1"/>
+          </a:effectRef>
+          <a:fontRef idx="minor">
+            <a:schemeClr val="tx1"/>
+          </a:fontRef>
+        </p:style>
+      </p:cxnSp>
       <p:sp>
         <p:nvSpPr>
           <p:cNvPr id="41" name="Right Triangle 40">
@@ -2969,7 +3144,7 @@
         </p:nvSpPr>
         <p:spPr>
           <a:xfrm>
-            <a:off x="5156200" y="9118600"/>
+            <a:off x="5283200" y="9118600"/>
             <a:ext cx="736600" cy="431800"/>
           </a:xfrm>
           <a:prstGeom prst="rtTriangle">
@@ -3049,7 +3224,7 @@
         </p:nvSpPr>
         <p:spPr>
           <a:xfrm>
-            <a:off x="11074400" y="6578600"/>
+            <a:off x="11837504" y="6121400"/>
             <a:ext cx="1473200" cy="482600"/>
           </a:xfrm>
           <a:prstGeom prst="rtTriangle">
@@ -3115,152 +3290,131 @@
           </a:p>
         </p:txBody>
       </p:sp>
-      <p:grpSp>
-        <p:nvGrpSpPr>
-          <p:cNvPr id="83" name="Group 82">
+      <p:sp>
+        <p:nvSpPr>
+          <p:cNvPr id="84" name="Process 83">
             <a:extLst>
               <a:ext uri="{FF2B5EF4-FFF2-40B4-BE49-F238E27FC236}">
-                <a16:creationId xmlns:a16="http://schemas.microsoft.com/office/drawing/2014/main" id="{BCA38AA3-08DF-C94B-B202-2DDF67C9E7EC}"/>
+                <a16:creationId xmlns:a16="http://schemas.microsoft.com/office/drawing/2014/main" id="{7FFD66E8-009D-6141-8407-9CE14E6CAB6A}"/>
               </a:ext>
             </a:extLst>
           </p:cNvPr>
-          <p:cNvGrpSpPr/>
+          <p:cNvSpPr/>
           <p:nvPr/>
-        </p:nvGrpSpPr>
-        <p:grpSpPr>
+        </p:nvSpPr>
+        <p:spPr>
           <a:xfrm>
-            <a:off x="5520732" y="4306609"/>
-            <a:ext cx="1271589" cy="1636309"/>
-            <a:chOff x="5520732" y="4078003"/>
-            <a:chExt cx="1271589" cy="1636309"/>
-          </a:xfrm>
-        </p:grpSpPr>
-        <p:sp>
-          <p:nvSpPr>
-            <p:cNvPr id="84" name="Process 83">
-              <a:extLst>
-                <a:ext uri="{FF2B5EF4-FFF2-40B4-BE49-F238E27FC236}">
-                  <a16:creationId xmlns:a16="http://schemas.microsoft.com/office/drawing/2014/main" id="{7FFD66E8-009D-6141-8407-9CE14E6CAB6A}"/>
-                </a:ext>
-              </a:extLst>
-            </p:cNvPr>
-            <p:cNvSpPr/>
-            <p:nvPr/>
-          </p:nvSpPr>
-          <p:spPr>
-            <a:xfrm>
-              <a:off x="5520732" y="5175362"/>
-              <a:ext cx="1271589" cy="538950"/>
-            </a:xfrm>
-            <a:prstGeom prst="flowChartProcess">
+            <a:off x="8543313" y="5365298"/>
+            <a:ext cx="1271589" cy="538950"/>
+          </a:xfrm>
+          <a:prstGeom prst="flowChartProcess">
+            <a:avLst/>
+          </a:prstGeom>
+          <a:noFill/>
+          <a:ln w="38100">
+            <a:solidFill>
+              <a:schemeClr val="tx1"/>
+            </a:solidFill>
+          </a:ln>
+        </p:spPr>
+        <p:style>
+          <a:lnRef idx="2">
+            <a:schemeClr val="accent1">
+              <a:shade val="50000"/>
+            </a:schemeClr>
+          </a:lnRef>
+          <a:fillRef idx="1">
+            <a:schemeClr val="accent1"/>
+          </a:fillRef>
+          <a:effectRef idx="0">
+            <a:schemeClr val="accent1"/>
+          </a:effectRef>
+          <a:fontRef idx="minor">
+            <a:schemeClr val="lt1"/>
+          </a:fontRef>
+        </p:style>
+        <p:txBody>
+          <a:bodyPr rot="0" spcFirstLastPara="0" vertOverflow="overflow" horzOverflow="overflow" vert="horz" wrap="square" lIns="150146" tIns="75073" rIns="150146" bIns="75073" numCol="1" spcCol="0" rtlCol="0" fromWordArt="0" anchor="ctr" anchorCtr="0" forceAA="0" compatLnSpc="1">
+            <a:prstTxWarp prst="textNoShape">
               <a:avLst/>
-            </a:prstGeom>
-            <a:noFill/>
-            <a:ln w="38100">
-              <a:solidFill>
-                <a:schemeClr val="tx1"/>
-              </a:solidFill>
-            </a:ln>
-          </p:spPr>
-          <p:style>
-            <a:lnRef idx="2">
-              <a:schemeClr val="accent1">
-                <a:shade val="50000"/>
-              </a:schemeClr>
-            </a:lnRef>
-            <a:fillRef idx="1">
-              <a:schemeClr val="accent1"/>
-            </a:fillRef>
-            <a:effectRef idx="0">
-              <a:schemeClr val="accent1"/>
-            </a:effectRef>
-            <a:fontRef idx="minor">
-              <a:schemeClr val="lt1"/>
-            </a:fontRef>
-          </p:style>
-          <p:txBody>
-            <a:bodyPr rot="0" spcFirstLastPara="0" vertOverflow="overflow" horzOverflow="overflow" vert="horz" wrap="square" lIns="150146" tIns="75073" rIns="150146" bIns="75073" numCol="1" spcCol="0" rtlCol="0" fromWordArt="0" anchor="ctr" anchorCtr="0" forceAA="0" compatLnSpc="1">
-              <a:prstTxWarp prst="textNoShape">
-                <a:avLst/>
-              </a:prstTxWarp>
-              <a:noAutofit/>
-            </a:bodyPr>
-            <a:lstStyle/>
-            <a:p>
-              <a:pPr algn="ctr"/>
-              <a:r>
-                <a:rPr lang="en-US" sz="1642" dirty="0">
-                  <a:solidFill>
-                    <a:schemeClr val="tx1"/>
-                  </a:solidFill>
-                  <a:latin typeface="Calibri" panose="020F0502020204030204" pitchFamily="34" charset="0"/>
-                  <a:cs typeface="Calibri" panose="020F0502020204030204" pitchFamily="34" charset="0"/>
-                </a:rPr>
-                <a:t>Analyze</a:t>
-              </a:r>
-            </a:p>
-            <a:p>
-              <a:pPr algn="ctr"/>
-              <a:r>
-                <a:rPr lang="en-US" sz="1642" dirty="0">
-                  <a:solidFill>
-                    <a:schemeClr val="tx1"/>
-                  </a:solidFill>
-                  <a:latin typeface="Calibri" panose="020F0502020204030204" pitchFamily="34" charset="0"/>
-                  <a:cs typeface="Calibri" panose="020F0502020204030204" pitchFamily="34" charset="0"/>
-                </a:rPr>
-                <a:t>Results</a:t>
-              </a:r>
-            </a:p>
-          </p:txBody>
-        </p:sp>
-        <p:cxnSp>
-          <p:nvCxnSpPr>
-            <p:cNvPr id="85" name="Straight Arrow Connector 84">
-              <a:extLst>
-                <a:ext uri="{FF2B5EF4-FFF2-40B4-BE49-F238E27FC236}">
-                  <a16:creationId xmlns:a16="http://schemas.microsoft.com/office/drawing/2014/main" id="{9091C78A-34C6-3847-BE92-A94FD67EFFAD}"/>
-                </a:ext>
-              </a:extLst>
-            </p:cNvPr>
-            <p:cNvCxnSpPr>
-              <a:cxnSpLocks/>
-              <a:stCxn id="150" idx="4"/>
-              <a:endCxn id="84" idx="0"/>
-            </p:cNvCxnSpPr>
-            <p:nvPr/>
-          </p:nvCxnSpPr>
-          <p:spPr>
-            <a:xfrm flipH="1">
-              <a:off x="6156527" y="4078003"/>
-              <a:ext cx="52906" cy="1097359"/>
-            </a:xfrm>
-            <a:prstGeom prst="straightConnector1">
-              <a:avLst/>
-            </a:prstGeom>
-            <a:ln w="38100">
-              <a:solidFill>
-                <a:schemeClr val="tx1"/>
-              </a:solidFill>
-              <a:tailEnd type="triangle"/>
-            </a:ln>
-          </p:spPr>
-          <p:style>
-            <a:lnRef idx="1">
-              <a:schemeClr val="accent1"/>
-            </a:lnRef>
-            <a:fillRef idx="0">
-              <a:schemeClr val="accent1"/>
-            </a:fillRef>
-            <a:effectRef idx="0">
-              <a:schemeClr val="accent1"/>
-            </a:effectRef>
-            <a:fontRef idx="minor">
+            </a:prstTxWarp>
+            <a:noAutofit/>
+          </a:bodyPr>
+          <a:lstStyle/>
+          <a:p>
+            <a:pPr algn="ctr"/>
+            <a:r>
+              <a:rPr lang="en-US" sz="1642" dirty="0">
+                <a:solidFill>
+                  <a:schemeClr val="tx1"/>
+                </a:solidFill>
+                <a:latin typeface="Calibri" panose="020F0502020204030204" pitchFamily="34" charset="0"/>
+                <a:cs typeface="Calibri" panose="020F0502020204030204" pitchFamily="34" charset="0"/>
+              </a:rPr>
+              <a:t>Analyze</a:t>
+            </a:r>
+          </a:p>
+          <a:p>
+            <a:pPr algn="ctr"/>
+            <a:r>
+              <a:rPr lang="en-US" sz="1642" dirty="0">
+                <a:solidFill>
+                  <a:schemeClr val="tx1"/>
+                </a:solidFill>
+                <a:latin typeface="Calibri" panose="020F0502020204030204" pitchFamily="34" charset="0"/>
+                <a:cs typeface="Calibri" panose="020F0502020204030204" pitchFamily="34" charset="0"/>
+              </a:rPr>
+              <a:t>Results</a:t>
+            </a:r>
+          </a:p>
+        </p:txBody>
+      </p:sp>
+      <p:cxnSp>
+        <p:nvCxnSpPr>
+          <p:cNvPr id="85" name="Straight Arrow Connector 84">
+            <a:extLst>
+              <a:ext uri="{FF2B5EF4-FFF2-40B4-BE49-F238E27FC236}">
+                <a16:creationId xmlns:a16="http://schemas.microsoft.com/office/drawing/2014/main" id="{9091C78A-34C6-3847-BE92-A94FD67EFFAD}"/>
+              </a:ext>
+            </a:extLst>
+          </p:cNvPr>
+          <p:cNvCxnSpPr>
+            <a:cxnSpLocks/>
+            <a:stCxn id="211" idx="5"/>
+            <a:endCxn id="84" idx="0"/>
+          </p:cNvCxnSpPr>
+          <p:nvPr/>
+        </p:nvCxnSpPr>
+        <p:spPr>
+          <a:xfrm>
+            <a:off x="8205303" y="4339374"/>
+            <a:ext cx="973805" cy="1025924"/>
+          </a:xfrm>
+          <a:prstGeom prst="straightConnector1">
+            <a:avLst/>
+          </a:prstGeom>
+          <a:ln w="38100">
+            <a:solidFill>
               <a:schemeClr val="tx1"/>
-            </a:fontRef>
-          </p:style>
-        </p:cxnSp>
-      </p:grpSp>
+            </a:solidFill>
+            <a:tailEnd type="triangle"/>
+          </a:ln>
+        </p:spPr>
+        <p:style>
+          <a:lnRef idx="1">
+            <a:schemeClr val="accent1"/>
+          </a:lnRef>
+          <a:fillRef idx="0">
+            <a:schemeClr val="accent1"/>
+          </a:fillRef>
+          <a:effectRef idx="0">
+            <a:schemeClr val="accent1"/>
+          </a:effectRef>
+          <a:fontRef idx="minor">
+            <a:schemeClr val="tx1"/>
+          </a:fontRef>
+        </p:style>
+      </p:cxnSp>
       <p:sp>
         <p:nvSpPr>
           <p:cNvPr id="86" name="Terminator 85">
@@ -3275,8 +3429,8 @@
         </p:nvSpPr>
         <p:spPr>
           <a:xfrm>
-            <a:off x="11279472" y="9077572"/>
-            <a:ext cx="1059974" cy="689859"/>
+            <a:off x="12037054" y="8356600"/>
+            <a:ext cx="1043946" cy="394831"/>
           </a:xfrm>
           <a:prstGeom prst="flowChartTerminator">
             <a:avLst/>
@@ -3338,7 +3492,7 @@
         </p:nvSpPr>
         <p:spPr>
           <a:xfrm>
-            <a:off x="3278045" y="9004437"/>
+            <a:off x="3405045" y="9004437"/>
             <a:ext cx="1751155" cy="799963"/>
           </a:xfrm>
           <a:prstGeom prst="rect">
@@ -3372,141 +3526,62 @@
           </a:p>
         </p:txBody>
       </p:sp>
-      <p:grpSp>
-        <p:nvGrpSpPr>
-          <p:cNvPr id="88" name="Group 87">
+      <p:sp>
+        <p:nvSpPr>
+          <p:cNvPr id="89" name="Rectangle 88">
             <a:extLst>
               <a:ext uri="{FF2B5EF4-FFF2-40B4-BE49-F238E27FC236}">
-                <a16:creationId xmlns:a16="http://schemas.microsoft.com/office/drawing/2014/main" id="{134B90B2-D72B-F142-91ED-9FD8DFCBFD27}"/>
+                <a16:creationId xmlns:a16="http://schemas.microsoft.com/office/drawing/2014/main" id="{D46FF225-0F9F-6B42-8D43-0C96D5D16757}"/>
               </a:ext>
             </a:extLst>
           </p:cNvPr>
-          <p:cNvGrpSpPr/>
+          <p:cNvSpPr/>
           <p:nvPr/>
-        </p:nvGrpSpPr>
-        <p:grpSpPr>
+        </p:nvSpPr>
+        <p:spPr>
           <a:xfrm>
-            <a:off x="965200" y="2586751"/>
-            <a:ext cx="8760691" cy="6148546"/>
-            <a:chOff x="965200" y="2358145"/>
-            <a:chExt cx="8760691" cy="6148546"/>
-          </a:xfrm>
-        </p:grpSpPr>
-        <p:sp>
-          <p:nvSpPr>
-            <p:cNvPr id="89" name="Rectangle 88">
-              <a:extLst>
-                <a:ext uri="{FF2B5EF4-FFF2-40B4-BE49-F238E27FC236}">
-                  <a16:creationId xmlns:a16="http://schemas.microsoft.com/office/drawing/2014/main" id="{D46FF225-0F9F-6B42-8D43-0C96D5D16757}"/>
-                </a:ext>
-              </a:extLst>
-            </p:cNvPr>
-            <p:cNvSpPr/>
-            <p:nvPr/>
-          </p:nvSpPr>
-          <p:spPr>
-            <a:xfrm>
-              <a:off x="965200" y="2358145"/>
-              <a:ext cx="8760691" cy="6148546"/>
-            </a:xfrm>
-            <a:prstGeom prst="rect">
-              <a:avLst/>
-            </a:prstGeom>
-            <a:noFill/>
-            <a:ln w="38100">
-              <a:solidFill>
-                <a:schemeClr val="tx1"/>
-              </a:solidFill>
-              <a:prstDash val="sysDot"/>
-            </a:ln>
-          </p:spPr>
-          <p:style>
-            <a:lnRef idx="2">
-              <a:schemeClr val="accent1">
-                <a:shade val="50000"/>
-              </a:schemeClr>
-            </a:lnRef>
-            <a:fillRef idx="1">
-              <a:schemeClr val="accent1"/>
-            </a:fillRef>
-            <a:effectRef idx="0">
-              <a:schemeClr val="accent1"/>
-            </a:effectRef>
-            <a:fontRef idx="minor">
-              <a:schemeClr val="lt1"/>
-            </a:fontRef>
-          </p:style>
-          <p:txBody>
-            <a:bodyPr rtlCol="0" anchor="ctr"/>
-            <a:lstStyle/>
-            <a:p>
-              <a:pPr algn="ctr"/>
-              <a:endParaRPr lang="en-US" sz="6896">
-                <a:latin typeface="Calibri" panose="020F0502020204030204" pitchFamily="34" charset="0"/>
-                <a:cs typeface="Calibri" panose="020F0502020204030204" pitchFamily="34" charset="0"/>
-              </a:endParaRPr>
-            </a:p>
-          </p:txBody>
-        </p:sp>
-        <p:sp>
-          <p:nvSpPr>
-            <p:cNvPr id="90" name="Rectangle 89">
-              <a:extLst>
-                <a:ext uri="{FF2B5EF4-FFF2-40B4-BE49-F238E27FC236}">
-                  <a16:creationId xmlns:a16="http://schemas.microsoft.com/office/drawing/2014/main" id="{E89F0579-1B47-1540-BE4D-D99C58D39635}"/>
-                </a:ext>
-              </a:extLst>
-            </p:cNvPr>
-            <p:cNvSpPr/>
-            <p:nvPr/>
-          </p:nvSpPr>
-          <p:spPr>
-            <a:xfrm>
-              <a:off x="7174792" y="2401582"/>
-              <a:ext cx="2433738" cy="1153777"/>
-            </a:xfrm>
-            <a:prstGeom prst="rect">
-              <a:avLst/>
-            </a:prstGeom>
-          </p:spPr>
-          <p:txBody>
-            <a:bodyPr wrap="square">
-              <a:spAutoFit/>
-            </a:bodyPr>
-            <a:lstStyle/>
-            <a:p>
-              <a:pPr algn="ctr"/>
-              <a:r>
-                <a:rPr lang="en-US" sz="2299" dirty="0">
-                  <a:latin typeface="Calibri" panose="020F0502020204030204" pitchFamily="34" charset="0"/>
-                  <a:cs typeface="Calibri" panose="020F0502020204030204" pitchFamily="34" charset="0"/>
-                </a:rPr>
-                <a:t>Test Suite</a:t>
-              </a:r>
-            </a:p>
-            <a:p>
-              <a:pPr algn="ctr"/>
-              <a:r>
-                <a:rPr lang="en-US" sz="2299" dirty="0">
-                  <a:latin typeface="Calibri" panose="020F0502020204030204" pitchFamily="34" charset="0"/>
-                  <a:cs typeface="Calibri" panose="020F0502020204030204" pitchFamily="34" charset="0"/>
-                </a:rPr>
-                <a:t>Evaluation</a:t>
-              </a:r>
-            </a:p>
-            <a:p>
-              <a:pPr algn="ctr"/>
-              <a:r>
-                <a:rPr lang="en-US" sz="2299" dirty="0">
-                  <a:latin typeface="Calibri" panose="020F0502020204030204" pitchFamily="34" charset="0"/>
-                  <a:cs typeface="Calibri" panose="020F0502020204030204" pitchFamily="34" charset="0"/>
-                </a:rPr>
-                <a:t>Process</a:t>
-              </a:r>
-            </a:p>
-          </p:txBody>
-        </p:sp>
-      </p:grpSp>
+            <a:off x="2154582" y="1828800"/>
+            <a:ext cx="8666921" cy="6906497"/>
+          </a:xfrm>
+          <a:prstGeom prst="rect">
+            <a:avLst/>
+          </a:prstGeom>
+          <a:noFill/>
+          <a:ln w="38100">
+            <a:solidFill>
+              <a:schemeClr val="tx1"/>
+            </a:solidFill>
+            <a:prstDash val="sysDot"/>
+          </a:ln>
+        </p:spPr>
+        <p:style>
+          <a:lnRef idx="2">
+            <a:schemeClr val="accent1">
+              <a:shade val="50000"/>
+            </a:schemeClr>
+          </a:lnRef>
+          <a:fillRef idx="1">
+            <a:schemeClr val="accent1"/>
+          </a:fillRef>
+          <a:effectRef idx="0">
+            <a:schemeClr val="accent1"/>
+          </a:effectRef>
+          <a:fontRef idx="minor">
+            <a:schemeClr val="lt1"/>
+          </a:fontRef>
+        </p:style>
+        <p:txBody>
+          <a:bodyPr rtlCol="0" anchor="ctr"/>
+          <a:lstStyle/>
+          <a:p>
+            <a:pPr algn="ctr"/>
+            <a:endParaRPr lang="en-US" sz="6896">
+              <a:latin typeface="Calibri" panose="020F0502020204030204" pitchFamily="34" charset="0"/>
+              <a:cs typeface="Calibri" panose="020F0502020204030204" pitchFamily="34" charset="0"/>
+            </a:endParaRPr>
+          </a:p>
+        </p:txBody>
+      </p:sp>
       <p:sp>
         <p:nvSpPr>
           <p:cNvPr id="98" name="Rectangle 97">
@@ -3521,7 +3596,7 @@
         </p:nvSpPr>
         <p:spPr>
           <a:xfrm>
-            <a:off x="1084627" y="8953637"/>
+            <a:off x="1211627" y="8953637"/>
             <a:ext cx="1125174" cy="799963"/>
           </a:xfrm>
           <a:prstGeom prst="rect">
@@ -3569,7 +3644,7 @@
         </p:nvSpPr>
         <p:spPr>
           <a:xfrm>
-            <a:off x="2391807" y="9132602"/>
+            <a:off x="2518807" y="9132602"/>
             <a:ext cx="784488" cy="442444"/>
           </a:xfrm>
           <a:prstGeom prst="flowChartProcess">
@@ -3632,7 +3707,7 @@
         </p:nvSpPr>
         <p:spPr>
           <a:xfrm>
-            <a:off x="203048" y="9119076"/>
+            <a:off x="330048" y="9119076"/>
             <a:ext cx="784488" cy="442444"/>
           </a:xfrm>
           <a:prstGeom prst="flowChartProcess">
@@ -3699,7 +3774,7 @@
         </p:nvSpPr>
         <p:spPr>
           <a:xfrm>
-            <a:off x="8237588" y="9225734"/>
+            <a:off x="8364588" y="9225734"/>
             <a:ext cx="1098281" cy="374203"/>
           </a:xfrm>
           <a:prstGeom prst="flowChartInputOutput">
@@ -3762,7 +3837,7 @@
         </p:nvSpPr>
         <p:spPr>
           <a:xfrm>
-            <a:off x="9180309" y="8922603"/>
+            <a:off x="9307309" y="8922603"/>
             <a:ext cx="1210636" cy="830997"/>
           </a:xfrm>
           <a:prstGeom prst="rect">
@@ -3797,13 +3872,15 @@
               </a:ext>
             </a:extLst>
           </p:cNvPr>
-          <p:cNvCxnSpPr/>
+          <p:cNvCxnSpPr>
+            <a:cxnSpLocks/>
+          </p:cNvCxnSpPr>
           <p:nvPr/>
         </p:nvCxnSpPr>
         <p:spPr>
           <a:xfrm>
-            <a:off x="1726706" y="3224191"/>
-            <a:ext cx="0" cy="1295006"/>
+            <a:off x="2589202" y="3835400"/>
+            <a:ext cx="0" cy="1004058"/>
           </a:xfrm>
           <a:prstGeom prst="line">
             <a:avLst/>
@@ -3829,557 +3906,477 @@
           </a:fontRef>
         </p:style>
       </p:cxnSp>
-      <p:grpSp>
-        <p:nvGrpSpPr>
-          <p:cNvPr id="106" name="Group 105">
+      <p:sp>
+        <p:nvSpPr>
+          <p:cNvPr id="107" name="Data 106">
             <a:extLst>
               <a:ext uri="{FF2B5EF4-FFF2-40B4-BE49-F238E27FC236}">
-                <a16:creationId xmlns:a16="http://schemas.microsoft.com/office/drawing/2014/main" id="{6DB6BC1A-6991-7845-B64E-58C15CA0C236}"/>
+                <a16:creationId xmlns:a16="http://schemas.microsoft.com/office/drawing/2014/main" id="{B8A99B8C-D1CD-9B4D-9FCA-AFC422641DF3}"/>
               </a:ext>
             </a:extLst>
           </p:cNvPr>
-          <p:cNvGrpSpPr/>
+          <p:cNvSpPr/>
           <p:nvPr/>
-        </p:nvGrpSpPr>
-        <p:grpSpPr>
+        </p:nvSpPr>
+        <p:spPr>
           <a:xfrm>
-            <a:off x="0" y="1572496"/>
-            <a:ext cx="5404519" cy="2659805"/>
-            <a:chOff x="0" y="1324012"/>
-            <a:chExt cx="5404519" cy="2659805"/>
-          </a:xfrm>
-        </p:grpSpPr>
-        <p:sp>
-          <p:nvSpPr>
-            <p:cNvPr id="107" name="Data 106">
-              <a:extLst>
-                <a:ext uri="{FF2B5EF4-FFF2-40B4-BE49-F238E27FC236}">
-                  <a16:creationId xmlns:a16="http://schemas.microsoft.com/office/drawing/2014/main" id="{B8A99B8C-D1CD-9B4D-9FCA-AFC422641DF3}"/>
-                </a:ext>
-              </a:extLst>
-            </p:cNvPr>
-            <p:cNvSpPr/>
-            <p:nvPr/>
-          </p:nvSpPr>
-          <p:spPr>
-            <a:xfrm>
-              <a:off x="1322614" y="1335796"/>
-              <a:ext cx="1991756" cy="808887"/>
-            </a:xfrm>
-            <a:prstGeom prst="flowChartInputOutput">
+            <a:off x="127000" y="3175121"/>
+            <a:ext cx="1411357" cy="640126"/>
+          </a:xfrm>
+          <a:prstGeom prst="flowChartInputOutput">
+            <a:avLst/>
+          </a:prstGeom>
+          <a:noFill/>
+          <a:ln w="38100">
+            <a:solidFill>
+              <a:schemeClr val="tx1"/>
+            </a:solidFill>
+          </a:ln>
+        </p:spPr>
+        <p:style>
+          <a:lnRef idx="2">
+            <a:schemeClr val="accent1">
+              <a:shade val="50000"/>
+            </a:schemeClr>
+          </a:lnRef>
+          <a:fillRef idx="1">
+            <a:schemeClr val="accent1"/>
+          </a:fillRef>
+          <a:effectRef idx="0">
+            <a:schemeClr val="accent1"/>
+          </a:effectRef>
+          <a:fontRef idx="minor">
+            <a:schemeClr val="lt1"/>
+          </a:fontRef>
+        </p:style>
+        <p:txBody>
+          <a:bodyPr rot="0" spcFirstLastPara="0" vertOverflow="overflow" horzOverflow="overflow" vert="horz" wrap="square" lIns="150146" tIns="75073" rIns="150146" bIns="75073" numCol="1" spcCol="0" rtlCol="0" fromWordArt="0" anchor="ctr" anchorCtr="0" forceAA="0" compatLnSpc="1">
+            <a:prstTxWarp prst="textNoShape">
               <a:avLst/>
-            </a:prstGeom>
-            <a:noFill/>
-            <a:ln w="38100">
+            </a:prstTxWarp>
+            <a:noAutofit/>
+          </a:bodyPr>
+          <a:lstStyle/>
+          <a:p>
+            <a:pPr algn="ctr"/>
+            <a:endParaRPr lang="en-US" sz="1642" dirty="0">
               <a:solidFill>
                 <a:schemeClr val="tx1"/>
               </a:solidFill>
-            </a:ln>
-          </p:spPr>
-          <p:style>
-            <a:lnRef idx="2">
-              <a:schemeClr val="accent1">
-                <a:shade val="50000"/>
-              </a:schemeClr>
-            </a:lnRef>
-            <a:fillRef idx="1">
-              <a:schemeClr val="accent1"/>
-            </a:fillRef>
-            <a:effectRef idx="0">
-              <a:schemeClr val="accent1"/>
-            </a:effectRef>
-            <a:fontRef idx="minor">
-              <a:schemeClr val="lt1"/>
-            </a:fontRef>
-          </p:style>
-          <p:txBody>
-            <a:bodyPr rot="0" spcFirstLastPara="0" vertOverflow="overflow" horzOverflow="overflow" vert="horz" wrap="square" lIns="150146" tIns="75073" rIns="150146" bIns="75073" numCol="1" spcCol="0" rtlCol="0" fromWordArt="0" anchor="ctr" anchorCtr="0" forceAA="0" compatLnSpc="1">
-              <a:prstTxWarp prst="textNoShape">
-                <a:avLst/>
-              </a:prstTxWarp>
-              <a:noAutofit/>
-            </a:bodyPr>
-            <a:lstStyle/>
-            <a:p>
-              <a:pPr algn="ctr"/>
-              <a:r>
-                <a:rPr lang="en-US" sz="1642" dirty="0">
-                  <a:solidFill>
-                    <a:schemeClr val="tx1"/>
-                  </a:solidFill>
-                  <a:latin typeface="Calibri" panose="020F0502020204030204" pitchFamily="34" charset="0"/>
-                  <a:cs typeface="Calibri" panose="020F0502020204030204" pitchFamily="34" charset="0"/>
-                </a:rPr>
-                <a:t>SUT </a:t>
-              </a:r>
-            </a:p>
-            <a:p>
-              <a:pPr algn="ctr"/>
-              <a:r>
-                <a:rPr lang="en-US" sz="1642" dirty="0">
-                  <a:solidFill>
-                    <a:schemeClr val="tx1"/>
-                  </a:solidFill>
-                  <a:latin typeface="Calibri" panose="020F0502020204030204" pitchFamily="34" charset="0"/>
-                  <a:cs typeface="Calibri" panose="020F0502020204030204" pitchFamily="34" charset="0"/>
-                </a:rPr>
-                <a:t>Test Suite</a:t>
-              </a:r>
-            </a:p>
-          </p:txBody>
-        </p:sp>
-        <p:sp>
-          <p:nvSpPr>
-            <p:cNvPr id="108" name="Process 107">
-              <a:extLst>
-                <a:ext uri="{FF2B5EF4-FFF2-40B4-BE49-F238E27FC236}">
-                  <a16:creationId xmlns:a16="http://schemas.microsoft.com/office/drawing/2014/main" id="{2609A003-9359-B340-B497-6545F59F889A}"/>
-                </a:ext>
-              </a:extLst>
-            </p:cNvPr>
-            <p:cNvSpPr/>
-            <p:nvPr/>
-          </p:nvSpPr>
-          <p:spPr>
-            <a:xfrm>
-              <a:off x="2139078" y="2680169"/>
-              <a:ext cx="1464448" cy="699295"/>
-            </a:xfrm>
-            <a:prstGeom prst="flowChartProcess">
+              <a:latin typeface="Calibri" panose="020F0502020204030204" pitchFamily="34" charset="0"/>
+              <a:cs typeface="Calibri" panose="020F0502020204030204" pitchFamily="34" charset="0"/>
+            </a:endParaRPr>
+          </a:p>
+        </p:txBody>
+      </p:sp>
+      <p:sp>
+        <p:nvSpPr>
+          <p:cNvPr id="108" name="Process 107">
+            <a:extLst>
+              <a:ext uri="{FF2B5EF4-FFF2-40B4-BE49-F238E27FC236}">
+                <a16:creationId xmlns:a16="http://schemas.microsoft.com/office/drawing/2014/main" id="{2609A003-9359-B340-B497-6545F59F889A}"/>
+              </a:ext>
+            </a:extLst>
+          </p:cNvPr>
+          <p:cNvSpPr/>
+          <p:nvPr/>
+        </p:nvSpPr>
+        <p:spPr>
+          <a:xfrm>
+            <a:off x="3001574" y="3579114"/>
+            <a:ext cx="1464448" cy="699295"/>
+          </a:xfrm>
+          <a:prstGeom prst="flowChartProcess">
+            <a:avLst/>
+          </a:prstGeom>
+          <a:solidFill>
+            <a:schemeClr val="bg1"/>
+          </a:solidFill>
+          <a:ln w="38100">
+            <a:solidFill>
+              <a:schemeClr val="tx1"/>
+            </a:solidFill>
+          </a:ln>
+        </p:spPr>
+        <p:style>
+          <a:lnRef idx="2">
+            <a:schemeClr val="accent1">
+              <a:shade val="50000"/>
+            </a:schemeClr>
+          </a:lnRef>
+          <a:fillRef idx="1">
+            <a:schemeClr val="accent1"/>
+          </a:fillRef>
+          <a:effectRef idx="0">
+            <a:schemeClr val="accent1"/>
+          </a:effectRef>
+          <a:fontRef idx="minor">
+            <a:schemeClr val="lt1"/>
+          </a:fontRef>
+        </p:style>
+        <p:txBody>
+          <a:bodyPr rot="0" spcFirstLastPara="0" vertOverflow="overflow" horzOverflow="overflow" vert="horz" wrap="square" lIns="150146" tIns="75073" rIns="150146" bIns="75073" numCol="1" spcCol="0" rtlCol="0" fromWordArt="0" anchor="ctr" anchorCtr="0" forceAA="0" compatLnSpc="1">
+            <a:prstTxWarp prst="textNoShape">
               <a:avLst/>
-            </a:prstGeom>
-            <a:noFill/>
-            <a:ln w="38100">
+            </a:prstTxWarp>
+            <a:noAutofit/>
+          </a:bodyPr>
+          <a:lstStyle/>
+          <a:p>
+            <a:pPr algn="ctr"/>
+            <a:r>
+              <a:rPr lang="en-US" sz="1642" dirty="0">
+                <a:solidFill>
+                  <a:schemeClr val="tx1"/>
+                </a:solidFill>
+                <a:latin typeface="Calibri" panose="020F0502020204030204" pitchFamily="34" charset="0"/>
+                <a:cs typeface="Calibri" panose="020F0502020204030204" pitchFamily="34" charset="0"/>
+              </a:rPr>
+              <a:t>Execute</a:t>
+            </a:r>
+          </a:p>
+          <a:p>
+            <a:pPr algn="ctr"/>
+            <a:r>
+              <a:rPr lang="en-US" sz="1642" dirty="0">
+                <a:solidFill>
+                  <a:schemeClr val="tx1"/>
+                </a:solidFill>
+                <a:latin typeface="Calibri" panose="020F0502020204030204" pitchFamily="34" charset="0"/>
+                <a:cs typeface="Calibri" panose="020F0502020204030204" pitchFamily="34" charset="0"/>
+              </a:rPr>
+              <a:t>the SUT</a:t>
+            </a:r>
+          </a:p>
+        </p:txBody>
+      </p:sp>
+      <p:cxnSp>
+        <p:nvCxnSpPr>
+          <p:cNvPr id="109" name="Straight Arrow Connector 108">
+            <a:extLst>
+              <a:ext uri="{FF2B5EF4-FFF2-40B4-BE49-F238E27FC236}">
+                <a16:creationId xmlns:a16="http://schemas.microsoft.com/office/drawing/2014/main" id="{9020D2F2-B541-7C41-89CD-0A85921FC1CD}"/>
+              </a:ext>
+            </a:extLst>
+          </p:cNvPr>
+          <p:cNvCxnSpPr>
+            <a:cxnSpLocks/>
+            <a:stCxn id="110" idx="5"/>
+            <a:endCxn id="108" idx="1"/>
+          </p:cNvCxnSpPr>
+          <p:nvPr/>
+        </p:nvCxnSpPr>
+        <p:spPr>
+          <a:xfrm>
+            <a:off x="1630424" y="2234871"/>
+            <a:ext cx="1371150" cy="1693891"/>
+          </a:xfrm>
+          <a:prstGeom prst="straightConnector1">
+            <a:avLst/>
+          </a:prstGeom>
+          <a:ln w="38100">
+            <a:solidFill>
+              <a:schemeClr val="tx1"/>
+            </a:solidFill>
+            <a:tailEnd type="triangle"/>
+          </a:ln>
+        </p:spPr>
+        <p:style>
+          <a:lnRef idx="1">
+            <a:schemeClr val="accent1"/>
+          </a:lnRef>
+          <a:fillRef idx="0">
+            <a:schemeClr val="accent1"/>
+          </a:fillRef>
+          <a:effectRef idx="0">
+            <a:schemeClr val="accent1"/>
+          </a:effectRef>
+          <a:fontRef idx="minor">
+            <a:schemeClr val="tx1"/>
+          </a:fontRef>
+        </p:style>
+      </p:cxnSp>
+      <p:sp>
+        <p:nvSpPr>
+          <p:cNvPr id="110" name="Data 109">
+            <a:extLst>
+              <a:ext uri="{FF2B5EF4-FFF2-40B4-BE49-F238E27FC236}">
+                <a16:creationId xmlns:a16="http://schemas.microsoft.com/office/drawing/2014/main" id="{3BE7C558-5581-1449-97E4-FF4056AC8C06}"/>
+              </a:ext>
+            </a:extLst>
+          </p:cNvPr>
+          <p:cNvSpPr/>
+          <p:nvPr/>
+        </p:nvSpPr>
+        <p:spPr>
+          <a:xfrm>
+            <a:off x="279400" y="1830427"/>
+            <a:ext cx="1501138" cy="808887"/>
+          </a:xfrm>
+          <a:prstGeom prst="flowChartInputOutput">
+            <a:avLst/>
+          </a:prstGeom>
+          <a:noFill/>
+          <a:ln w="38100">
+            <a:solidFill>
+              <a:schemeClr val="tx1"/>
+            </a:solidFill>
+          </a:ln>
+        </p:spPr>
+        <p:style>
+          <a:lnRef idx="2">
+            <a:schemeClr val="accent1">
+              <a:shade val="50000"/>
+            </a:schemeClr>
+          </a:lnRef>
+          <a:fillRef idx="1">
+            <a:schemeClr val="accent1"/>
+          </a:fillRef>
+          <a:effectRef idx="0">
+            <a:schemeClr val="accent1"/>
+          </a:effectRef>
+          <a:fontRef idx="minor">
+            <a:schemeClr val="lt1"/>
+          </a:fontRef>
+        </p:style>
+        <p:txBody>
+          <a:bodyPr rot="0" spcFirstLastPara="0" vertOverflow="overflow" horzOverflow="overflow" vert="horz" wrap="square" lIns="150146" tIns="75073" rIns="150146" bIns="75073" numCol="1" spcCol="0" rtlCol="0" fromWordArt="0" anchor="ctr" anchorCtr="0" forceAA="0" compatLnSpc="1">
+            <a:prstTxWarp prst="textNoShape">
+              <a:avLst/>
+            </a:prstTxWarp>
+            <a:noAutofit/>
+          </a:bodyPr>
+          <a:lstStyle/>
+          <a:p>
+            <a:pPr algn="ctr"/>
+            <a:endParaRPr lang="en-US" sz="1642" dirty="0">
               <a:solidFill>
                 <a:schemeClr val="tx1"/>
               </a:solidFill>
-            </a:ln>
-          </p:spPr>
-          <p:style>
-            <a:lnRef idx="2">
-              <a:schemeClr val="accent1">
-                <a:shade val="50000"/>
-              </a:schemeClr>
-            </a:lnRef>
-            <a:fillRef idx="1">
-              <a:schemeClr val="accent1"/>
-            </a:fillRef>
-            <a:effectRef idx="0">
-              <a:schemeClr val="accent1"/>
-            </a:effectRef>
-            <a:fontRef idx="minor">
-              <a:schemeClr val="lt1"/>
-            </a:fontRef>
-          </p:style>
-          <p:txBody>
-            <a:bodyPr rot="0" spcFirstLastPara="0" vertOverflow="overflow" horzOverflow="overflow" vert="horz" wrap="square" lIns="150146" tIns="75073" rIns="150146" bIns="75073" numCol="1" spcCol="0" rtlCol="0" fromWordArt="0" anchor="ctr" anchorCtr="0" forceAA="0" compatLnSpc="1">
-              <a:prstTxWarp prst="textNoShape">
-                <a:avLst/>
-              </a:prstTxWarp>
-              <a:noAutofit/>
-            </a:bodyPr>
-            <a:lstStyle/>
-            <a:p>
-              <a:pPr algn="ctr"/>
-              <a:r>
-                <a:rPr lang="en-US" sz="1642" dirty="0">
-                  <a:solidFill>
-                    <a:schemeClr val="tx1"/>
-                  </a:solidFill>
-                  <a:latin typeface="Calibri" panose="020F0502020204030204" pitchFamily="34" charset="0"/>
-                  <a:cs typeface="Calibri" panose="020F0502020204030204" pitchFamily="34" charset="0"/>
-                </a:rPr>
-                <a:t>Execute</a:t>
-              </a:r>
-            </a:p>
-            <a:p>
-              <a:pPr algn="ctr"/>
-              <a:r>
-                <a:rPr lang="en-US" sz="1642" dirty="0">
-                  <a:solidFill>
-                    <a:schemeClr val="tx1"/>
-                  </a:solidFill>
-                  <a:latin typeface="Calibri" panose="020F0502020204030204" pitchFamily="34" charset="0"/>
-                  <a:cs typeface="Calibri" panose="020F0502020204030204" pitchFamily="34" charset="0"/>
-                </a:rPr>
-                <a:t>the SUT</a:t>
-              </a:r>
-            </a:p>
-          </p:txBody>
-        </p:sp>
-        <p:cxnSp>
-          <p:nvCxnSpPr>
-            <p:cNvPr id="109" name="Straight Arrow Connector 108">
-              <a:extLst>
-                <a:ext uri="{FF2B5EF4-FFF2-40B4-BE49-F238E27FC236}">
-                  <a16:creationId xmlns:a16="http://schemas.microsoft.com/office/drawing/2014/main" id="{9020D2F2-B541-7C41-89CD-0A85921FC1CD}"/>
-                </a:ext>
-              </a:extLst>
-            </p:cNvPr>
-            <p:cNvCxnSpPr>
-              <a:cxnSpLocks/>
-              <a:stCxn id="110" idx="4"/>
-              <a:endCxn id="108" idx="0"/>
-            </p:cNvCxnSpPr>
-            <p:nvPr/>
-          </p:nvCxnSpPr>
-          <p:spPr>
-            <a:xfrm flipH="1">
-              <a:off x="2871302" y="2153669"/>
-              <a:ext cx="1451122" cy="526500"/>
-            </a:xfrm>
-            <a:prstGeom prst="straightConnector1">
-              <a:avLst/>
-            </a:prstGeom>
-            <a:ln w="38100">
-              <a:solidFill>
-                <a:schemeClr val="tx1"/>
-              </a:solidFill>
-              <a:tailEnd type="triangle"/>
-            </a:ln>
-          </p:spPr>
-          <p:style>
-            <a:lnRef idx="1">
-              <a:schemeClr val="accent1"/>
-            </a:lnRef>
-            <a:fillRef idx="0">
-              <a:schemeClr val="accent1"/>
-            </a:fillRef>
-            <a:effectRef idx="0">
-              <a:schemeClr val="accent1"/>
-            </a:effectRef>
-            <a:fontRef idx="minor">
-              <a:schemeClr val="tx1"/>
-            </a:fontRef>
-          </p:style>
-        </p:cxnSp>
-        <p:sp>
-          <p:nvSpPr>
-            <p:cNvPr id="110" name="Data 109">
-              <a:extLst>
-                <a:ext uri="{FF2B5EF4-FFF2-40B4-BE49-F238E27FC236}">
-                  <a16:creationId xmlns:a16="http://schemas.microsoft.com/office/drawing/2014/main" id="{3BE7C558-5581-1449-97E4-FF4056AC8C06}"/>
-                </a:ext>
-              </a:extLst>
-            </p:cNvPr>
-            <p:cNvSpPr/>
-            <p:nvPr/>
-          </p:nvSpPr>
-          <p:spPr>
-            <a:xfrm>
-              <a:off x="3240329" y="1344782"/>
-              <a:ext cx="2164190" cy="808887"/>
-            </a:xfrm>
-            <a:prstGeom prst="flowChartInputOutput">
-              <a:avLst/>
-            </a:prstGeom>
-            <a:noFill/>
-            <a:ln w="38100">
-              <a:solidFill>
-                <a:schemeClr val="tx1"/>
-              </a:solidFill>
-            </a:ln>
-          </p:spPr>
-          <p:style>
-            <a:lnRef idx="2">
-              <a:schemeClr val="accent1">
-                <a:shade val="50000"/>
-              </a:schemeClr>
-            </a:lnRef>
-            <a:fillRef idx="1">
-              <a:schemeClr val="accent1"/>
-            </a:fillRef>
-            <a:effectRef idx="0">
-              <a:schemeClr val="accent1"/>
-            </a:effectRef>
-            <a:fontRef idx="minor">
-              <a:schemeClr val="lt1"/>
-            </a:fontRef>
-          </p:style>
-          <p:txBody>
-            <a:bodyPr rot="0" spcFirstLastPara="0" vertOverflow="overflow" horzOverflow="overflow" vert="horz" wrap="square" lIns="150146" tIns="75073" rIns="150146" bIns="75073" numCol="1" spcCol="0" rtlCol="0" fromWordArt="0" anchor="ctr" anchorCtr="0" forceAA="0" compatLnSpc="1">
-              <a:prstTxWarp prst="textNoShape">
-                <a:avLst/>
-              </a:prstTxWarp>
-              <a:noAutofit/>
-            </a:bodyPr>
-            <a:lstStyle/>
-            <a:p>
-              <a:pPr algn="ctr"/>
-              <a:endParaRPr lang="en-US" sz="1642" dirty="0">
-                <a:solidFill>
-                  <a:schemeClr val="tx1"/>
-                </a:solidFill>
-                <a:latin typeface="Calibri" panose="020F0502020204030204" pitchFamily="34" charset="0"/>
-                <a:cs typeface="Calibri" panose="020F0502020204030204" pitchFamily="34" charset="0"/>
-              </a:endParaRPr>
-            </a:p>
-          </p:txBody>
-        </p:sp>
-        <p:cxnSp>
-          <p:nvCxnSpPr>
-            <p:cNvPr id="138" name="Straight Arrow Connector 137">
-              <a:extLst>
-                <a:ext uri="{FF2B5EF4-FFF2-40B4-BE49-F238E27FC236}">
-                  <a16:creationId xmlns:a16="http://schemas.microsoft.com/office/drawing/2014/main" id="{D7E5E5A2-D8CE-6D41-ACB4-90CA049BBFBF}"/>
-                </a:ext>
-              </a:extLst>
-            </p:cNvPr>
-            <p:cNvCxnSpPr>
-              <a:cxnSpLocks/>
-              <a:stCxn id="107" idx="3"/>
-              <a:endCxn id="108" idx="0"/>
-            </p:cNvCxnSpPr>
-            <p:nvPr/>
-          </p:nvCxnSpPr>
-          <p:spPr>
-            <a:xfrm>
-              <a:off x="2119316" y="2144683"/>
-              <a:ext cx="751986" cy="535486"/>
-            </a:xfrm>
-            <a:prstGeom prst="straightConnector1">
-              <a:avLst/>
-            </a:prstGeom>
-            <a:ln w="38100">
-              <a:solidFill>
-                <a:schemeClr val="tx1"/>
-              </a:solidFill>
-              <a:tailEnd type="triangle"/>
-            </a:ln>
-          </p:spPr>
-          <p:style>
-            <a:lnRef idx="1">
-              <a:schemeClr val="accent1"/>
-            </a:lnRef>
-            <a:fillRef idx="0">
-              <a:schemeClr val="accent1"/>
-            </a:fillRef>
-            <a:effectRef idx="0">
-              <a:schemeClr val="accent1"/>
-            </a:effectRef>
-            <a:fontRef idx="minor">
-              <a:schemeClr val="tx1"/>
-            </a:fontRef>
-          </p:style>
-        </p:cxnSp>
-        <p:sp>
-          <p:nvSpPr>
-            <p:cNvPr id="140" name="Rectangle 139">
-              <a:extLst>
-                <a:ext uri="{FF2B5EF4-FFF2-40B4-BE49-F238E27FC236}">
-                  <a16:creationId xmlns:a16="http://schemas.microsoft.com/office/drawing/2014/main" id="{9B6176DD-DF2C-734D-A761-B0B20B71EFB0}"/>
-                </a:ext>
-              </a:extLst>
-            </p:cNvPr>
-            <p:cNvSpPr/>
-            <p:nvPr/>
-          </p:nvSpPr>
-          <p:spPr>
-            <a:xfrm>
-              <a:off x="3389361" y="1324012"/>
-              <a:ext cx="1712031" cy="850426"/>
-            </a:xfrm>
-            <a:prstGeom prst="rect">
-              <a:avLst/>
-            </a:prstGeom>
-          </p:spPr>
-          <p:txBody>
-            <a:bodyPr wrap="square">
-              <a:spAutoFit/>
-            </a:bodyPr>
-            <a:lstStyle/>
-            <a:p>
-              <a:pPr algn="ctr"/>
-              <a:r>
-                <a:rPr lang="en-US" sz="1642" dirty="0">
-                  <a:latin typeface="Calibri" panose="020F0502020204030204" pitchFamily="34" charset="0"/>
-                  <a:cs typeface="Calibri" panose="020F0502020204030204" pitchFamily="34" charset="0"/>
-                </a:rPr>
-                <a:t>Software</a:t>
-              </a:r>
-            </a:p>
-            <a:p>
-              <a:pPr algn="ctr"/>
-              <a:r>
-                <a:rPr lang="en-US" sz="1642" dirty="0">
-                  <a:latin typeface="Calibri" panose="020F0502020204030204" pitchFamily="34" charset="0"/>
-                  <a:cs typeface="Calibri" panose="020F0502020204030204" pitchFamily="34" charset="0"/>
-                </a:rPr>
-                <a:t>Under</a:t>
-              </a:r>
-            </a:p>
-            <a:p>
-              <a:pPr algn="ctr"/>
-              <a:r>
-                <a:rPr lang="en-US" sz="1642" dirty="0">
-                  <a:latin typeface="Calibri" panose="020F0502020204030204" pitchFamily="34" charset="0"/>
-                  <a:cs typeface="Calibri" panose="020F0502020204030204" pitchFamily="34" charset="0"/>
-                </a:rPr>
-                <a:t>Test (SUT)</a:t>
-              </a:r>
-            </a:p>
-          </p:txBody>
-        </p:sp>
-        <p:sp>
-          <p:nvSpPr>
-            <p:cNvPr id="145" name="Terminator 144">
-              <a:extLst>
-                <a:ext uri="{FF2B5EF4-FFF2-40B4-BE49-F238E27FC236}">
-                  <a16:creationId xmlns:a16="http://schemas.microsoft.com/office/drawing/2014/main" id="{82F8FCBB-4DDE-124C-BE38-F297623DC40F}"/>
-                </a:ext>
-              </a:extLst>
-            </p:cNvPr>
-            <p:cNvSpPr/>
-            <p:nvPr/>
-          </p:nvSpPr>
-          <p:spPr>
-            <a:xfrm>
-              <a:off x="0" y="3293958"/>
-              <a:ext cx="873424" cy="689859"/>
-            </a:xfrm>
-            <a:prstGeom prst="flowChartTerminator">
-              <a:avLst/>
-            </a:prstGeom>
+              <a:latin typeface="Calibri" panose="020F0502020204030204" pitchFamily="34" charset="0"/>
+              <a:cs typeface="Calibri" panose="020F0502020204030204" pitchFamily="34" charset="0"/>
+            </a:endParaRPr>
+          </a:p>
+        </p:txBody>
+      </p:sp>
+      <p:cxnSp>
+        <p:nvCxnSpPr>
+          <p:cNvPr id="138" name="Straight Arrow Connector 137">
+            <a:extLst>
+              <a:ext uri="{FF2B5EF4-FFF2-40B4-BE49-F238E27FC236}">
+                <a16:creationId xmlns:a16="http://schemas.microsoft.com/office/drawing/2014/main" id="{D7E5E5A2-D8CE-6D41-ACB4-90CA049BBFBF}"/>
+              </a:ext>
+            </a:extLst>
+          </p:cNvPr>
+          <p:cNvCxnSpPr>
+            <a:cxnSpLocks/>
+            <a:stCxn id="107" idx="5"/>
+            <a:endCxn id="108" idx="1"/>
+          </p:cNvCxnSpPr>
+          <p:nvPr/>
+        </p:nvCxnSpPr>
+        <p:spPr>
+          <a:xfrm>
+            <a:off x="1397221" y="3495184"/>
+            <a:ext cx="1604353" cy="433578"/>
+          </a:xfrm>
+          <a:prstGeom prst="straightConnector1">
+            <a:avLst/>
+          </a:prstGeom>
+          <a:ln w="38100">
             <a:solidFill>
               <a:schemeClr val="tx1"/>
             </a:solidFill>
-            <a:ln w="38100">
-              <a:solidFill>
-                <a:schemeClr val="tx1"/>
-              </a:solidFill>
-            </a:ln>
-          </p:spPr>
-          <p:style>
-            <a:lnRef idx="2">
-              <a:schemeClr val="accent1">
-                <a:shade val="50000"/>
-              </a:schemeClr>
-            </a:lnRef>
-            <a:fillRef idx="1">
-              <a:schemeClr val="accent1"/>
-            </a:fillRef>
-            <a:effectRef idx="0">
-              <a:schemeClr val="accent1"/>
-            </a:effectRef>
-            <a:fontRef idx="minor">
-              <a:schemeClr val="lt1"/>
-            </a:fontRef>
-          </p:style>
-          <p:txBody>
-            <a:bodyPr rtlCol="0" anchor="ctr"/>
-            <a:lstStyle/>
-            <a:p>
-              <a:pPr algn="ctr"/>
-              <a:r>
-                <a:rPr lang="en-US" sz="1642" dirty="0">
-                  <a:solidFill>
-                    <a:schemeClr val="bg1"/>
-                  </a:solidFill>
-                  <a:latin typeface="Calibri" panose="020F0502020204030204" pitchFamily="34" charset="0"/>
-                  <a:cs typeface="Calibri" panose="020F0502020204030204" pitchFamily="34" charset="0"/>
-                </a:rPr>
-                <a:t>Start</a:t>
-              </a:r>
-            </a:p>
-          </p:txBody>
-        </p:sp>
-        <p:cxnSp>
-          <p:nvCxnSpPr>
-            <p:cNvPr id="146" name="Straight Arrow Connector 145">
-              <a:extLst>
-                <a:ext uri="{FF2B5EF4-FFF2-40B4-BE49-F238E27FC236}">
-                  <a16:creationId xmlns:a16="http://schemas.microsoft.com/office/drawing/2014/main" id="{24E2DA27-C7D8-6241-99D4-2477EBFC73BB}"/>
-                </a:ext>
-              </a:extLst>
-            </p:cNvPr>
-            <p:cNvCxnSpPr>
-              <a:cxnSpLocks/>
-              <a:endCxn id="108" idx="1"/>
-            </p:cNvCxnSpPr>
-            <p:nvPr/>
-          </p:nvCxnSpPr>
-          <p:spPr>
-            <a:xfrm>
-              <a:off x="1720515" y="3029815"/>
-              <a:ext cx="418564" cy="2"/>
-            </a:xfrm>
-            <a:prstGeom prst="straightConnector1">
-              <a:avLst/>
-            </a:prstGeom>
-            <a:ln w="38100">
-              <a:solidFill>
-                <a:schemeClr val="tx1"/>
-              </a:solidFill>
-              <a:tailEnd type="triangle"/>
-            </a:ln>
-          </p:spPr>
-          <p:style>
-            <a:lnRef idx="1">
-              <a:schemeClr val="accent1"/>
-            </a:lnRef>
-            <a:fillRef idx="0">
-              <a:schemeClr val="accent1"/>
-            </a:fillRef>
-            <a:effectRef idx="0">
-              <a:schemeClr val="accent1"/>
-            </a:effectRef>
-            <a:fontRef idx="minor">
+            <a:tailEnd type="triangle"/>
+          </a:ln>
+        </p:spPr>
+        <p:style>
+          <a:lnRef idx="1">
+            <a:schemeClr val="accent1"/>
+          </a:lnRef>
+          <a:fillRef idx="0">
+            <a:schemeClr val="accent1"/>
+          </a:fillRef>
+          <a:effectRef idx="0">
+            <a:schemeClr val="accent1"/>
+          </a:effectRef>
+          <a:fontRef idx="minor">
+            <a:schemeClr val="tx1"/>
+          </a:fontRef>
+        </p:style>
+      </p:cxnSp>
+      <p:sp>
+        <p:nvSpPr>
+          <p:cNvPr id="140" name="Rectangle 139">
+            <a:extLst>
+              <a:ext uri="{FF2B5EF4-FFF2-40B4-BE49-F238E27FC236}">
+                <a16:creationId xmlns:a16="http://schemas.microsoft.com/office/drawing/2014/main" id="{9B6176DD-DF2C-734D-A761-B0B20B71EFB0}"/>
+              </a:ext>
+            </a:extLst>
+          </p:cNvPr>
+          <p:cNvSpPr/>
+          <p:nvPr/>
+        </p:nvSpPr>
+        <p:spPr>
+          <a:xfrm>
+            <a:off x="406400" y="1840451"/>
+            <a:ext cx="1252715" cy="850426"/>
+          </a:xfrm>
+          <a:prstGeom prst="rect">
+            <a:avLst/>
+          </a:prstGeom>
+        </p:spPr>
+        <p:txBody>
+          <a:bodyPr wrap="square">
+            <a:spAutoFit/>
+          </a:bodyPr>
+          <a:lstStyle/>
+          <a:p>
+            <a:pPr algn="ctr"/>
+            <a:r>
+              <a:rPr lang="en-US" sz="1642" dirty="0">
+                <a:latin typeface="Calibri" panose="020F0502020204030204" pitchFamily="34" charset="0"/>
+                <a:cs typeface="Calibri" panose="020F0502020204030204" pitchFamily="34" charset="0"/>
+              </a:rPr>
+              <a:t>Software</a:t>
+            </a:r>
+          </a:p>
+          <a:p>
+            <a:pPr algn="ctr"/>
+            <a:r>
+              <a:rPr lang="en-US" sz="1642" dirty="0">
+                <a:latin typeface="Calibri" panose="020F0502020204030204" pitchFamily="34" charset="0"/>
+                <a:cs typeface="Calibri" panose="020F0502020204030204" pitchFamily="34" charset="0"/>
+              </a:rPr>
+              <a:t>Under</a:t>
+            </a:r>
+          </a:p>
+          <a:p>
+            <a:pPr algn="ctr"/>
+            <a:r>
+              <a:rPr lang="en-US" sz="1642" dirty="0">
+                <a:latin typeface="Calibri" panose="020F0502020204030204" pitchFamily="34" charset="0"/>
+                <a:cs typeface="Calibri" panose="020F0502020204030204" pitchFamily="34" charset="0"/>
+              </a:rPr>
+              <a:t>Test (SUT)</a:t>
+            </a:r>
+          </a:p>
+        </p:txBody>
+      </p:sp>
+      <p:sp>
+        <p:nvSpPr>
+          <p:cNvPr id="145" name="Terminator 144">
+            <a:extLst>
+              <a:ext uri="{FF2B5EF4-FFF2-40B4-BE49-F238E27FC236}">
+                <a16:creationId xmlns:a16="http://schemas.microsoft.com/office/drawing/2014/main" id="{82F8FCBB-4DDE-124C-BE38-F297623DC40F}"/>
+              </a:ext>
+            </a:extLst>
+          </p:cNvPr>
+          <p:cNvSpPr/>
+          <p:nvPr/>
+        </p:nvSpPr>
+        <p:spPr>
+          <a:xfrm>
+            <a:off x="76200" y="4368800"/>
+            <a:ext cx="939800" cy="428927"/>
+          </a:xfrm>
+          <a:prstGeom prst="flowChartTerminator">
+            <a:avLst/>
+          </a:prstGeom>
+          <a:solidFill>
+            <a:schemeClr val="tx1"/>
+          </a:solidFill>
+          <a:ln w="38100">
+            <a:solidFill>
               <a:schemeClr val="tx1"/>
-            </a:fontRef>
-          </p:style>
-        </p:cxnSp>
-        <p:cxnSp>
-          <p:nvCxnSpPr>
-            <p:cNvPr id="147" name="Straight Arrow Connector 146">
-              <a:extLst>
-                <a:ext uri="{FF2B5EF4-FFF2-40B4-BE49-F238E27FC236}">
-                  <a16:creationId xmlns:a16="http://schemas.microsoft.com/office/drawing/2014/main" id="{8B2391F4-B040-BE42-9E7C-8609A86FAF06}"/>
-                </a:ext>
-              </a:extLst>
-            </p:cNvPr>
-            <p:cNvCxnSpPr>
-              <a:cxnSpLocks/>
-              <a:stCxn id="145" idx="3"/>
-            </p:cNvCxnSpPr>
-            <p:nvPr/>
-          </p:nvCxnSpPr>
-          <p:spPr>
-            <a:xfrm>
-              <a:off x="873424" y="3638888"/>
-              <a:ext cx="775762" cy="0"/>
-            </a:xfrm>
-            <a:prstGeom prst="straightConnector1">
-              <a:avLst/>
-            </a:prstGeom>
-            <a:ln w="38100">
-              <a:solidFill>
-                <a:schemeClr val="tx1"/>
-              </a:solidFill>
-              <a:tailEnd type="triangle"/>
-            </a:ln>
-          </p:spPr>
-          <p:style>
-            <a:lnRef idx="1">
-              <a:schemeClr val="accent1"/>
-            </a:lnRef>
-            <a:fillRef idx="0">
-              <a:schemeClr val="accent1"/>
-            </a:fillRef>
-            <a:effectRef idx="0">
-              <a:schemeClr val="accent1"/>
-            </a:effectRef>
-            <a:fontRef idx="minor">
-              <a:schemeClr val="tx1"/>
-            </a:fontRef>
-          </p:style>
-        </p:cxnSp>
-      </p:grpSp>
+            </a:solidFill>
+          </a:ln>
+        </p:spPr>
+        <p:style>
+          <a:lnRef idx="2">
+            <a:schemeClr val="accent1">
+              <a:shade val="50000"/>
+            </a:schemeClr>
+          </a:lnRef>
+          <a:fillRef idx="1">
+            <a:schemeClr val="accent1"/>
+          </a:fillRef>
+          <a:effectRef idx="0">
+            <a:schemeClr val="accent1"/>
+          </a:effectRef>
+          <a:fontRef idx="minor">
+            <a:schemeClr val="lt1"/>
+          </a:fontRef>
+        </p:style>
+        <p:txBody>
+          <a:bodyPr rtlCol="0" anchor="ctr"/>
+          <a:lstStyle/>
+          <a:p>
+            <a:pPr algn="ctr"/>
+            <a:r>
+              <a:rPr lang="en-US" sz="1642" dirty="0">
+                <a:solidFill>
+                  <a:schemeClr val="bg1"/>
+                </a:solidFill>
+                <a:latin typeface="Calibri" panose="020F0502020204030204" pitchFamily="34" charset="0"/>
+                <a:cs typeface="Calibri" panose="020F0502020204030204" pitchFamily="34" charset="0"/>
+              </a:rPr>
+              <a:t>Start</a:t>
+            </a:r>
+          </a:p>
+        </p:txBody>
+      </p:sp>
       <p:cxnSp>
         <p:nvCxnSpPr>
-          <p:cNvPr id="148" name="Straight Arrow Connector 147">
+          <p:cNvPr id="146" name="Straight Arrow Connector 145">
             <a:extLst>
               <a:ext uri="{FF2B5EF4-FFF2-40B4-BE49-F238E27FC236}">
-                <a16:creationId xmlns:a16="http://schemas.microsoft.com/office/drawing/2014/main" id="{B9B6E737-3196-F941-A8AF-1A4C21C72C5F}"/>
+                <a16:creationId xmlns:a16="http://schemas.microsoft.com/office/drawing/2014/main" id="{24E2DA27-C7D8-6241-99D4-2477EBFC73BB}"/>
+              </a:ext>
+            </a:extLst>
+          </p:cNvPr>
+          <p:cNvCxnSpPr>
+            <a:cxnSpLocks/>
+            <a:endCxn id="108" idx="1"/>
+          </p:cNvCxnSpPr>
+          <p:nvPr/>
+        </p:nvCxnSpPr>
+        <p:spPr>
+          <a:xfrm>
+            <a:off x="2583011" y="3928760"/>
+            <a:ext cx="418564" cy="2"/>
+          </a:xfrm>
+          <a:prstGeom prst="straightConnector1">
+            <a:avLst/>
+          </a:prstGeom>
+          <a:ln w="38100">
+            <a:solidFill>
+              <a:schemeClr val="tx1"/>
+            </a:solidFill>
+            <a:tailEnd type="triangle"/>
+          </a:ln>
+        </p:spPr>
+        <p:style>
+          <a:lnRef idx="1">
+            <a:schemeClr val="accent1"/>
+          </a:lnRef>
+          <a:fillRef idx="0">
+            <a:schemeClr val="accent1"/>
+          </a:fillRef>
+          <a:effectRef idx="0">
+            <a:schemeClr val="accent1"/>
+          </a:effectRef>
+          <a:fontRef idx="minor">
+            <a:schemeClr val="tx1"/>
+          </a:fontRef>
+        </p:style>
+      </p:cxnSp>
+      <p:cxnSp>
+        <p:nvCxnSpPr>
+          <p:cNvPr id="147" name="Straight Arrow Connector 146">
+            <a:extLst>
+              <a:ext uri="{FF2B5EF4-FFF2-40B4-BE49-F238E27FC236}">
+                <a16:creationId xmlns:a16="http://schemas.microsoft.com/office/drawing/2014/main" id="{8B2391F4-B040-BE42-9E7C-8609A86FAF06}"/>
               </a:ext>
             </a:extLst>
           </p:cNvPr>
@@ -4390,8 +4387,8 @@
         </p:nvCxnSpPr>
         <p:spPr>
           <a:xfrm>
-            <a:off x="3580565" y="3307438"/>
-            <a:ext cx="647537" cy="0"/>
+            <a:off x="942009" y="4563233"/>
+            <a:ext cx="1569673" cy="0"/>
           </a:xfrm>
           <a:prstGeom prst="straightConnector1">
             <a:avLst/>
@@ -4418,609 +4415,490 @@
           </a:fontRef>
         </p:style>
       </p:cxnSp>
-      <p:grpSp>
-        <p:nvGrpSpPr>
-          <p:cNvPr id="149" name="Group 148">
+      <p:sp>
+        <p:nvSpPr>
+          <p:cNvPr id="150" name="Data 149">
             <a:extLst>
               <a:ext uri="{FF2B5EF4-FFF2-40B4-BE49-F238E27FC236}">
-                <a16:creationId xmlns:a16="http://schemas.microsoft.com/office/drawing/2014/main" id="{C4271A1C-6DDB-6B4E-83E5-F293CDCF71EC}"/>
+                <a16:creationId xmlns:a16="http://schemas.microsoft.com/office/drawing/2014/main" id="{021F3793-4B5D-2447-B479-CCACD6FE4389}"/>
               </a:ext>
             </a:extLst>
           </p:cNvPr>
-          <p:cNvGrpSpPr/>
+          <p:cNvSpPr/>
           <p:nvPr/>
-        </p:nvGrpSpPr>
-        <p:grpSpPr>
+        </p:nvSpPr>
+        <p:spPr>
           <a:xfrm>
-            <a:off x="1476207" y="3226771"/>
-            <a:ext cx="6006638" cy="3887136"/>
-            <a:chOff x="1476207" y="2998165"/>
-            <a:chExt cx="6006638" cy="3887136"/>
-          </a:xfrm>
-        </p:grpSpPr>
-        <p:sp>
-          <p:nvSpPr>
-            <p:cNvPr id="150" name="Data 149">
-              <a:extLst>
-                <a:ext uri="{FF2B5EF4-FFF2-40B4-BE49-F238E27FC236}">
-                  <a16:creationId xmlns:a16="http://schemas.microsoft.com/office/drawing/2014/main" id="{021F3793-4B5D-2447-B479-CCACD6FE4389}"/>
-                </a:ext>
-              </a:extLst>
-            </p:cNvPr>
-            <p:cNvSpPr/>
-            <p:nvPr/>
-          </p:nvSpPr>
-          <p:spPr>
-            <a:xfrm>
-              <a:off x="4936021" y="3039259"/>
-              <a:ext cx="2546824" cy="1038744"/>
-            </a:xfrm>
-            <a:prstGeom prst="flowChartInputOutput">
+            <a:off x="3288748" y="2800627"/>
+            <a:ext cx="1181652" cy="399774"/>
+          </a:xfrm>
+          <a:prstGeom prst="flowChartInputOutput">
+            <a:avLst/>
+          </a:prstGeom>
+          <a:noFill/>
+          <a:ln w="38100">
+            <a:solidFill>
+              <a:schemeClr val="tx1"/>
+            </a:solidFill>
+          </a:ln>
+        </p:spPr>
+        <p:style>
+          <a:lnRef idx="2">
+            <a:schemeClr val="accent1">
+              <a:shade val="50000"/>
+            </a:schemeClr>
+          </a:lnRef>
+          <a:fillRef idx="1">
+            <a:schemeClr val="accent1"/>
+          </a:fillRef>
+          <a:effectRef idx="0">
+            <a:schemeClr val="accent1"/>
+          </a:effectRef>
+          <a:fontRef idx="minor">
+            <a:schemeClr val="lt1"/>
+          </a:fontRef>
+        </p:style>
+        <p:txBody>
+          <a:bodyPr rot="0" spcFirstLastPara="0" vertOverflow="overflow" horzOverflow="overflow" vert="horz" wrap="square" lIns="150146" tIns="75073" rIns="150146" bIns="75073" numCol="1" spcCol="0" rtlCol="0" fromWordArt="0" anchor="ctr" anchorCtr="0" forceAA="0" compatLnSpc="1">
+            <a:prstTxWarp prst="textNoShape">
               <a:avLst/>
-            </a:prstGeom>
-            <a:noFill/>
-            <a:ln w="38100">
+            </a:prstTxWarp>
+            <a:noAutofit/>
+          </a:bodyPr>
+          <a:lstStyle/>
+          <a:p>
+            <a:pPr algn="ctr"/>
+            <a:endParaRPr lang="en-US" sz="1642" dirty="0">
               <a:solidFill>
                 <a:schemeClr val="tx1"/>
               </a:solidFill>
-            </a:ln>
-          </p:spPr>
-          <p:style>
-            <a:lnRef idx="2">
-              <a:schemeClr val="accent1">
-                <a:shade val="50000"/>
-              </a:schemeClr>
-            </a:lnRef>
-            <a:fillRef idx="1">
-              <a:schemeClr val="accent1"/>
-            </a:fillRef>
-            <a:effectRef idx="0">
-              <a:schemeClr val="accent1"/>
-            </a:effectRef>
-            <a:fontRef idx="minor">
-              <a:schemeClr val="lt1"/>
-            </a:fontRef>
-          </p:style>
-          <p:txBody>
-            <a:bodyPr rot="0" spcFirstLastPara="0" vertOverflow="overflow" horzOverflow="overflow" vert="horz" wrap="square" lIns="150146" tIns="75073" rIns="150146" bIns="75073" numCol="1" spcCol="0" rtlCol="0" fromWordArt="0" anchor="ctr" anchorCtr="0" forceAA="0" compatLnSpc="1">
-              <a:prstTxWarp prst="textNoShape">
-                <a:avLst/>
-              </a:prstTxWarp>
-              <a:noAutofit/>
-            </a:bodyPr>
-            <a:lstStyle/>
-            <a:p>
-              <a:pPr algn="ctr"/>
-              <a:r>
-                <a:rPr lang="en-US" sz="1642" dirty="0">
-                  <a:solidFill>
-                    <a:schemeClr val="tx1"/>
-                  </a:solidFill>
-                  <a:latin typeface="Calibri" panose="020F0502020204030204" pitchFamily="34" charset="0"/>
-                  <a:cs typeface="Calibri" panose="020F0502020204030204" pitchFamily="34" charset="0"/>
-                </a:rPr>
-                <a:t>Execution Output</a:t>
-              </a:r>
-            </a:p>
-            <a:p>
-              <a:pPr algn="ctr"/>
-              <a:r>
-                <a:rPr lang="en-US" sz="1642" dirty="0">
-                  <a:solidFill>
-                    <a:schemeClr val="tx1"/>
-                  </a:solidFill>
-                  <a:latin typeface="Calibri" panose="020F0502020204030204" pitchFamily="34" charset="0"/>
-                  <a:cs typeface="Calibri" panose="020F0502020204030204" pitchFamily="34" charset="0"/>
-                </a:rPr>
-                <a:t>(Test Results, Logs)</a:t>
-              </a:r>
-            </a:p>
-          </p:txBody>
-        </p:sp>
-        <p:cxnSp>
-          <p:nvCxnSpPr>
-            <p:cNvPr id="151" name="Straight Arrow Connector 150">
-              <a:extLst>
-                <a:ext uri="{FF2B5EF4-FFF2-40B4-BE49-F238E27FC236}">
-                  <a16:creationId xmlns:a16="http://schemas.microsoft.com/office/drawing/2014/main" id="{0D33AE7C-5A4D-E945-8379-65E4CF86FD7F}"/>
-                </a:ext>
-              </a:extLst>
-            </p:cNvPr>
-            <p:cNvCxnSpPr>
-              <a:cxnSpLocks/>
-              <a:endCxn id="150" idx="2"/>
-            </p:cNvCxnSpPr>
-            <p:nvPr/>
-          </p:nvCxnSpPr>
-          <p:spPr>
-            <a:xfrm>
-              <a:off x="4260750" y="3558631"/>
-              <a:ext cx="929955" cy="0"/>
-            </a:xfrm>
-            <a:prstGeom prst="straightConnector1">
+              <a:latin typeface="Calibri" panose="020F0502020204030204" pitchFamily="34" charset="0"/>
+              <a:cs typeface="Calibri" panose="020F0502020204030204" pitchFamily="34" charset="0"/>
+            </a:endParaRPr>
+          </a:p>
+        </p:txBody>
+      </p:sp>
+      <p:cxnSp>
+        <p:nvCxnSpPr>
+          <p:cNvPr id="151" name="Straight Arrow Connector 150">
+            <a:extLst>
+              <a:ext uri="{FF2B5EF4-FFF2-40B4-BE49-F238E27FC236}">
+                <a16:creationId xmlns:a16="http://schemas.microsoft.com/office/drawing/2014/main" id="{0D33AE7C-5A4D-E945-8379-65E4CF86FD7F}"/>
+              </a:ext>
+            </a:extLst>
+          </p:cNvPr>
+          <p:cNvCxnSpPr>
+            <a:cxnSpLocks/>
+            <a:stCxn id="108" idx="0"/>
+            <a:endCxn id="150" idx="4"/>
+          </p:cNvCxnSpPr>
+          <p:nvPr/>
+        </p:nvCxnSpPr>
+        <p:spPr>
+          <a:xfrm flipV="1">
+            <a:off x="3733798" y="3200401"/>
+            <a:ext cx="145776" cy="378713"/>
+          </a:xfrm>
+          <a:prstGeom prst="straightConnector1">
+            <a:avLst/>
+          </a:prstGeom>
+          <a:ln w="38100">
+            <a:solidFill>
+              <a:schemeClr val="tx1"/>
+            </a:solidFill>
+            <a:tailEnd type="triangle"/>
+          </a:ln>
+        </p:spPr>
+        <p:style>
+          <a:lnRef idx="1">
+            <a:schemeClr val="accent1"/>
+          </a:lnRef>
+          <a:fillRef idx="0">
+            <a:schemeClr val="accent1"/>
+          </a:fillRef>
+          <a:effectRef idx="0">
+            <a:schemeClr val="accent1"/>
+          </a:effectRef>
+          <a:fontRef idx="minor">
+            <a:schemeClr val="tx1"/>
+          </a:fontRef>
+        </p:style>
+      </p:cxnSp>
+      <p:cxnSp>
+        <p:nvCxnSpPr>
+          <p:cNvPr id="152" name="Straight Arrow Connector 151">
+            <a:extLst>
+              <a:ext uri="{FF2B5EF4-FFF2-40B4-BE49-F238E27FC236}">
+                <a16:creationId xmlns:a16="http://schemas.microsoft.com/office/drawing/2014/main" id="{B1CE394E-59A6-3442-8AFD-3695F544EC9F}"/>
+              </a:ext>
+            </a:extLst>
+          </p:cNvPr>
+          <p:cNvCxnSpPr>
+            <a:cxnSpLocks/>
+          </p:cNvCxnSpPr>
+          <p:nvPr/>
+        </p:nvCxnSpPr>
+        <p:spPr>
+          <a:xfrm>
+            <a:off x="2570434" y="4823639"/>
+            <a:ext cx="474932" cy="0"/>
+          </a:xfrm>
+          <a:prstGeom prst="straightConnector1">
+            <a:avLst/>
+          </a:prstGeom>
+          <a:ln w="38100">
+            <a:solidFill>
+              <a:schemeClr val="tx1"/>
+            </a:solidFill>
+            <a:tailEnd type="triangle"/>
+          </a:ln>
+        </p:spPr>
+        <p:style>
+          <a:lnRef idx="1">
+            <a:schemeClr val="accent1"/>
+          </a:lnRef>
+          <a:fillRef idx="0">
+            <a:schemeClr val="accent1"/>
+          </a:fillRef>
+          <a:effectRef idx="0">
+            <a:schemeClr val="accent1"/>
+          </a:effectRef>
+          <a:fontRef idx="minor">
+            <a:schemeClr val="tx1"/>
+          </a:fontRef>
+        </p:style>
+      </p:cxnSp>
+      <p:sp>
+        <p:nvSpPr>
+          <p:cNvPr id="153" name="Data 152">
+            <a:extLst>
+              <a:ext uri="{FF2B5EF4-FFF2-40B4-BE49-F238E27FC236}">
+                <a16:creationId xmlns:a16="http://schemas.microsoft.com/office/drawing/2014/main" id="{99E71B39-A5B1-E74F-9D50-AC0B29872CAC}"/>
+              </a:ext>
+            </a:extLst>
+          </p:cNvPr>
+          <p:cNvSpPr/>
+          <p:nvPr/>
+        </p:nvSpPr>
+        <p:spPr>
+          <a:xfrm>
+            <a:off x="2333487" y="7334770"/>
+            <a:ext cx="1534654" cy="815323"/>
+          </a:xfrm>
+          <a:prstGeom prst="flowChartInputOutput">
+            <a:avLst/>
+          </a:prstGeom>
+          <a:noFill/>
+          <a:ln w="38100">
+            <a:solidFill>
+              <a:schemeClr val="tx1"/>
+            </a:solidFill>
+          </a:ln>
+        </p:spPr>
+        <p:style>
+          <a:lnRef idx="2">
+            <a:schemeClr val="accent1">
+              <a:shade val="50000"/>
+            </a:schemeClr>
+          </a:lnRef>
+          <a:fillRef idx="1">
+            <a:schemeClr val="accent1"/>
+          </a:fillRef>
+          <a:effectRef idx="0">
+            <a:schemeClr val="accent1"/>
+          </a:effectRef>
+          <a:fontRef idx="minor">
+            <a:schemeClr val="lt1"/>
+          </a:fontRef>
+        </p:style>
+        <p:txBody>
+          <a:bodyPr rot="0" spcFirstLastPara="0" vertOverflow="overflow" horzOverflow="overflow" vert="horz" wrap="square" lIns="150146" tIns="75073" rIns="150146" bIns="75073" numCol="1" spcCol="0" rtlCol="0" fromWordArt="0" anchor="ctr" anchorCtr="0" forceAA="0" compatLnSpc="1">
+            <a:prstTxWarp prst="textNoShape">
               <a:avLst/>
-            </a:prstGeom>
-            <a:ln w="38100">
-              <a:solidFill>
-                <a:schemeClr val="tx1"/>
-              </a:solidFill>
-              <a:tailEnd type="triangle"/>
-            </a:ln>
-          </p:spPr>
-          <p:style>
-            <a:lnRef idx="1">
-              <a:schemeClr val="accent1"/>
-            </a:lnRef>
-            <a:fillRef idx="0">
-              <a:schemeClr val="accent1"/>
-            </a:fillRef>
-            <a:effectRef idx="0">
-              <a:schemeClr val="accent1"/>
-            </a:effectRef>
-            <a:fontRef idx="minor">
+            </a:prstTxWarp>
+            <a:noAutofit/>
+          </a:bodyPr>
+          <a:lstStyle/>
+          <a:p>
+            <a:pPr algn="ctr"/>
+            <a:r>
+              <a:rPr lang="en-US" sz="1642" dirty="0">
+                <a:solidFill>
+                  <a:schemeClr val="tx1"/>
+                </a:solidFill>
+                <a:latin typeface="Calibri" panose="020F0502020204030204" pitchFamily="34" charset="0"/>
+                <a:cs typeface="Calibri" panose="020F0502020204030204" pitchFamily="34" charset="0"/>
+              </a:rPr>
+              <a:t>Fault</a:t>
+            </a:r>
+          </a:p>
+          <a:p>
+            <a:pPr algn="ctr"/>
+            <a:r>
+              <a:rPr lang="en-US" sz="1642" dirty="0">
+                <a:solidFill>
+                  <a:schemeClr val="tx1"/>
+                </a:solidFill>
+                <a:latin typeface="Calibri" panose="020F0502020204030204" pitchFamily="34" charset="0"/>
+                <a:cs typeface="Calibri" panose="020F0502020204030204" pitchFamily="34" charset="0"/>
+              </a:rPr>
+              <a:t>Model</a:t>
+            </a:r>
+          </a:p>
+        </p:txBody>
+      </p:sp>
+      <p:sp>
+        <p:nvSpPr>
+          <p:cNvPr id="154" name="Data 153">
+            <a:extLst>
+              <a:ext uri="{FF2B5EF4-FFF2-40B4-BE49-F238E27FC236}">
+                <a16:creationId xmlns:a16="http://schemas.microsoft.com/office/drawing/2014/main" id="{A0D8EEDD-58FB-EB41-95A0-B9EF3CCA2B33}"/>
+              </a:ext>
+            </a:extLst>
+          </p:cNvPr>
+          <p:cNvSpPr/>
+          <p:nvPr/>
+        </p:nvSpPr>
+        <p:spPr>
+          <a:xfrm>
+            <a:off x="3764536" y="7358272"/>
+            <a:ext cx="1491056" cy="809183"/>
+          </a:xfrm>
+          <a:prstGeom prst="flowChartInputOutput">
+            <a:avLst/>
+          </a:prstGeom>
+          <a:noFill/>
+          <a:ln w="38100">
+            <a:solidFill>
               <a:schemeClr val="tx1"/>
-            </a:fontRef>
-          </p:style>
-        </p:cxnSp>
-        <p:cxnSp>
-          <p:nvCxnSpPr>
-            <p:cNvPr id="152" name="Straight Arrow Connector 151">
-              <a:extLst>
-                <a:ext uri="{FF2B5EF4-FFF2-40B4-BE49-F238E27FC236}">
-                  <a16:creationId xmlns:a16="http://schemas.microsoft.com/office/drawing/2014/main" id="{B1CE394E-59A6-3442-8AFD-3695F544EC9F}"/>
-                </a:ext>
-              </a:extLst>
-            </p:cNvPr>
-            <p:cNvCxnSpPr>
-              <a:cxnSpLocks/>
-            </p:cNvCxnSpPr>
-            <p:nvPr/>
-          </p:nvCxnSpPr>
-          <p:spPr>
-            <a:xfrm>
-              <a:off x="1707938" y="4274772"/>
-              <a:ext cx="474932" cy="0"/>
-            </a:xfrm>
-            <a:prstGeom prst="straightConnector1">
+            </a:solidFill>
+          </a:ln>
+        </p:spPr>
+        <p:style>
+          <a:lnRef idx="2">
+            <a:schemeClr val="accent1">
+              <a:shade val="50000"/>
+            </a:schemeClr>
+          </a:lnRef>
+          <a:fillRef idx="1">
+            <a:schemeClr val="accent1"/>
+          </a:fillRef>
+          <a:effectRef idx="0">
+            <a:schemeClr val="accent1"/>
+          </a:effectRef>
+          <a:fontRef idx="minor">
+            <a:schemeClr val="lt1"/>
+          </a:fontRef>
+        </p:style>
+        <p:txBody>
+          <a:bodyPr rot="0" spcFirstLastPara="0" vertOverflow="overflow" horzOverflow="overflow" vert="horz" wrap="square" lIns="150146" tIns="75073" rIns="150146" bIns="75073" numCol="1" spcCol="0" rtlCol="0" fromWordArt="0" anchor="ctr" anchorCtr="0" forceAA="0" compatLnSpc="1">
+            <a:prstTxWarp prst="textNoShape">
               <a:avLst/>
-            </a:prstGeom>
-            <a:ln w="38100">
-              <a:solidFill>
-                <a:schemeClr val="tx1"/>
-              </a:solidFill>
-              <a:tailEnd type="triangle"/>
-            </a:ln>
-          </p:spPr>
-          <p:style>
-            <a:lnRef idx="1">
-              <a:schemeClr val="accent1"/>
-            </a:lnRef>
-            <a:fillRef idx="0">
-              <a:schemeClr val="accent1"/>
-            </a:fillRef>
-            <a:effectRef idx="0">
-              <a:schemeClr val="accent1"/>
-            </a:effectRef>
-            <a:fontRef idx="minor">
+            </a:prstTxWarp>
+            <a:noAutofit/>
+          </a:bodyPr>
+          <a:lstStyle/>
+          <a:p>
+            <a:pPr algn="ctr"/>
+            <a:r>
+              <a:rPr lang="en-US" sz="1642" dirty="0">
+                <a:solidFill>
+                  <a:schemeClr val="tx1"/>
+                </a:solidFill>
+                <a:latin typeface="Calibri" panose="020F0502020204030204" pitchFamily="34" charset="0"/>
+                <a:cs typeface="Calibri" panose="020F0502020204030204" pitchFamily="34" charset="0"/>
+              </a:rPr>
+              <a:t>Data</a:t>
+            </a:r>
+          </a:p>
+          <a:p>
+            <a:pPr algn="ctr"/>
+            <a:r>
+              <a:rPr lang="en-US" sz="1642" dirty="0">
+                <a:solidFill>
+                  <a:schemeClr val="tx1"/>
+                </a:solidFill>
+                <a:latin typeface="Calibri" panose="020F0502020204030204" pitchFamily="34" charset="0"/>
+                <a:cs typeface="Calibri" panose="020F0502020204030204" pitchFamily="34" charset="0"/>
+              </a:rPr>
+              <a:t>Model</a:t>
+            </a:r>
+          </a:p>
+        </p:txBody>
+      </p:sp>
+      <p:sp>
+        <p:nvSpPr>
+          <p:cNvPr id="156" name="Process 155">
+            <a:extLst>
+              <a:ext uri="{FF2B5EF4-FFF2-40B4-BE49-F238E27FC236}">
+                <a16:creationId xmlns:a16="http://schemas.microsoft.com/office/drawing/2014/main" id="{0825BC45-F236-BF44-ACC0-FCEA27615DF7}"/>
+              </a:ext>
+            </a:extLst>
+          </p:cNvPr>
+          <p:cNvSpPr/>
+          <p:nvPr/>
+        </p:nvSpPr>
+        <p:spPr>
+          <a:xfrm>
+            <a:off x="3064135" y="4546599"/>
+            <a:ext cx="1400799" cy="607919"/>
+          </a:xfrm>
+          <a:prstGeom prst="flowChartProcess">
+            <a:avLst/>
+          </a:prstGeom>
+          <a:solidFill>
+            <a:schemeClr val="bg1"/>
+          </a:solidFill>
+          <a:ln w="38100">
+            <a:solidFill>
               <a:schemeClr val="tx1"/>
-            </a:fontRef>
-          </p:style>
-        </p:cxnSp>
-        <p:sp>
-          <p:nvSpPr>
-            <p:cNvPr id="153" name="Data 152">
-              <a:extLst>
-                <a:ext uri="{FF2B5EF4-FFF2-40B4-BE49-F238E27FC236}">
-                  <a16:creationId xmlns:a16="http://schemas.microsoft.com/office/drawing/2014/main" id="{99E71B39-A5B1-E74F-9D50-AC0B29872CAC}"/>
-                </a:ext>
-              </a:extLst>
-            </p:cNvPr>
-            <p:cNvSpPr/>
-            <p:nvPr/>
-          </p:nvSpPr>
-          <p:spPr>
-            <a:xfrm>
-              <a:off x="1476207" y="6052616"/>
-              <a:ext cx="1903097" cy="815323"/>
-            </a:xfrm>
-            <a:prstGeom prst="flowChartInputOutput">
+            </a:solidFill>
+          </a:ln>
+        </p:spPr>
+        <p:style>
+          <a:lnRef idx="2">
+            <a:schemeClr val="accent1">
+              <a:shade val="50000"/>
+            </a:schemeClr>
+          </a:lnRef>
+          <a:fillRef idx="1">
+            <a:schemeClr val="accent1"/>
+          </a:fillRef>
+          <a:effectRef idx="0">
+            <a:schemeClr val="accent1"/>
+          </a:effectRef>
+          <a:fontRef idx="minor">
+            <a:schemeClr val="lt1"/>
+          </a:fontRef>
+        </p:style>
+        <p:txBody>
+          <a:bodyPr rot="0" spcFirstLastPara="0" vertOverflow="overflow" horzOverflow="overflow" vert="horz" wrap="square" lIns="150146" tIns="75073" rIns="150146" bIns="75073" numCol="1" spcCol="0" rtlCol="0" fromWordArt="0" anchor="ctr" anchorCtr="0" forceAA="0" compatLnSpc="1">
+            <a:prstTxWarp prst="textNoShape">
               <a:avLst/>
-            </a:prstGeom>
-            <a:noFill/>
-            <a:ln w="38100">
-              <a:solidFill>
-                <a:schemeClr val="tx1"/>
-              </a:solidFill>
-            </a:ln>
-          </p:spPr>
-          <p:style>
-            <a:lnRef idx="2">
-              <a:schemeClr val="accent1">
-                <a:shade val="50000"/>
-              </a:schemeClr>
-            </a:lnRef>
-            <a:fillRef idx="1">
-              <a:schemeClr val="accent1"/>
-            </a:fillRef>
-            <a:effectRef idx="0">
-              <a:schemeClr val="accent1"/>
-            </a:effectRef>
-            <a:fontRef idx="minor">
-              <a:schemeClr val="lt1"/>
-            </a:fontRef>
-          </p:style>
-          <p:txBody>
-            <a:bodyPr rot="0" spcFirstLastPara="0" vertOverflow="overflow" horzOverflow="overflow" vert="horz" wrap="square" lIns="150146" tIns="75073" rIns="150146" bIns="75073" numCol="1" spcCol="0" rtlCol="0" fromWordArt="0" anchor="ctr" anchorCtr="0" forceAA="0" compatLnSpc="1">
-              <a:prstTxWarp prst="textNoShape">
-                <a:avLst/>
-              </a:prstTxWarp>
-              <a:noAutofit/>
-            </a:bodyPr>
-            <a:lstStyle/>
-            <a:p>
-              <a:pPr algn="ctr"/>
-              <a:r>
-                <a:rPr lang="en-US" sz="1642" dirty="0">
-                  <a:solidFill>
-                    <a:schemeClr val="tx1"/>
-                  </a:solidFill>
-                  <a:latin typeface="Calibri" panose="020F0502020204030204" pitchFamily="34" charset="0"/>
-                  <a:cs typeface="Calibri" panose="020F0502020204030204" pitchFamily="34" charset="0"/>
-                </a:rPr>
-                <a:t>Fault</a:t>
-              </a:r>
-            </a:p>
-            <a:p>
-              <a:pPr algn="ctr"/>
-              <a:r>
-                <a:rPr lang="en-US" sz="1642" dirty="0">
-                  <a:solidFill>
-                    <a:schemeClr val="tx1"/>
-                  </a:solidFill>
-                  <a:latin typeface="Calibri" panose="020F0502020204030204" pitchFamily="34" charset="0"/>
-                  <a:cs typeface="Calibri" panose="020F0502020204030204" pitchFamily="34" charset="0"/>
-                </a:rPr>
-                <a:t>Model</a:t>
-              </a:r>
-            </a:p>
-          </p:txBody>
-        </p:sp>
-        <p:sp>
-          <p:nvSpPr>
-            <p:cNvPr id="154" name="Data 153">
-              <a:extLst>
-                <a:ext uri="{FF2B5EF4-FFF2-40B4-BE49-F238E27FC236}">
-                  <a16:creationId xmlns:a16="http://schemas.microsoft.com/office/drawing/2014/main" id="{A0D8EEDD-58FB-EB41-95A0-B9EF3CCA2B33}"/>
-                </a:ext>
-              </a:extLst>
-            </p:cNvPr>
-            <p:cNvSpPr/>
-            <p:nvPr/>
-          </p:nvSpPr>
-          <p:spPr>
-            <a:xfrm>
-              <a:off x="3275698" y="6076118"/>
-              <a:ext cx="1755259" cy="809183"/>
-            </a:xfrm>
-            <a:prstGeom prst="flowChartInputOutput">
-              <a:avLst/>
-            </a:prstGeom>
-            <a:noFill/>
-            <a:ln w="38100">
-              <a:solidFill>
-                <a:schemeClr val="tx1"/>
-              </a:solidFill>
-            </a:ln>
-          </p:spPr>
-          <p:style>
-            <a:lnRef idx="2">
-              <a:schemeClr val="accent1">
-                <a:shade val="50000"/>
-              </a:schemeClr>
-            </a:lnRef>
-            <a:fillRef idx="1">
-              <a:schemeClr val="accent1"/>
-            </a:fillRef>
-            <a:effectRef idx="0">
-              <a:schemeClr val="accent1"/>
-            </a:effectRef>
-            <a:fontRef idx="minor">
-              <a:schemeClr val="lt1"/>
-            </a:fontRef>
-          </p:style>
-          <p:txBody>
-            <a:bodyPr rot="0" spcFirstLastPara="0" vertOverflow="overflow" horzOverflow="overflow" vert="horz" wrap="square" lIns="150146" tIns="75073" rIns="150146" bIns="75073" numCol="1" spcCol="0" rtlCol="0" fromWordArt="0" anchor="ctr" anchorCtr="0" forceAA="0" compatLnSpc="1">
-              <a:prstTxWarp prst="textNoShape">
-                <a:avLst/>
-              </a:prstTxWarp>
-              <a:noAutofit/>
-            </a:bodyPr>
-            <a:lstStyle/>
-            <a:p>
-              <a:pPr algn="ctr"/>
-              <a:r>
-                <a:rPr lang="en-US" sz="1642" dirty="0">
-                  <a:solidFill>
-                    <a:schemeClr val="tx1"/>
-                  </a:solidFill>
-                  <a:latin typeface="Calibri" panose="020F0502020204030204" pitchFamily="34" charset="0"/>
-                  <a:cs typeface="Calibri" panose="020F0502020204030204" pitchFamily="34" charset="0"/>
-                </a:rPr>
-                <a:t>Data</a:t>
-              </a:r>
-            </a:p>
-            <a:p>
-              <a:pPr algn="ctr"/>
-              <a:r>
-                <a:rPr lang="en-US" sz="1642" dirty="0">
-                  <a:solidFill>
-                    <a:schemeClr val="tx1"/>
-                  </a:solidFill>
-                  <a:latin typeface="Calibri" panose="020F0502020204030204" pitchFamily="34" charset="0"/>
-                  <a:cs typeface="Calibri" panose="020F0502020204030204" pitchFamily="34" charset="0"/>
-                </a:rPr>
-                <a:t>Model</a:t>
-              </a:r>
-            </a:p>
-          </p:txBody>
-        </p:sp>
-        <p:sp>
-          <p:nvSpPr>
-            <p:cNvPr id="156" name="Process 155">
-              <a:extLst>
-                <a:ext uri="{FF2B5EF4-FFF2-40B4-BE49-F238E27FC236}">
-                  <a16:creationId xmlns:a16="http://schemas.microsoft.com/office/drawing/2014/main" id="{0825BC45-F236-BF44-ACC0-FCEA27615DF7}"/>
-                </a:ext>
-              </a:extLst>
-            </p:cNvPr>
-            <p:cNvSpPr/>
-            <p:nvPr/>
-          </p:nvSpPr>
-          <p:spPr>
-            <a:xfrm>
-              <a:off x="2201639" y="3694634"/>
-              <a:ext cx="1400799" cy="911018"/>
-            </a:xfrm>
-            <a:prstGeom prst="flowChartProcess">
-              <a:avLst/>
-            </a:prstGeom>
-            <a:noFill/>
-            <a:ln w="38100">
-              <a:solidFill>
-                <a:schemeClr val="tx1"/>
-              </a:solidFill>
-            </a:ln>
-          </p:spPr>
-          <p:style>
-            <a:lnRef idx="2">
-              <a:schemeClr val="accent1">
-                <a:shade val="50000"/>
-              </a:schemeClr>
-            </a:lnRef>
-            <a:fillRef idx="1">
-              <a:schemeClr val="accent1"/>
-            </a:fillRef>
-            <a:effectRef idx="0">
-              <a:schemeClr val="accent1"/>
-            </a:effectRef>
-            <a:fontRef idx="minor">
-              <a:schemeClr val="lt1"/>
-            </a:fontRef>
-          </p:style>
-          <p:txBody>
-            <a:bodyPr rot="0" spcFirstLastPara="0" vertOverflow="overflow" horzOverflow="overflow" vert="horz" wrap="square" lIns="150146" tIns="75073" rIns="150146" bIns="75073" numCol="1" spcCol="0" rtlCol="0" fromWordArt="0" anchor="ctr" anchorCtr="0" forceAA="0" compatLnSpc="1">
-              <a:prstTxWarp prst="textNoShape">
-                <a:avLst/>
-              </a:prstTxWarp>
-              <a:noAutofit/>
-            </a:bodyPr>
-            <a:lstStyle/>
-            <a:p>
-              <a:pPr algn="ctr"/>
-              <a:r>
-                <a:rPr lang="en-US" sz="1642" dirty="0">
-                  <a:solidFill>
-                    <a:schemeClr val="tx1"/>
-                  </a:solidFill>
-                  <a:latin typeface="Calibri" panose="020F0502020204030204" pitchFamily="34" charset="0"/>
-                  <a:cs typeface="Calibri" panose="020F0502020204030204" pitchFamily="34" charset="0"/>
-                </a:rPr>
-                <a:t>Mutate</a:t>
-              </a:r>
-            </a:p>
-            <a:p>
-              <a:pPr algn="ctr"/>
-              <a:r>
-                <a:rPr lang="en-US" sz="1642" dirty="0">
-                  <a:solidFill>
-                    <a:schemeClr val="tx1"/>
-                  </a:solidFill>
-                  <a:latin typeface="Calibri" panose="020F0502020204030204" pitchFamily="34" charset="0"/>
-                  <a:cs typeface="Calibri" panose="020F0502020204030204" pitchFamily="34" charset="0"/>
-                </a:rPr>
-                <a:t>Data</a:t>
-              </a:r>
-            </a:p>
-          </p:txBody>
-        </p:sp>
-        <p:cxnSp>
-          <p:nvCxnSpPr>
-            <p:cNvPr id="157" name="Straight Arrow Connector 156">
-              <a:extLst>
-                <a:ext uri="{FF2B5EF4-FFF2-40B4-BE49-F238E27FC236}">
-                  <a16:creationId xmlns:a16="http://schemas.microsoft.com/office/drawing/2014/main" id="{610307D7-0D49-E247-A1CE-B909CFB0521D}"/>
-                </a:ext>
-              </a:extLst>
-            </p:cNvPr>
-            <p:cNvCxnSpPr>
-              <a:cxnSpLocks/>
-              <a:stCxn id="153" idx="1"/>
-              <a:endCxn id="156" idx="2"/>
-            </p:cNvCxnSpPr>
-            <p:nvPr/>
-          </p:nvCxnSpPr>
-          <p:spPr>
-            <a:xfrm flipV="1">
-              <a:off x="2427756" y="4605652"/>
-              <a:ext cx="474283" cy="1446964"/>
-            </a:xfrm>
-            <a:prstGeom prst="straightConnector1">
-              <a:avLst/>
-            </a:prstGeom>
-            <a:ln w="38100">
-              <a:solidFill>
-                <a:schemeClr val="tx1"/>
-              </a:solidFill>
-              <a:tailEnd type="triangle"/>
-            </a:ln>
-          </p:spPr>
-          <p:style>
-            <a:lnRef idx="1">
-              <a:schemeClr val="accent1"/>
-            </a:lnRef>
-            <a:fillRef idx="0">
-              <a:schemeClr val="accent1"/>
-            </a:fillRef>
-            <a:effectRef idx="0">
-              <a:schemeClr val="accent1"/>
-            </a:effectRef>
-            <a:fontRef idx="minor">
+            </a:prstTxWarp>
+            <a:noAutofit/>
+          </a:bodyPr>
+          <a:lstStyle/>
+          <a:p>
+            <a:pPr algn="ctr"/>
+            <a:r>
+              <a:rPr lang="en-US" sz="1642" dirty="0">
+                <a:solidFill>
+                  <a:schemeClr val="tx1"/>
+                </a:solidFill>
+                <a:latin typeface="Calibri" panose="020F0502020204030204" pitchFamily="34" charset="0"/>
+                <a:cs typeface="Calibri" panose="020F0502020204030204" pitchFamily="34" charset="0"/>
+              </a:rPr>
+              <a:t>Mutate</a:t>
+            </a:r>
+          </a:p>
+          <a:p>
+            <a:pPr algn="ctr"/>
+            <a:r>
+              <a:rPr lang="en-US" sz="1642" dirty="0">
+                <a:solidFill>
+                  <a:schemeClr val="tx1"/>
+                </a:solidFill>
+                <a:latin typeface="Calibri" panose="020F0502020204030204" pitchFamily="34" charset="0"/>
+                <a:cs typeface="Calibri" panose="020F0502020204030204" pitchFamily="34" charset="0"/>
+              </a:rPr>
+              <a:t>Data</a:t>
+            </a:r>
+          </a:p>
+        </p:txBody>
+      </p:sp>
+      <p:cxnSp>
+        <p:nvCxnSpPr>
+          <p:cNvPr id="157" name="Straight Arrow Connector 156">
+            <a:extLst>
+              <a:ext uri="{FF2B5EF4-FFF2-40B4-BE49-F238E27FC236}">
+                <a16:creationId xmlns:a16="http://schemas.microsoft.com/office/drawing/2014/main" id="{610307D7-0D49-E247-A1CE-B909CFB0521D}"/>
+              </a:ext>
+            </a:extLst>
+          </p:cNvPr>
+          <p:cNvCxnSpPr>
+            <a:cxnSpLocks/>
+            <a:stCxn id="153" idx="1"/>
+            <a:endCxn id="156" idx="2"/>
+          </p:cNvCxnSpPr>
+          <p:nvPr/>
+        </p:nvCxnSpPr>
+        <p:spPr>
+          <a:xfrm flipV="1">
+            <a:off x="3100814" y="5154518"/>
+            <a:ext cx="663721" cy="2180252"/>
+          </a:xfrm>
+          <a:prstGeom prst="straightConnector1">
+            <a:avLst/>
+          </a:prstGeom>
+          <a:ln w="38100">
+            <a:solidFill>
               <a:schemeClr val="tx1"/>
-            </a:fontRef>
-          </p:style>
-        </p:cxnSp>
-        <p:cxnSp>
-          <p:nvCxnSpPr>
-            <p:cNvPr id="158" name="Straight Arrow Connector 157">
-              <a:extLst>
-                <a:ext uri="{FF2B5EF4-FFF2-40B4-BE49-F238E27FC236}">
-                  <a16:creationId xmlns:a16="http://schemas.microsoft.com/office/drawing/2014/main" id="{FDEA0D3E-BB94-7140-B2E4-DC9D81765DA5}"/>
-                </a:ext>
-              </a:extLst>
-            </p:cNvPr>
-            <p:cNvCxnSpPr>
-              <a:cxnSpLocks/>
-              <a:stCxn id="154" idx="1"/>
-              <a:endCxn id="156" idx="2"/>
-            </p:cNvCxnSpPr>
-            <p:nvPr/>
-          </p:nvCxnSpPr>
-          <p:spPr>
-            <a:xfrm flipH="1" flipV="1">
-              <a:off x="2902039" y="4605652"/>
-              <a:ext cx="1251289" cy="1470466"/>
-            </a:xfrm>
-            <a:prstGeom prst="straightConnector1">
-              <a:avLst/>
-            </a:prstGeom>
-            <a:ln w="38100">
-              <a:solidFill>
-                <a:schemeClr val="tx1"/>
-              </a:solidFill>
-              <a:tailEnd type="triangle"/>
-            </a:ln>
-          </p:spPr>
-          <p:style>
-            <a:lnRef idx="1">
-              <a:schemeClr val="accent1"/>
-            </a:lnRef>
-            <a:fillRef idx="0">
-              <a:schemeClr val="accent1"/>
-            </a:fillRef>
-            <a:effectRef idx="0">
-              <a:schemeClr val="accent1"/>
-            </a:effectRef>
-            <a:fontRef idx="minor">
+            </a:solidFill>
+            <a:tailEnd type="triangle"/>
+          </a:ln>
+        </p:spPr>
+        <p:style>
+          <a:lnRef idx="1">
+            <a:schemeClr val="accent1"/>
+          </a:lnRef>
+          <a:fillRef idx="0">
+            <a:schemeClr val="accent1"/>
+          </a:fillRef>
+          <a:effectRef idx="0">
+            <a:schemeClr val="accent1"/>
+          </a:effectRef>
+          <a:fontRef idx="minor">
+            <a:schemeClr val="tx1"/>
+          </a:fontRef>
+        </p:style>
+      </p:cxnSp>
+      <p:cxnSp>
+        <p:nvCxnSpPr>
+          <p:cNvPr id="158" name="Straight Arrow Connector 157">
+            <a:extLst>
+              <a:ext uri="{FF2B5EF4-FFF2-40B4-BE49-F238E27FC236}">
+                <a16:creationId xmlns:a16="http://schemas.microsoft.com/office/drawing/2014/main" id="{FDEA0D3E-BB94-7140-B2E4-DC9D81765DA5}"/>
+              </a:ext>
+            </a:extLst>
+          </p:cNvPr>
+          <p:cNvCxnSpPr>
+            <a:cxnSpLocks/>
+            <a:stCxn id="154" idx="1"/>
+            <a:endCxn id="156" idx="2"/>
+          </p:cNvCxnSpPr>
+          <p:nvPr/>
+        </p:nvCxnSpPr>
+        <p:spPr>
+          <a:xfrm flipH="1" flipV="1">
+            <a:off x="3764535" y="5154518"/>
+            <a:ext cx="745529" cy="2203754"/>
+          </a:xfrm>
+          <a:prstGeom prst="straightConnector1">
+            <a:avLst/>
+          </a:prstGeom>
+          <a:ln w="38100">
+            <a:solidFill>
               <a:schemeClr val="tx1"/>
-            </a:fontRef>
-          </p:style>
-        </p:cxnSp>
-        <p:cxnSp>
-          <p:nvCxnSpPr>
-            <p:cNvPr id="159" name="Straight Connector 158">
-              <a:extLst>
-                <a:ext uri="{FF2B5EF4-FFF2-40B4-BE49-F238E27FC236}">
-                  <a16:creationId xmlns:a16="http://schemas.microsoft.com/office/drawing/2014/main" id="{B96720DF-D43F-4644-9A90-43394B0155C2}"/>
-                </a:ext>
-              </a:extLst>
-            </p:cNvPr>
-            <p:cNvCxnSpPr/>
-            <p:nvPr/>
-          </p:nvCxnSpPr>
-          <p:spPr>
-            <a:xfrm>
-              <a:off x="4236874" y="2998165"/>
-              <a:ext cx="0" cy="1295006"/>
-            </a:xfrm>
-            <a:prstGeom prst="line">
-              <a:avLst/>
-            </a:prstGeom>
-            <a:ln w="38100">
-              <a:solidFill>
-                <a:schemeClr val="tx1"/>
-              </a:solidFill>
-            </a:ln>
-          </p:spPr>
-          <p:style>
-            <a:lnRef idx="1">
-              <a:schemeClr val="accent1"/>
-            </a:lnRef>
-            <a:fillRef idx="0">
-              <a:schemeClr val="accent1"/>
-            </a:fillRef>
-            <a:effectRef idx="0">
-              <a:schemeClr val="accent1"/>
-            </a:effectRef>
-            <a:fontRef idx="minor">
-              <a:schemeClr val="tx1"/>
-            </a:fontRef>
-          </p:style>
-        </p:cxnSp>
-        <p:cxnSp>
-          <p:nvCxnSpPr>
-            <p:cNvPr id="160" name="Straight Arrow Connector 159">
-              <a:extLst>
-                <a:ext uri="{FF2B5EF4-FFF2-40B4-BE49-F238E27FC236}">
-                  <a16:creationId xmlns:a16="http://schemas.microsoft.com/office/drawing/2014/main" id="{81614079-A707-EB40-9235-BDE11A2A0F65}"/>
-                </a:ext>
-              </a:extLst>
-            </p:cNvPr>
-            <p:cNvCxnSpPr>
-              <a:cxnSpLocks/>
-            </p:cNvCxnSpPr>
-            <p:nvPr/>
-          </p:nvCxnSpPr>
-          <p:spPr>
-            <a:xfrm>
-              <a:off x="3614101" y="4211374"/>
-              <a:ext cx="647537" cy="0"/>
-            </a:xfrm>
-            <a:prstGeom prst="straightConnector1">
-              <a:avLst/>
-            </a:prstGeom>
-            <a:ln w="38100">
-              <a:solidFill>
-                <a:schemeClr val="tx1"/>
-              </a:solidFill>
-              <a:tailEnd type="triangle"/>
-            </a:ln>
-          </p:spPr>
-          <p:style>
-            <a:lnRef idx="1">
-              <a:schemeClr val="accent1"/>
-            </a:lnRef>
-            <a:fillRef idx="0">
-              <a:schemeClr val="accent1"/>
-            </a:fillRef>
-            <a:effectRef idx="0">
-              <a:schemeClr val="accent1"/>
-            </a:effectRef>
-            <a:fontRef idx="minor">
-              <a:schemeClr val="tx1"/>
-            </a:fontRef>
-          </p:style>
-        </p:cxnSp>
-      </p:grpSp>
+            </a:solidFill>
+            <a:tailEnd type="triangle"/>
+          </a:ln>
+        </p:spPr>
+        <p:style>
+          <a:lnRef idx="1">
+            <a:schemeClr val="accent1"/>
+          </a:lnRef>
+          <a:fillRef idx="0">
+            <a:schemeClr val="accent1"/>
+          </a:fillRef>
+          <a:effectRef idx="0">
+            <a:schemeClr val="accent1"/>
+          </a:effectRef>
+          <a:fontRef idx="minor">
+            <a:schemeClr val="tx1"/>
+          </a:fontRef>
+        </p:style>
+      </p:cxnSp>
       <p:cxnSp>
         <p:nvCxnSpPr>
           <p:cNvPr id="161" name="Straight Arrow Connector 160">
@@ -5032,14 +4910,12 @@
           </p:cNvPr>
           <p:cNvCxnSpPr>
             <a:cxnSpLocks/>
-            <a:stCxn id="166" idx="0"/>
-            <a:endCxn id="164" idx="2"/>
           </p:cNvCxnSpPr>
           <p:nvPr/>
         </p:nvCxnSpPr>
         <p:spPr>
           <a:xfrm flipH="1" flipV="1">
-            <a:off x="11781914" y="7065165"/>
+            <a:off x="12545018" y="6607965"/>
             <a:ext cx="14294" cy="321329"/>
           </a:xfrm>
           <a:prstGeom prst="straightConnector1">
@@ -5067,307 +4943,287 @@
           </a:fontRef>
         </p:style>
       </p:cxnSp>
-      <p:grpSp>
-        <p:nvGrpSpPr>
-          <p:cNvPr id="163" name="Group 162">
+      <p:sp>
+        <p:nvSpPr>
+          <p:cNvPr id="164" name="Process 163">
             <a:extLst>
               <a:ext uri="{FF2B5EF4-FFF2-40B4-BE49-F238E27FC236}">
-                <a16:creationId xmlns:a16="http://schemas.microsoft.com/office/drawing/2014/main" id="{AAFC2883-751F-084C-AE66-B12ACB2A555A}"/>
+                <a16:creationId xmlns:a16="http://schemas.microsoft.com/office/drawing/2014/main" id="{42141BCA-F819-F64C-AD0E-5EFAB16932DA}"/>
               </a:ext>
             </a:extLst>
           </p:cNvPr>
-          <p:cNvGrpSpPr/>
+          <p:cNvSpPr/>
           <p:nvPr/>
-        </p:nvGrpSpPr>
-        <p:grpSpPr>
+        </p:nvSpPr>
+        <p:spPr>
           <a:xfrm>
-            <a:off x="2517668" y="1584280"/>
-            <a:ext cx="9973968" cy="6878254"/>
-            <a:chOff x="2517668" y="1584280"/>
-            <a:chExt cx="9973968" cy="6878254"/>
-          </a:xfrm>
-        </p:grpSpPr>
-        <p:sp>
-          <p:nvSpPr>
-            <p:cNvPr id="164" name="Process 163">
-              <a:extLst>
-                <a:ext uri="{FF2B5EF4-FFF2-40B4-BE49-F238E27FC236}">
-                  <a16:creationId xmlns:a16="http://schemas.microsoft.com/office/drawing/2014/main" id="{42141BCA-F819-F64C-AD0E-5EFAB16932DA}"/>
-                </a:ext>
-              </a:extLst>
-            </p:cNvPr>
-            <p:cNvSpPr/>
-            <p:nvPr/>
-          </p:nvSpPr>
-          <p:spPr>
-            <a:xfrm>
-              <a:off x="11072191" y="6524285"/>
-              <a:ext cx="1419445" cy="540880"/>
-            </a:xfrm>
-            <a:prstGeom prst="flowChartProcess">
+            <a:off x="11795539" y="6067085"/>
+            <a:ext cx="1419445" cy="540880"/>
+          </a:xfrm>
+          <a:prstGeom prst="flowChartProcess">
+            <a:avLst/>
+          </a:prstGeom>
+          <a:noFill/>
+          <a:ln w="38100">
+            <a:solidFill>
+              <a:schemeClr val="tx1"/>
+            </a:solidFill>
+          </a:ln>
+        </p:spPr>
+        <p:style>
+          <a:lnRef idx="2">
+            <a:schemeClr val="accent1">
+              <a:shade val="50000"/>
+            </a:schemeClr>
+          </a:lnRef>
+          <a:fillRef idx="1">
+            <a:schemeClr val="accent1"/>
+          </a:fillRef>
+          <a:effectRef idx="0">
+            <a:schemeClr val="accent1"/>
+          </a:effectRef>
+          <a:fontRef idx="minor">
+            <a:schemeClr val="lt1"/>
+          </a:fontRef>
+        </p:style>
+        <p:txBody>
+          <a:bodyPr rot="0" spcFirstLastPara="0" vertOverflow="overflow" horzOverflow="overflow" vert="horz" wrap="square" lIns="150146" tIns="75073" rIns="150146" bIns="75073" numCol="1" spcCol="0" rtlCol="0" fromWordArt="0" anchor="ctr" anchorCtr="0" forceAA="0" compatLnSpc="1">
+            <a:prstTxWarp prst="textNoShape">
               <a:avLst/>
-            </a:prstGeom>
-            <a:noFill/>
-            <a:ln w="38100">
-              <a:solidFill>
-                <a:schemeClr val="tx1"/>
-              </a:solidFill>
-            </a:ln>
-          </p:spPr>
-          <p:style>
-            <a:lnRef idx="2">
-              <a:schemeClr val="accent1">
-                <a:shade val="50000"/>
-              </a:schemeClr>
-            </a:lnRef>
-            <a:fillRef idx="1">
-              <a:schemeClr val="accent1"/>
-            </a:fillRef>
-            <a:effectRef idx="0">
-              <a:schemeClr val="accent1"/>
-            </a:effectRef>
-            <a:fontRef idx="minor">
-              <a:schemeClr val="lt1"/>
-            </a:fontRef>
-          </p:style>
-          <p:txBody>
-            <a:bodyPr rot="0" spcFirstLastPara="0" vertOverflow="overflow" horzOverflow="overflow" vert="horz" wrap="square" lIns="150146" tIns="75073" rIns="150146" bIns="75073" numCol="1" spcCol="0" rtlCol="0" fromWordArt="0" anchor="ctr" anchorCtr="0" forceAA="0" compatLnSpc="1">
-              <a:prstTxWarp prst="textNoShape">
-                <a:avLst/>
-              </a:prstTxWarp>
-              <a:noAutofit/>
-            </a:bodyPr>
-            <a:lstStyle/>
-            <a:p>
-              <a:pPr algn="ctr"/>
-              <a:r>
-                <a:rPr lang="en-US" sz="1642" dirty="0">
-                  <a:solidFill>
-                    <a:schemeClr val="tx1"/>
-                  </a:solidFill>
-                  <a:latin typeface="Calibri" panose="020F0502020204030204" pitchFamily="34" charset="0"/>
-                  <a:cs typeface="Calibri" panose="020F0502020204030204" pitchFamily="34" charset="0"/>
-                </a:rPr>
-                <a:t>Identify</a:t>
-              </a:r>
-            </a:p>
-            <a:p>
-              <a:pPr algn="ctr"/>
-              <a:r>
-                <a:rPr lang="en-US" sz="1642" dirty="0">
-                  <a:solidFill>
-                    <a:schemeClr val="tx1"/>
-                  </a:solidFill>
-                  <a:latin typeface="Calibri" panose="020F0502020204030204" pitchFamily="34" charset="0"/>
-                  <a:cs typeface="Calibri" panose="020F0502020204030204" pitchFamily="34" charset="0"/>
-                </a:rPr>
-                <a:t>Test Inputs</a:t>
-              </a:r>
-            </a:p>
-          </p:txBody>
-        </p:sp>
-        <p:cxnSp>
-          <p:nvCxnSpPr>
-            <p:cNvPr id="165" name="Straight Arrow Connector 164">
-              <a:extLst>
-                <a:ext uri="{FF2B5EF4-FFF2-40B4-BE49-F238E27FC236}">
-                  <a16:creationId xmlns:a16="http://schemas.microsoft.com/office/drawing/2014/main" id="{9F32D87A-598A-C84A-8CC6-4C805B07A7D1}"/>
-                </a:ext>
-              </a:extLst>
-            </p:cNvPr>
-            <p:cNvCxnSpPr>
-              <a:cxnSpLocks/>
-              <a:stCxn id="171" idx="5"/>
-              <a:endCxn id="166" idx="1"/>
-            </p:cNvCxnSpPr>
-            <p:nvPr/>
-          </p:nvCxnSpPr>
-          <p:spPr>
-            <a:xfrm>
-              <a:off x="7295960" y="7924514"/>
-              <a:ext cx="3808161" cy="0"/>
-            </a:xfrm>
-            <a:prstGeom prst="straightConnector1">
-              <a:avLst/>
-            </a:prstGeom>
-            <a:ln w="38100">
-              <a:solidFill>
-                <a:schemeClr val="tx1"/>
-              </a:solidFill>
-              <a:tailEnd type="triangle"/>
-            </a:ln>
-          </p:spPr>
-          <p:style>
-            <a:lnRef idx="1">
-              <a:schemeClr val="accent1"/>
-            </a:lnRef>
-            <a:fillRef idx="0">
-              <a:schemeClr val="accent1"/>
-            </a:fillRef>
-            <a:effectRef idx="0">
-              <a:schemeClr val="accent1"/>
-            </a:effectRef>
-            <a:fontRef idx="minor">
-              <a:schemeClr val="tx1"/>
-            </a:fontRef>
-          </p:style>
-        </p:cxnSp>
-        <p:sp>
-          <p:nvSpPr>
-            <p:cNvPr id="166" name="Decision 165">
-              <a:extLst>
-                <a:ext uri="{FF2B5EF4-FFF2-40B4-BE49-F238E27FC236}">
-                  <a16:creationId xmlns:a16="http://schemas.microsoft.com/office/drawing/2014/main" id="{A8234192-FDBF-124B-8317-29DB65A20906}"/>
-                </a:ext>
-              </a:extLst>
-            </p:cNvPr>
-            <p:cNvSpPr/>
-            <p:nvPr/>
-          </p:nvSpPr>
-          <p:spPr>
-            <a:xfrm>
-              <a:off x="11104121" y="7386494"/>
-              <a:ext cx="1384173" cy="1076040"/>
-            </a:xfrm>
-            <a:prstGeom prst="flowChartDecision">
-              <a:avLst/>
-            </a:prstGeom>
-            <a:noFill/>
-            <a:ln w="38100">
-              <a:solidFill>
-                <a:schemeClr val="tx1"/>
-              </a:solidFill>
-            </a:ln>
-          </p:spPr>
-          <p:style>
-            <a:lnRef idx="2">
-              <a:schemeClr val="accent1">
-                <a:shade val="50000"/>
-              </a:schemeClr>
-            </a:lnRef>
-            <a:fillRef idx="1">
-              <a:schemeClr val="accent1"/>
-            </a:fillRef>
-            <a:effectRef idx="0">
-              <a:schemeClr val="accent1"/>
-            </a:effectRef>
-            <a:fontRef idx="minor">
-              <a:schemeClr val="lt1"/>
-            </a:fontRef>
-          </p:style>
-          <p:txBody>
-            <a:bodyPr rtlCol="0" anchor="ctr"/>
-            <a:lstStyle/>
-            <a:p>
-              <a:pPr algn="ctr"/>
-              <a:endParaRPr lang="en-US" sz="1642" dirty="0">
+            </a:prstTxWarp>
+            <a:noAutofit/>
+          </a:bodyPr>
+          <a:lstStyle/>
+          <a:p>
+            <a:pPr algn="ctr"/>
+            <a:r>
+              <a:rPr lang="en-US" sz="1642" dirty="0">
+                <a:solidFill>
+                  <a:schemeClr val="tx1"/>
+                </a:solidFill>
                 <a:latin typeface="Calibri" panose="020F0502020204030204" pitchFamily="34" charset="0"/>
                 <a:cs typeface="Calibri" panose="020F0502020204030204" pitchFamily="34" charset="0"/>
-              </a:endParaRPr>
-            </a:p>
-          </p:txBody>
-        </p:sp>
-        <p:sp>
-          <p:nvSpPr>
-            <p:cNvPr id="167" name="Rectangle 166">
-              <a:extLst>
-                <a:ext uri="{FF2B5EF4-FFF2-40B4-BE49-F238E27FC236}">
-                  <a16:creationId xmlns:a16="http://schemas.microsoft.com/office/drawing/2014/main" id="{7FC4100D-DF47-DD41-8F18-178C5D05310C}"/>
-                </a:ext>
-              </a:extLst>
-            </p:cNvPr>
-            <p:cNvSpPr/>
-            <p:nvPr/>
-          </p:nvSpPr>
-          <p:spPr>
-            <a:xfrm>
-              <a:off x="11277476" y="7640080"/>
-              <a:ext cx="1037465" cy="597728"/>
-            </a:xfrm>
-            <a:prstGeom prst="rect">
-              <a:avLst/>
-            </a:prstGeom>
-          </p:spPr>
-          <p:txBody>
-            <a:bodyPr wrap="none">
-              <a:spAutoFit/>
-            </a:bodyPr>
-            <a:lstStyle/>
-            <a:p>
-              <a:pPr algn="ctr"/>
-              <a:r>
-                <a:rPr lang="en-US" sz="1642" dirty="0">
-                  <a:latin typeface="Calibri" panose="020F0502020204030204" pitchFamily="34" charset="0"/>
-                  <a:cs typeface="Calibri" panose="020F0502020204030204" pitchFamily="34" charset="0"/>
-                </a:rPr>
-                <a:t>Threshold</a:t>
-              </a:r>
-              <a:br>
-                <a:rPr lang="en-US" sz="1642" dirty="0">
-                  <a:latin typeface="Calibri" panose="020F0502020204030204" pitchFamily="34" charset="0"/>
-                  <a:cs typeface="Calibri" panose="020F0502020204030204" pitchFamily="34" charset="0"/>
-                </a:rPr>
-              </a:br>
-              <a:r>
-                <a:rPr lang="en-US" sz="1642" dirty="0">
-                  <a:latin typeface="Calibri" panose="020F0502020204030204" pitchFamily="34" charset="0"/>
-                  <a:cs typeface="Calibri" panose="020F0502020204030204" pitchFamily="34" charset="0"/>
-                </a:rPr>
-                <a:t>reached?</a:t>
-              </a:r>
-            </a:p>
-          </p:txBody>
-        </p:sp>
-        <p:cxnSp>
-          <p:nvCxnSpPr>
-            <p:cNvPr id="168" name="Straight Arrow Connector 72">
-              <a:extLst>
-                <a:ext uri="{FF2B5EF4-FFF2-40B4-BE49-F238E27FC236}">
-                  <a16:creationId xmlns:a16="http://schemas.microsoft.com/office/drawing/2014/main" id="{D64514AF-B252-0B45-B557-DAB77FB52832}"/>
-                </a:ext>
-              </a:extLst>
-            </p:cNvPr>
-            <p:cNvCxnSpPr>
-              <a:cxnSpLocks/>
-              <a:stCxn id="164" idx="3"/>
-              <a:endCxn id="107" idx="0"/>
-            </p:cNvCxnSpPr>
-            <p:nvPr/>
-          </p:nvCxnSpPr>
-          <p:spPr>
-            <a:xfrm flipH="1" flipV="1">
-              <a:off x="2517668" y="1584280"/>
-              <a:ext cx="9973968" cy="5210445"/>
-            </a:xfrm>
-            <a:prstGeom prst="bentConnector4">
-              <a:avLst>
-                <a:gd name="adj1" fmla="val -2292"/>
-                <a:gd name="adj2" fmla="val 104387"/>
-              </a:avLst>
-            </a:prstGeom>
-            <a:ln w="38100">
-              <a:solidFill>
-                <a:schemeClr val="tx1"/>
-              </a:solidFill>
-              <a:tailEnd type="triangle"/>
-            </a:ln>
-          </p:spPr>
-          <p:style>
-            <a:lnRef idx="1">
-              <a:schemeClr val="accent1"/>
-            </a:lnRef>
-            <a:fillRef idx="0">
-              <a:schemeClr val="accent1"/>
-            </a:fillRef>
-            <a:effectRef idx="0">
-              <a:schemeClr val="accent1"/>
-            </a:effectRef>
-            <a:fontRef idx="minor">
+              </a:rPr>
+              <a:t>Identify</a:t>
+            </a:r>
+          </a:p>
+          <a:p>
+            <a:pPr algn="ctr"/>
+            <a:r>
+              <a:rPr lang="en-US" sz="1642" dirty="0">
+                <a:solidFill>
+                  <a:schemeClr val="tx1"/>
+                </a:solidFill>
+                <a:latin typeface="Calibri" panose="020F0502020204030204" pitchFamily="34" charset="0"/>
+                <a:cs typeface="Calibri" panose="020F0502020204030204" pitchFamily="34" charset="0"/>
+              </a:rPr>
+              <a:t>Test Inputs</a:t>
+            </a:r>
+          </a:p>
+        </p:txBody>
+      </p:sp>
+      <p:cxnSp>
+        <p:nvCxnSpPr>
+          <p:cNvPr id="165" name="Straight Arrow Connector 164">
+            <a:extLst>
+              <a:ext uri="{FF2B5EF4-FFF2-40B4-BE49-F238E27FC236}">
+                <a16:creationId xmlns:a16="http://schemas.microsoft.com/office/drawing/2014/main" id="{9F32D87A-598A-C84A-8CC6-4C805B07A7D1}"/>
+              </a:ext>
+            </a:extLst>
+          </p:cNvPr>
+          <p:cNvCxnSpPr>
+            <a:cxnSpLocks/>
+            <a:stCxn id="171" idx="5"/>
+            <a:endCxn id="166" idx="1"/>
+          </p:cNvCxnSpPr>
+          <p:nvPr/>
+        </p:nvCxnSpPr>
+        <p:spPr>
+          <a:xfrm flipV="1">
+            <a:off x="8734926" y="7467314"/>
+            <a:ext cx="3112421" cy="675861"/>
+          </a:xfrm>
+          <a:prstGeom prst="straightConnector1">
+            <a:avLst/>
+          </a:prstGeom>
+          <a:ln w="38100">
+            <a:solidFill>
               <a:schemeClr val="tx1"/>
-            </a:fontRef>
-          </p:style>
-        </p:cxnSp>
-      </p:grpSp>
+            </a:solidFill>
+            <a:tailEnd type="triangle"/>
+          </a:ln>
+        </p:spPr>
+        <p:style>
+          <a:lnRef idx="1">
+            <a:schemeClr val="accent1"/>
+          </a:lnRef>
+          <a:fillRef idx="0">
+            <a:schemeClr val="accent1"/>
+          </a:fillRef>
+          <a:effectRef idx="0">
+            <a:schemeClr val="accent1"/>
+          </a:effectRef>
+          <a:fontRef idx="minor">
+            <a:schemeClr val="tx1"/>
+          </a:fontRef>
+        </p:style>
+      </p:cxnSp>
+      <p:sp>
+        <p:nvSpPr>
+          <p:cNvPr id="166" name="Decision 165">
+            <a:extLst>
+              <a:ext uri="{FF2B5EF4-FFF2-40B4-BE49-F238E27FC236}">
+                <a16:creationId xmlns:a16="http://schemas.microsoft.com/office/drawing/2014/main" id="{A8234192-FDBF-124B-8317-29DB65A20906}"/>
+              </a:ext>
+            </a:extLst>
+          </p:cNvPr>
+          <p:cNvSpPr/>
+          <p:nvPr/>
+        </p:nvSpPr>
+        <p:spPr>
+          <a:xfrm>
+            <a:off x="11847347" y="6929294"/>
+            <a:ext cx="1384173" cy="1076040"/>
+          </a:xfrm>
+          <a:prstGeom prst="flowChartDecision">
+            <a:avLst/>
+          </a:prstGeom>
+          <a:noFill/>
+          <a:ln w="38100">
+            <a:solidFill>
+              <a:schemeClr val="tx1"/>
+            </a:solidFill>
+          </a:ln>
+        </p:spPr>
+        <p:style>
+          <a:lnRef idx="2">
+            <a:schemeClr val="accent1">
+              <a:shade val="50000"/>
+            </a:schemeClr>
+          </a:lnRef>
+          <a:fillRef idx="1">
+            <a:schemeClr val="accent1"/>
+          </a:fillRef>
+          <a:effectRef idx="0">
+            <a:schemeClr val="accent1"/>
+          </a:effectRef>
+          <a:fontRef idx="minor">
+            <a:schemeClr val="lt1"/>
+          </a:fontRef>
+        </p:style>
+        <p:txBody>
+          <a:bodyPr rtlCol="0" anchor="ctr"/>
+          <a:lstStyle/>
+          <a:p>
+            <a:pPr algn="ctr"/>
+            <a:endParaRPr lang="en-US" sz="1642" dirty="0">
+              <a:latin typeface="Calibri" panose="020F0502020204030204" pitchFamily="34" charset="0"/>
+              <a:cs typeface="Calibri" panose="020F0502020204030204" pitchFamily="34" charset="0"/>
+            </a:endParaRPr>
+          </a:p>
+        </p:txBody>
+      </p:sp>
+      <p:sp>
+        <p:nvSpPr>
+          <p:cNvPr id="167" name="Rectangle 166">
+            <a:extLst>
+              <a:ext uri="{FF2B5EF4-FFF2-40B4-BE49-F238E27FC236}">
+                <a16:creationId xmlns:a16="http://schemas.microsoft.com/office/drawing/2014/main" id="{7FC4100D-DF47-DD41-8F18-178C5D05310C}"/>
+              </a:ext>
+            </a:extLst>
+          </p:cNvPr>
+          <p:cNvSpPr/>
+          <p:nvPr/>
+        </p:nvSpPr>
+        <p:spPr>
+          <a:xfrm>
+            <a:off x="12020702" y="7182880"/>
+            <a:ext cx="1037465" cy="597728"/>
+          </a:xfrm>
+          <a:prstGeom prst="rect">
+            <a:avLst/>
+          </a:prstGeom>
+        </p:spPr>
+        <p:txBody>
+          <a:bodyPr wrap="none">
+            <a:spAutoFit/>
+          </a:bodyPr>
+          <a:lstStyle/>
+          <a:p>
+            <a:pPr algn="ctr"/>
+            <a:r>
+              <a:rPr lang="en-US" sz="1642" dirty="0">
+                <a:latin typeface="Calibri" panose="020F0502020204030204" pitchFamily="34" charset="0"/>
+                <a:cs typeface="Calibri" panose="020F0502020204030204" pitchFamily="34" charset="0"/>
+              </a:rPr>
+              <a:t>Threshold</a:t>
+            </a:r>
+            <a:br>
+              <a:rPr lang="en-US" sz="1642" dirty="0">
+                <a:latin typeface="Calibri" panose="020F0502020204030204" pitchFamily="34" charset="0"/>
+                <a:cs typeface="Calibri" panose="020F0502020204030204" pitchFamily="34" charset="0"/>
+              </a:rPr>
+            </a:br>
+            <a:r>
+              <a:rPr lang="en-US" sz="1642" dirty="0">
+                <a:latin typeface="Calibri" panose="020F0502020204030204" pitchFamily="34" charset="0"/>
+                <a:cs typeface="Calibri" panose="020F0502020204030204" pitchFamily="34" charset="0"/>
+              </a:rPr>
+              <a:t>reached?</a:t>
+            </a:r>
+          </a:p>
+        </p:txBody>
+      </p:sp>
+      <p:cxnSp>
+        <p:nvCxnSpPr>
+          <p:cNvPr id="168" name="Straight Arrow Connector 72">
+            <a:extLst>
+              <a:ext uri="{FF2B5EF4-FFF2-40B4-BE49-F238E27FC236}">
+                <a16:creationId xmlns:a16="http://schemas.microsoft.com/office/drawing/2014/main" id="{D64514AF-B252-0B45-B557-DAB77FB52832}"/>
+              </a:ext>
+            </a:extLst>
+          </p:cNvPr>
+          <p:cNvCxnSpPr>
+            <a:cxnSpLocks/>
+            <a:stCxn id="164" idx="3"/>
+            <a:endCxn id="107" idx="2"/>
+          </p:cNvCxnSpPr>
+          <p:nvPr/>
+        </p:nvCxnSpPr>
+        <p:spPr>
+          <a:xfrm flipH="1" flipV="1">
+            <a:off x="268136" y="3495184"/>
+            <a:ext cx="12946848" cy="2842341"/>
+          </a:xfrm>
+          <a:prstGeom prst="bentConnector5">
+            <a:avLst>
+              <a:gd name="adj1" fmla="val -1766"/>
+              <a:gd name="adj2" fmla="val 186746"/>
+              <a:gd name="adj3" fmla="val 101766"/>
+            </a:avLst>
+          </a:prstGeom>
+          <a:ln w="38100">
+            <a:solidFill>
+              <a:schemeClr val="tx1"/>
+            </a:solidFill>
+            <a:tailEnd type="triangle"/>
+          </a:ln>
+        </p:spPr>
+        <p:style>
+          <a:lnRef idx="1">
+            <a:schemeClr val="accent1"/>
+          </a:lnRef>
+          <a:fillRef idx="0">
+            <a:schemeClr val="accent1"/>
+          </a:fillRef>
+          <a:effectRef idx="0">
+            <a:schemeClr val="accent1"/>
+          </a:effectRef>
+          <a:fontRef idx="minor">
+            <a:schemeClr val="tx1"/>
+          </a:fontRef>
+        </p:style>
+      </p:cxnSp>
       <p:cxnSp>
         <p:nvCxnSpPr>
           <p:cNvPr id="169" name="Straight Arrow Connector 168">
@@ -5386,8 +5242,8 @@
         </p:nvCxnSpPr>
         <p:spPr>
           <a:xfrm>
-            <a:off x="11796208" y="8462534"/>
-            <a:ext cx="13251" cy="615038"/>
+            <a:off x="12539434" y="8005334"/>
+            <a:ext cx="19593" cy="351266"/>
           </a:xfrm>
           <a:prstGeom prst="straightConnector1">
             <a:avLst/>
@@ -5428,10 +5284,10 @@
         </p:nvGrpSpPr>
         <p:grpSpPr>
           <a:xfrm>
-            <a:off x="4895596" y="5942918"/>
-            <a:ext cx="3910474" cy="2313240"/>
-            <a:chOff x="4895596" y="5942918"/>
-            <a:chExt cx="3910474" cy="2313240"/>
+            <a:off x="6334562" y="5904248"/>
+            <a:ext cx="3910474" cy="2570571"/>
+            <a:chOff x="4895596" y="5685587"/>
+            <a:chExt cx="3910474" cy="2570571"/>
           </a:xfrm>
         </p:grpSpPr>
         <p:sp>
@@ -5747,9 +5603,9 @@
             <p:nvPr/>
           </p:nvCxnSpPr>
           <p:spPr>
-            <a:xfrm>
-              <a:off x="6156527" y="5942918"/>
-              <a:ext cx="0" cy="338613"/>
+            <a:xfrm flipH="1">
+              <a:off x="6156527" y="5685587"/>
+              <a:ext cx="1583615" cy="595944"/>
             </a:xfrm>
             <a:prstGeom prst="straightConnector1">
               <a:avLst/>
@@ -5794,8 +5650,8 @@
           </p:nvCxnSpPr>
           <p:spPr>
             <a:xfrm>
-              <a:off x="6156527" y="5942918"/>
-              <a:ext cx="1583615" cy="383790"/>
+              <a:off x="7740142" y="5685587"/>
+              <a:ext cx="0" cy="641121"/>
             </a:xfrm>
             <a:prstGeom prst="straightConnector1">
               <a:avLst/>
@@ -5869,457 +5725,421 @@
           </p:style>
         </p:cxnSp>
       </p:grpSp>
-      <p:grpSp>
-        <p:nvGrpSpPr>
-          <p:cNvPr id="178" name="Group 177">
+      <p:sp>
+        <p:nvSpPr>
+          <p:cNvPr id="179" name="Process 178">
             <a:extLst>
               <a:ext uri="{FF2B5EF4-FFF2-40B4-BE49-F238E27FC236}">
-                <a16:creationId xmlns:a16="http://schemas.microsoft.com/office/drawing/2014/main" id="{52D0FD57-B9F1-264C-A6AC-BBD660897919}"/>
+                <a16:creationId xmlns:a16="http://schemas.microsoft.com/office/drawing/2014/main" id="{8D16138A-BDCE-8743-B1B8-AB1A86B03C85}"/>
               </a:ext>
             </a:extLst>
           </p:cNvPr>
-          <p:cNvGrpSpPr/>
+          <p:cNvSpPr/>
           <p:nvPr/>
-        </p:nvGrpSpPr>
-        <p:grpSpPr>
+        </p:nvSpPr>
+        <p:spPr>
           <a:xfrm>
-            <a:off x="5188100" y="1847164"/>
-            <a:ext cx="7177744" cy="4144934"/>
-            <a:chOff x="5188100" y="1618558"/>
-            <a:chExt cx="7177744" cy="4144934"/>
-          </a:xfrm>
-        </p:grpSpPr>
-        <p:sp>
-          <p:nvSpPr>
-            <p:cNvPr id="179" name="Process 178">
-              <a:extLst>
-                <a:ext uri="{FF2B5EF4-FFF2-40B4-BE49-F238E27FC236}">
-                  <a16:creationId xmlns:a16="http://schemas.microsoft.com/office/drawing/2014/main" id="{8D16138A-BDCE-8743-B1B8-AB1A86B03C85}"/>
-                </a:ext>
-              </a:extLst>
-            </p:cNvPr>
-            <p:cNvSpPr/>
-            <p:nvPr/>
-          </p:nvSpPr>
-          <p:spPr>
-            <a:xfrm>
-              <a:off x="11169030" y="1618558"/>
-              <a:ext cx="1196814" cy="699295"/>
-            </a:xfrm>
-            <a:prstGeom prst="flowChartProcess">
+            <a:off x="11912256" y="1389964"/>
+            <a:ext cx="1196814" cy="699295"/>
+          </a:xfrm>
+          <a:prstGeom prst="flowChartProcess">
+            <a:avLst/>
+          </a:prstGeom>
+          <a:solidFill>
+            <a:schemeClr val="bg1">
+              <a:lumMod val="65000"/>
+            </a:schemeClr>
+          </a:solidFill>
+          <a:ln w="38100">
+            <a:solidFill>
+              <a:schemeClr val="tx1"/>
+            </a:solidFill>
+          </a:ln>
+        </p:spPr>
+        <p:style>
+          <a:lnRef idx="2">
+            <a:schemeClr val="accent1">
+              <a:shade val="50000"/>
+            </a:schemeClr>
+          </a:lnRef>
+          <a:fillRef idx="1">
+            <a:schemeClr val="accent1"/>
+          </a:fillRef>
+          <a:effectRef idx="0">
+            <a:schemeClr val="accent1"/>
+          </a:effectRef>
+          <a:fontRef idx="minor">
+            <a:schemeClr val="lt1"/>
+          </a:fontRef>
+        </p:style>
+        <p:txBody>
+          <a:bodyPr rot="0" spcFirstLastPara="0" vertOverflow="overflow" horzOverflow="overflow" vert="horz" wrap="square" lIns="150146" tIns="75073" rIns="150146" bIns="75073" numCol="1" spcCol="0" rtlCol="0" fromWordArt="0" anchor="ctr" anchorCtr="0" forceAA="0" compatLnSpc="1">
+            <a:prstTxWarp prst="textNoShape">
               <a:avLst/>
-            </a:prstGeom>
+            </a:prstTxWarp>
+            <a:noAutofit/>
+          </a:bodyPr>
+          <a:lstStyle/>
+          <a:p>
+            <a:pPr algn="ctr"/>
+            <a:r>
+              <a:rPr lang="en-US" sz="1642" dirty="0">
+                <a:solidFill>
+                  <a:schemeClr val="tx1"/>
+                </a:solidFill>
+                <a:latin typeface="Calibri" panose="020F0502020204030204" pitchFamily="34" charset="0"/>
+                <a:cs typeface="Calibri" panose="020F0502020204030204" pitchFamily="34" charset="0"/>
+              </a:rPr>
+              <a:t>Fix the</a:t>
+            </a:r>
+          </a:p>
+          <a:p>
+            <a:pPr algn="ctr"/>
+            <a:r>
+              <a:rPr lang="en-US" sz="1642" dirty="0">
+                <a:solidFill>
+                  <a:schemeClr val="tx1"/>
+                </a:solidFill>
+                <a:latin typeface="Calibri" panose="020F0502020204030204" pitchFamily="34" charset="0"/>
+                <a:cs typeface="Calibri" panose="020F0502020204030204" pitchFamily="34" charset="0"/>
+              </a:rPr>
+              <a:t>SUT</a:t>
+            </a:r>
+          </a:p>
+        </p:txBody>
+      </p:sp>
+      <p:cxnSp>
+        <p:nvCxnSpPr>
+          <p:cNvPr id="180" name="Straight Arrow Connector 71">
+            <a:extLst>
+              <a:ext uri="{FF2B5EF4-FFF2-40B4-BE49-F238E27FC236}">
+                <a16:creationId xmlns:a16="http://schemas.microsoft.com/office/drawing/2014/main" id="{3DD0E885-B481-1848-878F-080A1AFF81F9}"/>
+              </a:ext>
+            </a:extLst>
+          </p:cNvPr>
+          <p:cNvCxnSpPr>
+            <a:cxnSpLocks/>
+            <a:stCxn id="182" idx="5"/>
+            <a:endCxn id="179" idx="1"/>
+          </p:cNvCxnSpPr>
+          <p:nvPr/>
+        </p:nvCxnSpPr>
+        <p:spPr>
+          <a:xfrm flipV="1">
+            <a:off x="11158510" y="1739612"/>
+            <a:ext cx="753746" cy="1729341"/>
+          </a:xfrm>
+          <a:prstGeom prst="bentConnector3">
+            <a:avLst>
+              <a:gd name="adj1" fmla="val 50000"/>
+            </a:avLst>
+          </a:prstGeom>
+          <a:ln w="38100">
             <a:solidFill>
-              <a:schemeClr val="bg1">
-                <a:lumMod val="65000"/>
-              </a:schemeClr>
+              <a:schemeClr val="tx1"/>
             </a:solidFill>
-            <a:ln w="38100">
+            <a:tailEnd type="triangle"/>
+          </a:ln>
+        </p:spPr>
+        <p:style>
+          <a:lnRef idx="1">
+            <a:schemeClr val="accent1"/>
+          </a:lnRef>
+          <a:fillRef idx="0">
+            <a:schemeClr val="accent1"/>
+          </a:fillRef>
+          <a:effectRef idx="0">
+            <a:schemeClr val="accent1"/>
+          </a:effectRef>
+          <a:fontRef idx="minor">
+            <a:schemeClr val="tx1"/>
+          </a:fontRef>
+        </p:style>
+      </p:cxnSp>
+      <p:cxnSp>
+        <p:nvCxnSpPr>
+          <p:cNvPr id="181" name="Elbow Connector 180">
+            <a:extLst>
+              <a:ext uri="{FF2B5EF4-FFF2-40B4-BE49-F238E27FC236}">
+                <a16:creationId xmlns:a16="http://schemas.microsoft.com/office/drawing/2014/main" id="{1CC9B254-D611-224F-AF37-B5B9A2ECB4BB}"/>
+              </a:ext>
+            </a:extLst>
+          </p:cNvPr>
+          <p:cNvCxnSpPr>
+            <a:cxnSpLocks/>
+            <a:stCxn id="179" idx="0"/>
+            <a:endCxn id="110" idx="0"/>
+          </p:cNvCxnSpPr>
+          <p:nvPr/>
+        </p:nvCxnSpPr>
+        <p:spPr>
+          <a:xfrm rot="16200000" flipH="1" flipV="1">
+            <a:off x="6625141" y="-4055095"/>
+            <a:ext cx="440463" cy="11330580"/>
+          </a:xfrm>
+          <a:prstGeom prst="bentConnector3">
+            <a:avLst>
+              <a:gd name="adj1" fmla="val -51900"/>
+            </a:avLst>
+          </a:prstGeom>
+          <a:ln w="38100">
+            <a:solidFill>
+              <a:schemeClr val="tx1"/>
+            </a:solidFill>
+            <a:tailEnd type="triangle"/>
+          </a:ln>
+        </p:spPr>
+        <p:style>
+          <a:lnRef idx="1">
+            <a:schemeClr val="accent1"/>
+          </a:lnRef>
+          <a:fillRef idx="0">
+            <a:schemeClr val="accent1"/>
+          </a:fillRef>
+          <a:effectRef idx="0">
+            <a:schemeClr val="accent1"/>
+          </a:effectRef>
+          <a:fontRef idx="minor">
+            <a:schemeClr val="tx1"/>
+          </a:fontRef>
+        </p:style>
+      </p:cxnSp>
+      <p:sp>
+        <p:nvSpPr>
+          <p:cNvPr id="182" name="Data 181">
+            <a:extLst>
+              <a:ext uri="{FF2B5EF4-FFF2-40B4-BE49-F238E27FC236}">
+                <a16:creationId xmlns:a16="http://schemas.microsoft.com/office/drawing/2014/main" id="{518D15CE-1759-4C45-ADA6-52E66785A817}"/>
+              </a:ext>
+            </a:extLst>
+          </p:cNvPr>
+          <p:cNvSpPr/>
+          <p:nvPr/>
+        </p:nvSpPr>
+        <p:spPr>
+          <a:xfrm>
+            <a:off x="9571684" y="3137308"/>
+            <a:ext cx="1763140" cy="663289"/>
+          </a:xfrm>
+          <a:prstGeom prst="flowChartInputOutput">
+            <a:avLst/>
+          </a:prstGeom>
+          <a:noFill/>
+          <a:ln w="38100">
+            <a:solidFill>
+              <a:schemeClr val="tx1"/>
+            </a:solidFill>
+          </a:ln>
+        </p:spPr>
+        <p:style>
+          <a:lnRef idx="2">
+            <a:schemeClr val="accent1">
+              <a:shade val="50000"/>
+            </a:schemeClr>
+          </a:lnRef>
+          <a:fillRef idx="1">
+            <a:schemeClr val="accent1"/>
+          </a:fillRef>
+          <a:effectRef idx="0">
+            <a:schemeClr val="accent1"/>
+          </a:effectRef>
+          <a:fontRef idx="minor">
+            <a:schemeClr val="lt1"/>
+          </a:fontRef>
+        </p:style>
+        <p:txBody>
+          <a:bodyPr rot="0" spcFirstLastPara="0" vertOverflow="overflow" horzOverflow="overflow" vert="horz" wrap="square" lIns="150146" tIns="75073" rIns="150146" bIns="75073" numCol="1" spcCol="0" rtlCol="0" fromWordArt="0" anchor="ctr" anchorCtr="0" forceAA="0" compatLnSpc="1">
+            <a:prstTxWarp prst="textNoShape">
+              <a:avLst/>
+            </a:prstTxWarp>
+            <a:noAutofit/>
+          </a:bodyPr>
+          <a:lstStyle/>
+          <a:p>
+            <a:pPr algn="ctr"/>
+            <a:r>
+              <a:rPr lang="en-US" sz="1642" dirty="0">
+                <a:solidFill>
+                  <a:schemeClr val="tx1"/>
+                </a:solidFill>
+                <a:latin typeface="Calibri" panose="020F0502020204030204" pitchFamily="34" charset="0"/>
+                <a:cs typeface="Calibri" panose="020F0502020204030204" pitchFamily="34" charset="0"/>
+              </a:rPr>
+              <a:t>Missing</a:t>
+            </a:r>
+          </a:p>
+          <a:p>
+            <a:pPr algn="ctr"/>
+            <a:r>
+              <a:rPr lang="en-US" sz="1642" dirty="0">
+                <a:solidFill>
+                  <a:schemeClr val="tx1"/>
+                </a:solidFill>
+                <a:latin typeface="Calibri" panose="020F0502020204030204" pitchFamily="34" charset="0"/>
+                <a:cs typeface="Calibri" panose="020F0502020204030204" pitchFamily="34" charset="0"/>
+              </a:rPr>
+              <a:t>Error Reports</a:t>
+            </a:r>
+          </a:p>
+        </p:txBody>
+      </p:sp>
+      <p:cxnSp>
+        <p:nvCxnSpPr>
+          <p:cNvPr id="183" name="Straight Arrow Connector 182">
+            <a:extLst>
+              <a:ext uri="{FF2B5EF4-FFF2-40B4-BE49-F238E27FC236}">
+                <a16:creationId xmlns:a16="http://schemas.microsoft.com/office/drawing/2014/main" id="{7F1C01A0-F401-BC4B-B21D-34B138A2EA4E}"/>
+              </a:ext>
+            </a:extLst>
+          </p:cNvPr>
+          <p:cNvCxnSpPr>
+            <a:cxnSpLocks/>
+            <a:stCxn id="84" idx="3"/>
+            <a:endCxn id="182" idx="4"/>
+          </p:cNvCxnSpPr>
+          <p:nvPr/>
+        </p:nvCxnSpPr>
+        <p:spPr>
+          <a:xfrm flipV="1">
+            <a:off x="9814902" y="3800597"/>
+            <a:ext cx="638352" cy="1834176"/>
+          </a:xfrm>
+          <a:prstGeom prst="straightConnector1">
+            <a:avLst/>
+          </a:prstGeom>
+          <a:ln w="38100">
+            <a:solidFill>
+              <a:schemeClr val="tx1"/>
+            </a:solidFill>
+            <a:tailEnd type="triangle"/>
+          </a:ln>
+        </p:spPr>
+        <p:style>
+          <a:lnRef idx="1">
+            <a:schemeClr val="accent1"/>
+          </a:lnRef>
+          <a:fillRef idx="0">
+            <a:schemeClr val="accent1"/>
+          </a:fillRef>
+          <a:effectRef idx="0">
+            <a:schemeClr val="accent1"/>
+          </a:effectRef>
+          <a:fontRef idx="minor">
+            <a:schemeClr val="tx1"/>
+          </a:fontRef>
+        </p:style>
+      </p:cxnSp>
+      <p:sp>
+        <p:nvSpPr>
+          <p:cNvPr id="184" name="Data 183">
+            <a:extLst>
+              <a:ext uri="{FF2B5EF4-FFF2-40B4-BE49-F238E27FC236}">
+                <a16:creationId xmlns:a16="http://schemas.microsoft.com/office/drawing/2014/main" id="{F6C21436-64BD-9A45-A7EC-D5DEC4C2AD05}"/>
+              </a:ext>
+            </a:extLst>
+          </p:cNvPr>
+          <p:cNvSpPr/>
+          <p:nvPr/>
+        </p:nvSpPr>
+        <p:spPr>
+          <a:xfrm>
+            <a:off x="9785927" y="4313388"/>
+            <a:ext cx="1524000" cy="637310"/>
+          </a:xfrm>
+          <a:prstGeom prst="flowChartInputOutput">
+            <a:avLst/>
+          </a:prstGeom>
+          <a:solidFill>
+            <a:schemeClr val="bg1"/>
+          </a:solidFill>
+          <a:ln w="38100">
+            <a:solidFill>
+              <a:schemeClr val="tx1"/>
+            </a:solidFill>
+          </a:ln>
+        </p:spPr>
+        <p:style>
+          <a:lnRef idx="2">
+            <a:schemeClr val="accent1">
+              <a:shade val="50000"/>
+            </a:schemeClr>
+          </a:lnRef>
+          <a:fillRef idx="1">
+            <a:schemeClr val="accent1"/>
+          </a:fillRef>
+          <a:effectRef idx="0">
+            <a:schemeClr val="accent1"/>
+          </a:effectRef>
+          <a:fontRef idx="minor">
+            <a:schemeClr val="lt1"/>
+          </a:fontRef>
+        </p:style>
+        <p:txBody>
+          <a:bodyPr rot="0" spcFirstLastPara="0" vertOverflow="overflow" horzOverflow="overflow" vert="horz" wrap="square" lIns="150146" tIns="75073" rIns="150146" bIns="75073" numCol="1" spcCol="0" rtlCol="0" fromWordArt="0" anchor="ctr" anchorCtr="0" forceAA="0" compatLnSpc="1">
+            <a:prstTxWarp prst="textNoShape">
+              <a:avLst/>
+            </a:prstTxWarp>
+            <a:noAutofit/>
+          </a:bodyPr>
+          <a:lstStyle/>
+          <a:p>
+            <a:pPr algn="ctr"/>
+            <a:endParaRPr lang="en-US" sz="1642" dirty="0">
               <a:solidFill>
                 <a:schemeClr val="tx1"/>
               </a:solidFill>
-            </a:ln>
-          </p:spPr>
-          <p:style>
-            <a:lnRef idx="2">
-              <a:schemeClr val="accent1">
-                <a:shade val="50000"/>
-              </a:schemeClr>
-            </a:lnRef>
-            <a:fillRef idx="1">
-              <a:schemeClr val="accent1"/>
-            </a:fillRef>
-            <a:effectRef idx="0">
-              <a:schemeClr val="accent1"/>
-            </a:effectRef>
-            <a:fontRef idx="minor">
-              <a:schemeClr val="lt1"/>
-            </a:fontRef>
-          </p:style>
-          <p:txBody>
-            <a:bodyPr rot="0" spcFirstLastPara="0" vertOverflow="overflow" horzOverflow="overflow" vert="horz" wrap="square" lIns="150146" tIns="75073" rIns="150146" bIns="75073" numCol="1" spcCol="0" rtlCol="0" fromWordArt="0" anchor="ctr" anchorCtr="0" forceAA="0" compatLnSpc="1">
-              <a:prstTxWarp prst="textNoShape">
-                <a:avLst/>
-              </a:prstTxWarp>
-              <a:noAutofit/>
-            </a:bodyPr>
-            <a:lstStyle/>
-            <a:p>
-              <a:pPr algn="ctr"/>
-              <a:r>
-                <a:rPr lang="en-US" sz="1642" dirty="0">
-                  <a:solidFill>
-                    <a:schemeClr val="tx1"/>
-                  </a:solidFill>
-                  <a:latin typeface="Calibri" panose="020F0502020204030204" pitchFamily="34" charset="0"/>
-                  <a:cs typeface="Calibri" panose="020F0502020204030204" pitchFamily="34" charset="0"/>
-                </a:rPr>
-                <a:t>Fix the</a:t>
-              </a:r>
-            </a:p>
-            <a:p>
-              <a:pPr algn="ctr"/>
-              <a:r>
-                <a:rPr lang="en-US" sz="1642" dirty="0">
-                  <a:solidFill>
-                    <a:schemeClr val="tx1"/>
-                  </a:solidFill>
-                  <a:latin typeface="Calibri" panose="020F0502020204030204" pitchFamily="34" charset="0"/>
-                  <a:cs typeface="Calibri" panose="020F0502020204030204" pitchFamily="34" charset="0"/>
-                </a:rPr>
-                <a:t>SUT</a:t>
-              </a:r>
-            </a:p>
-          </p:txBody>
-        </p:sp>
-        <p:cxnSp>
-          <p:nvCxnSpPr>
-            <p:cNvPr id="180" name="Straight Arrow Connector 71">
-              <a:extLst>
-                <a:ext uri="{FF2B5EF4-FFF2-40B4-BE49-F238E27FC236}">
-                  <a16:creationId xmlns:a16="http://schemas.microsoft.com/office/drawing/2014/main" id="{3DD0E885-B481-1848-878F-080A1AFF81F9}"/>
-                </a:ext>
-              </a:extLst>
-            </p:cNvPr>
-            <p:cNvCxnSpPr>
-              <a:cxnSpLocks/>
-              <a:stCxn id="182" idx="5"/>
-              <a:endCxn id="179" idx="1"/>
-            </p:cNvCxnSpPr>
-            <p:nvPr/>
-          </p:nvCxnSpPr>
-          <p:spPr>
-            <a:xfrm flipV="1">
-              <a:off x="9379989" y="1968206"/>
-              <a:ext cx="1789041" cy="2571958"/>
-            </a:xfrm>
-            <a:prstGeom prst="bentConnector3">
-              <a:avLst>
-                <a:gd name="adj1" fmla="val 50000"/>
-              </a:avLst>
-            </a:prstGeom>
-            <a:ln w="38100">
-              <a:solidFill>
-                <a:schemeClr val="tx1"/>
-              </a:solidFill>
-              <a:tailEnd type="triangle"/>
-            </a:ln>
-          </p:spPr>
-          <p:style>
-            <a:lnRef idx="1">
-              <a:schemeClr val="accent1"/>
-            </a:lnRef>
-            <a:fillRef idx="0">
-              <a:schemeClr val="accent1"/>
-            </a:fillRef>
-            <a:effectRef idx="0">
-              <a:schemeClr val="accent1"/>
-            </a:effectRef>
-            <a:fontRef idx="minor">
+              <a:latin typeface="Calibri" panose="020F0502020204030204" pitchFamily="34" charset="0"/>
+              <a:cs typeface="Calibri" panose="020F0502020204030204" pitchFamily="34" charset="0"/>
+            </a:endParaRPr>
+          </a:p>
+        </p:txBody>
+      </p:sp>
+      <p:cxnSp>
+        <p:nvCxnSpPr>
+          <p:cNvPr id="185" name="Straight Arrow Connector 184">
+            <a:extLst>
+              <a:ext uri="{FF2B5EF4-FFF2-40B4-BE49-F238E27FC236}">
+                <a16:creationId xmlns:a16="http://schemas.microsoft.com/office/drawing/2014/main" id="{73C27D38-26E9-1146-B404-536618E07549}"/>
+              </a:ext>
+            </a:extLst>
+          </p:cNvPr>
+          <p:cNvCxnSpPr>
+            <a:cxnSpLocks/>
+            <a:stCxn id="84" idx="3"/>
+            <a:endCxn id="223" idx="2"/>
+          </p:cNvCxnSpPr>
+          <p:nvPr/>
+        </p:nvCxnSpPr>
+        <p:spPr>
+          <a:xfrm flipV="1">
+            <a:off x="9814902" y="4864927"/>
+            <a:ext cx="708636" cy="769846"/>
+          </a:xfrm>
+          <a:prstGeom prst="straightConnector1">
+            <a:avLst/>
+          </a:prstGeom>
+          <a:ln w="38100">
+            <a:solidFill>
               <a:schemeClr val="tx1"/>
-            </a:fontRef>
-          </p:style>
-        </p:cxnSp>
-        <p:cxnSp>
-          <p:nvCxnSpPr>
-            <p:cNvPr id="181" name="Elbow Connector 180">
-              <a:extLst>
-                <a:ext uri="{FF2B5EF4-FFF2-40B4-BE49-F238E27FC236}">
-                  <a16:creationId xmlns:a16="http://schemas.microsoft.com/office/drawing/2014/main" id="{1CC9B254-D611-224F-AF37-B5B9A2ECB4BB}"/>
-                </a:ext>
-              </a:extLst>
-            </p:cNvPr>
-            <p:cNvCxnSpPr>
-              <a:cxnSpLocks/>
-              <a:stCxn id="179" idx="0"/>
-              <a:endCxn id="110" idx="5"/>
-            </p:cNvCxnSpPr>
-            <p:nvPr/>
-          </p:nvCxnSpPr>
-          <p:spPr>
-            <a:xfrm rot="16200000" flipH="1" flipV="1">
-              <a:off x="8394332" y="-1587674"/>
-              <a:ext cx="166874" cy="6579337"/>
-            </a:xfrm>
-            <a:prstGeom prst="bentConnector4">
-              <a:avLst>
-                <a:gd name="adj1" fmla="val -136990"/>
-                <a:gd name="adj2" fmla="val 52903"/>
-              </a:avLst>
-            </a:prstGeom>
-            <a:ln w="38100">
-              <a:solidFill>
-                <a:schemeClr val="tx1"/>
-              </a:solidFill>
-              <a:tailEnd type="triangle"/>
-            </a:ln>
-          </p:spPr>
-          <p:style>
-            <a:lnRef idx="1">
-              <a:schemeClr val="accent1"/>
-            </a:lnRef>
-            <a:fillRef idx="0">
-              <a:schemeClr val="accent1"/>
-            </a:fillRef>
-            <a:effectRef idx="0">
-              <a:schemeClr val="accent1"/>
-            </a:effectRef>
-            <a:fontRef idx="minor">
-              <a:schemeClr val="tx1"/>
-            </a:fontRef>
-          </p:style>
-        </p:cxnSp>
-        <p:sp>
-          <p:nvSpPr>
-            <p:cNvPr id="182" name="Data 181">
-              <a:extLst>
-                <a:ext uri="{FF2B5EF4-FFF2-40B4-BE49-F238E27FC236}">
-                  <a16:creationId xmlns:a16="http://schemas.microsoft.com/office/drawing/2014/main" id="{518D15CE-1759-4C45-ADA6-52E66785A817}"/>
-                </a:ext>
-              </a:extLst>
-            </p:cNvPr>
-            <p:cNvSpPr/>
-            <p:nvPr/>
-          </p:nvSpPr>
-          <p:spPr>
-            <a:xfrm>
-              <a:off x="7264396" y="4208519"/>
-              <a:ext cx="2350659" cy="663289"/>
-            </a:xfrm>
-            <a:prstGeom prst="flowChartInputOutput">
-              <a:avLst/>
-            </a:prstGeom>
-            <a:noFill/>
-            <a:ln w="38100">
-              <a:solidFill>
-                <a:schemeClr val="tx1"/>
-              </a:solidFill>
-            </a:ln>
-          </p:spPr>
-          <p:style>
-            <a:lnRef idx="2">
-              <a:schemeClr val="accent1">
-                <a:shade val="50000"/>
-              </a:schemeClr>
-            </a:lnRef>
-            <a:fillRef idx="1">
-              <a:schemeClr val="accent1"/>
-            </a:fillRef>
-            <a:effectRef idx="0">
-              <a:schemeClr val="accent1"/>
-            </a:effectRef>
-            <a:fontRef idx="minor">
-              <a:schemeClr val="lt1"/>
-            </a:fontRef>
-          </p:style>
-          <p:txBody>
-            <a:bodyPr rot="0" spcFirstLastPara="0" vertOverflow="overflow" horzOverflow="overflow" vert="horz" wrap="square" lIns="150146" tIns="75073" rIns="150146" bIns="75073" numCol="1" spcCol="0" rtlCol="0" fromWordArt="0" anchor="ctr" anchorCtr="0" forceAA="0" compatLnSpc="1">
-              <a:prstTxWarp prst="textNoShape">
-                <a:avLst/>
-              </a:prstTxWarp>
-              <a:noAutofit/>
-            </a:bodyPr>
-            <a:lstStyle/>
-            <a:p>
-              <a:pPr algn="ctr"/>
-              <a:r>
-                <a:rPr lang="en-US" sz="1642" dirty="0">
-                  <a:solidFill>
-                    <a:schemeClr val="tx1"/>
-                  </a:solidFill>
-                  <a:latin typeface="Calibri" panose="020F0502020204030204" pitchFamily="34" charset="0"/>
-                  <a:cs typeface="Calibri" panose="020F0502020204030204" pitchFamily="34" charset="0"/>
-                </a:rPr>
-                <a:t>Missing</a:t>
-              </a:r>
-            </a:p>
-            <a:p>
-              <a:pPr algn="ctr"/>
-              <a:r>
-                <a:rPr lang="en-US" sz="1642" dirty="0">
-                  <a:solidFill>
-                    <a:schemeClr val="tx1"/>
-                  </a:solidFill>
-                  <a:latin typeface="Calibri" panose="020F0502020204030204" pitchFamily="34" charset="0"/>
-                  <a:cs typeface="Calibri" panose="020F0502020204030204" pitchFamily="34" charset="0"/>
-                </a:rPr>
-                <a:t>Error Reports</a:t>
-              </a:r>
-            </a:p>
-          </p:txBody>
-        </p:sp>
-        <p:cxnSp>
-          <p:nvCxnSpPr>
-            <p:cNvPr id="183" name="Straight Arrow Connector 182">
-              <a:extLst>
-                <a:ext uri="{FF2B5EF4-FFF2-40B4-BE49-F238E27FC236}">
-                  <a16:creationId xmlns:a16="http://schemas.microsoft.com/office/drawing/2014/main" id="{7F1C01A0-F401-BC4B-B21D-34B138A2EA4E}"/>
-                </a:ext>
-              </a:extLst>
-            </p:cNvPr>
-            <p:cNvCxnSpPr>
-              <a:cxnSpLocks/>
-              <a:stCxn id="84" idx="3"/>
-              <a:endCxn id="182" idx="2"/>
-            </p:cNvCxnSpPr>
-            <p:nvPr/>
-          </p:nvCxnSpPr>
-          <p:spPr>
-            <a:xfrm flipV="1">
-              <a:off x="6792321" y="4540164"/>
-              <a:ext cx="707141" cy="904673"/>
-            </a:xfrm>
-            <a:prstGeom prst="straightConnector1">
-              <a:avLst/>
-            </a:prstGeom>
-            <a:ln w="38100">
-              <a:solidFill>
-                <a:schemeClr val="tx1"/>
-              </a:solidFill>
-              <a:tailEnd type="triangle"/>
-            </a:ln>
-          </p:spPr>
-          <p:style>
-            <a:lnRef idx="1">
-              <a:schemeClr val="accent1"/>
-            </a:lnRef>
-            <a:fillRef idx="0">
-              <a:schemeClr val="accent1"/>
-            </a:fillRef>
-            <a:effectRef idx="0">
-              <a:schemeClr val="accent1"/>
-            </a:effectRef>
-            <a:fontRef idx="minor">
-              <a:schemeClr val="tx1"/>
-            </a:fontRef>
-          </p:style>
-        </p:cxnSp>
-        <p:sp>
-          <p:nvSpPr>
-            <p:cNvPr id="184" name="Data 183">
-              <a:extLst>
-                <a:ext uri="{FF2B5EF4-FFF2-40B4-BE49-F238E27FC236}">
-                  <a16:creationId xmlns:a16="http://schemas.microsoft.com/office/drawing/2014/main" id="{F6C21436-64BD-9A45-A7EC-D5DEC4C2AD05}"/>
-                </a:ext>
-              </a:extLst>
-            </p:cNvPr>
-            <p:cNvSpPr/>
-            <p:nvPr/>
-          </p:nvSpPr>
-          <p:spPr>
-            <a:xfrm>
-              <a:off x="7325377" y="5126182"/>
-              <a:ext cx="2206549" cy="637310"/>
-            </a:xfrm>
-            <a:prstGeom prst="flowChartInputOutput">
-              <a:avLst/>
-            </a:prstGeom>
-            <a:noFill/>
-            <a:ln w="38100">
-              <a:solidFill>
-                <a:schemeClr val="tx1"/>
-              </a:solidFill>
-            </a:ln>
-          </p:spPr>
-          <p:style>
-            <a:lnRef idx="2">
-              <a:schemeClr val="accent1">
-                <a:shade val="50000"/>
-              </a:schemeClr>
-            </a:lnRef>
-            <a:fillRef idx="1">
-              <a:schemeClr val="accent1"/>
-            </a:fillRef>
-            <a:effectRef idx="0">
-              <a:schemeClr val="accent1"/>
-            </a:effectRef>
-            <a:fontRef idx="minor">
-              <a:schemeClr val="lt1"/>
-            </a:fontRef>
-          </p:style>
-          <p:txBody>
-            <a:bodyPr rot="0" spcFirstLastPara="0" vertOverflow="overflow" horzOverflow="overflow" vert="horz" wrap="square" lIns="150146" tIns="75073" rIns="150146" bIns="75073" numCol="1" spcCol="0" rtlCol="0" fromWordArt="0" anchor="ctr" anchorCtr="0" forceAA="0" compatLnSpc="1">
-              <a:prstTxWarp prst="textNoShape">
-                <a:avLst/>
-              </a:prstTxWarp>
-              <a:noAutofit/>
-            </a:bodyPr>
-            <a:lstStyle/>
-            <a:p>
-              <a:pPr algn="ctr"/>
-              <a:r>
-                <a:rPr lang="en-US" sz="1642" dirty="0">
-                  <a:solidFill>
-                    <a:schemeClr val="tx1"/>
-                  </a:solidFill>
-                  <a:latin typeface="Calibri" panose="020F0502020204030204" pitchFamily="34" charset="0"/>
-                  <a:cs typeface="Calibri" panose="020F0502020204030204" pitchFamily="34" charset="0"/>
-                </a:rPr>
-                <a:t>Unexpected</a:t>
-              </a:r>
-            </a:p>
-            <a:p>
-              <a:pPr algn="ctr"/>
-              <a:r>
-                <a:rPr lang="en-US" sz="1642" dirty="0">
-                  <a:solidFill>
-                    <a:schemeClr val="tx1"/>
-                  </a:solidFill>
-                  <a:latin typeface="Calibri" panose="020F0502020204030204" pitchFamily="34" charset="0"/>
-                  <a:cs typeface="Calibri" panose="020F0502020204030204" pitchFamily="34" charset="0"/>
-                </a:rPr>
-                <a:t>Failures</a:t>
-              </a:r>
-            </a:p>
-          </p:txBody>
-        </p:sp>
-        <p:cxnSp>
-          <p:nvCxnSpPr>
-            <p:cNvPr id="185" name="Straight Arrow Connector 184">
-              <a:extLst>
-                <a:ext uri="{FF2B5EF4-FFF2-40B4-BE49-F238E27FC236}">
-                  <a16:creationId xmlns:a16="http://schemas.microsoft.com/office/drawing/2014/main" id="{73C27D38-26E9-1146-B404-536618E07549}"/>
-                </a:ext>
-              </a:extLst>
-            </p:cNvPr>
-            <p:cNvCxnSpPr>
-              <a:cxnSpLocks/>
-              <a:stCxn id="84" idx="3"/>
-              <a:endCxn id="184" idx="2"/>
-            </p:cNvCxnSpPr>
-            <p:nvPr/>
-          </p:nvCxnSpPr>
-          <p:spPr>
-            <a:xfrm>
-              <a:off x="6792321" y="5444837"/>
-              <a:ext cx="753711" cy="0"/>
-            </a:xfrm>
-            <a:prstGeom prst="straightConnector1">
-              <a:avLst/>
-            </a:prstGeom>
-            <a:ln w="38100">
-              <a:solidFill>
-                <a:schemeClr val="tx1"/>
-              </a:solidFill>
-              <a:tailEnd type="triangle"/>
-            </a:ln>
-          </p:spPr>
-          <p:style>
-            <a:lnRef idx="1">
-              <a:schemeClr val="accent1"/>
-            </a:lnRef>
-            <a:fillRef idx="0">
-              <a:schemeClr val="accent1"/>
-            </a:fillRef>
-            <a:effectRef idx="0">
-              <a:schemeClr val="accent1"/>
-            </a:effectRef>
-            <a:fontRef idx="minor">
-              <a:schemeClr val="tx1"/>
-            </a:fontRef>
-          </p:style>
-        </p:cxnSp>
-      </p:grpSp>
+            </a:solidFill>
+            <a:tailEnd type="triangle"/>
+          </a:ln>
+        </p:spPr>
+        <p:style>
+          <a:lnRef idx="1">
+            <a:schemeClr val="accent1"/>
+          </a:lnRef>
+          <a:fillRef idx="0">
+            <a:schemeClr val="accent1"/>
+          </a:fillRef>
+          <a:effectRef idx="0">
+            <a:schemeClr val="accent1"/>
+          </a:effectRef>
+          <a:fontRef idx="minor">
+            <a:schemeClr val="tx1"/>
+          </a:fontRef>
+        </p:style>
+      </p:cxnSp>
       <p:sp>
         <p:nvSpPr>
           <p:cNvPr id="186" name="TextBox 185">
@@ -6334,7 +6154,7 @@
         </p:nvSpPr>
         <p:spPr>
           <a:xfrm>
-            <a:off x="11417348" y="8600212"/>
+            <a:off x="12200330" y="7914412"/>
             <a:ext cx="317715" cy="400110"/>
           </a:xfrm>
           <a:prstGeom prst="rect">
@@ -6372,7 +6192,7 @@
         </p:nvSpPr>
         <p:spPr>
           <a:xfrm>
-            <a:off x="11276416" y="7225410"/>
+            <a:off x="12039520" y="6768210"/>
             <a:ext cx="352982" cy="400110"/>
           </a:xfrm>
           <a:prstGeom prst="rect">
@@ -6414,12 +6234,12 @@
         </p:nvCxnSpPr>
         <p:spPr>
           <a:xfrm flipV="1">
-            <a:off x="9311271" y="2196812"/>
-            <a:ext cx="1857759" cy="3476631"/>
+            <a:off x="11157527" y="1739612"/>
+            <a:ext cx="754729" cy="2892431"/>
           </a:xfrm>
           <a:prstGeom prst="bentConnector3">
             <a:avLst>
-              <a:gd name="adj1" fmla="val 51758"/>
+              <a:gd name="adj1" fmla="val 50000"/>
             </a:avLst>
           </a:prstGeom>
           <a:ln w="38100">
@@ -6458,8 +6278,8 @@
         </p:nvSpPr>
         <p:spPr>
           <a:xfrm>
-            <a:off x="10674626" y="238539"/>
-            <a:ext cx="2305878" cy="7027675"/>
+            <a:off x="11522696" y="1"/>
+            <a:ext cx="2156792" cy="6807200"/>
           </a:xfrm>
           <a:prstGeom prst="rect">
             <a:avLst/>
@@ -6514,7 +6334,7 @@
         </p:nvSpPr>
         <p:spPr>
           <a:xfrm>
-            <a:off x="10571062" y="228606"/>
+            <a:off x="11245750" y="0"/>
             <a:ext cx="2433738" cy="1153777"/>
           </a:xfrm>
           <a:prstGeom prst="rect">
@@ -6576,8 +6396,8 @@
         </p:nvCxnSpPr>
         <p:spPr>
           <a:xfrm flipV="1">
-            <a:off x="4153328" y="5673443"/>
-            <a:ext cx="1367404" cy="631281"/>
+            <a:off x="4510064" y="5634773"/>
+            <a:ext cx="4033249" cy="1723499"/>
           </a:xfrm>
           <a:prstGeom prst="straightConnector1">
             <a:avLst/>
@@ -6618,8 +6438,8 @@
         </p:nvSpPr>
         <p:spPr>
           <a:xfrm>
-            <a:off x="1016904" y="7566646"/>
-            <a:ext cx="1568585" cy="1154162"/>
+            <a:off x="2177574" y="8282263"/>
+            <a:ext cx="3714122" cy="446276"/>
           </a:xfrm>
           <a:prstGeom prst="rect">
             <a:avLst/>
@@ -6637,27 +6457,7 @@
                 <a:latin typeface="Calibri" panose="020F0502020204030204" pitchFamily="34" charset="0"/>
                 <a:cs typeface="Calibri" panose="020F0502020204030204" pitchFamily="34" charset="0"/>
               </a:rPr>
-              <a:t>Test Suite</a:t>
-            </a:r>
-          </a:p>
-          <a:p>
-            <a:pPr algn="ctr"/>
-            <a:r>
-              <a:rPr lang="en-US" sz="2300" dirty="0">
-                <a:latin typeface="Calibri" panose="020F0502020204030204" pitchFamily="34" charset="0"/>
-                <a:cs typeface="Calibri" panose="020F0502020204030204" pitchFamily="34" charset="0"/>
-              </a:rPr>
-              <a:t>Evaluation</a:t>
-            </a:r>
-          </a:p>
-          <a:p>
-            <a:pPr algn="ctr"/>
-            <a:r>
-              <a:rPr lang="en-US" sz="2300" dirty="0">
-                <a:latin typeface="Calibri" panose="020F0502020204030204" pitchFamily="34" charset="0"/>
-                <a:cs typeface="Calibri" panose="020F0502020204030204" pitchFamily="34" charset="0"/>
-              </a:rPr>
-              <a:t>Process</a:t>
+              <a:t>Test Suite Evaluation Process</a:t>
             </a:r>
           </a:p>
         </p:txBody>
@@ -6676,7 +6476,7 @@
         </p:nvSpPr>
         <p:spPr>
           <a:xfrm>
-            <a:off x="10890716" y="4637321"/>
+            <a:off x="11673698" y="4180121"/>
             <a:ext cx="1747597" cy="796012"/>
           </a:xfrm>
           <a:prstGeom prst="flowChartInputOutput">
@@ -6755,7 +6555,7 @@
         </p:nvSpPr>
         <p:spPr>
           <a:xfrm>
-            <a:off x="11061699" y="5776413"/>
+            <a:off x="11824803" y="5319213"/>
             <a:ext cx="1429657" cy="497627"/>
           </a:xfrm>
           <a:prstGeom prst="flowChartProcess">
@@ -6841,9 +6641,9 @@
           <p:nvPr/>
         </p:nvCxnSpPr>
         <p:spPr>
-          <a:xfrm flipH="1" flipV="1">
-            <a:off x="11764515" y="5433333"/>
-            <a:ext cx="12013" cy="343080"/>
+          <a:xfrm flipV="1">
+            <a:off x="12539632" y="4976133"/>
+            <a:ext cx="7865" cy="343080"/>
           </a:xfrm>
           <a:prstGeom prst="straightConnector1">
             <a:avLst/>
@@ -6884,7 +6684,7 @@
         </p:nvSpPr>
         <p:spPr>
           <a:xfrm>
-            <a:off x="11670048" y="2642258"/>
+            <a:off x="12453030" y="2185058"/>
             <a:ext cx="435782" cy="338554"/>
           </a:xfrm>
           <a:prstGeom prst="rect">
@@ -6922,7 +6722,7 @@
         </p:nvSpPr>
         <p:spPr>
           <a:xfrm>
-            <a:off x="11276848" y="3076221"/>
+            <a:off x="12059830" y="2619021"/>
             <a:ext cx="1010720" cy="519048"/>
           </a:xfrm>
           <a:prstGeom prst="flowChartDecision">
@@ -6977,7 +6777,7 @@
         </p:nvSpPr>
         <p:spPr>
           <a:xfrm>
-            <a:off x="11116029" y="3146735"/>
+            <a:off x="11899011" y="2689535"/>
             <a:ext cx="1382924" cy="338554"/>
           </a:xfrm>
           <a:prstGeom prst="rect">
@@ -7015,7 +6815,7 @@
         </p:nvSpPr>
         <p:spPr>
           <a:xfrm>
-            <a:off x="12238155" y="2955477"/>
+            <a:off x="13021137" y="2498277"/>
             <a:ext cx="303288" cy="308674"/>
           </a:xfrm>
           <a:prstGeom prst="rect">
@@ -7050,7 +6850,7 @@
         </p:nvSpPr>
         <p:spPr>
           <a:xfrm>
-            <a:off x="11204967" y="3849614"/>
+            <a:off x="11987949" y="3392414"/>
             <a:ext cx="1139225" cy="551687"/>
           </a:xfrm>
           <a:prstGeom prst="flowChartProcess">
@@ -7137,7 +6937,7 @@
         </p:nvCxnSpPr>
         <p:spPr>
           <a:xfrm flipV="1">
-            <a:off x="11764515" y="4401301"/>
+            <a:off x="12547497" y="3944101"/>
             <a:ext cx="10065" cy="236020"/>
           </a:xfrm>
           <a:prstGeom prst="straightConnector1">
@@ -7183,7 +6983,7 @@
         </p:nvCxnSpPr>
         <p:spPr>
           <a:xfrm flipV="1">
-            <a:off x="11774580" y="3595269"/>
+            <a:off x="12557562" y="3138069"/>
             <a:ext cx="7628" cy="254345"/>
           </a:xfrm>
           <a:prstGeom prst="straightConnector1">
@@ -7223,13 +7023,12 @@
           <p:cNvCxnSpPr>
             <a:cxnSpLocks/>
             <a:stCxn id="197" idx="0"/>
-            <a:endCxn id="179" idx="2"/>
           </p:cNvCxnSpPr>
           <p:nvPr/>
         </p:nvCxnSpPr>
         <p:spPr>
           <a:xfrm flipH="1" flipV="1">
-            <a:off x="11767437" y="2546459"/>
+            <a:off x="12550419" y="2089259"/>
             <a:ext cx="14771" cy="529762"/>
           </a:xfrm>
           <a:prstGeom prst="straightConnector1">
@@ -7268,14 +7067,13 @@
           </p:cNvPr>
           <p:cNvCxnSpPr>
             <a:cxnSpLocks/>
-            <a:stCxn id="164" idx="0"/>
             <a:endCxn id="194" idx="2"/>
           </p:cNvCxnSpPr>
           <p:nvPr/>
         </p:nvCxnSpPr>
         <p:spPr>
           <a:xfrm flipH="1" flipV="1">
-            <a:off x="11776528" y="6274040"/>
+            <a:off x="12539632" y="5816840"/>
             <a:ext cx="5386" cy="250245"/>
           </a:xfrm>
           <a:prstGeom prst="straightConnector1">
@@ -7315,19 +7113,19 @@
           <p:cNvCxnSpPr>
             <a:cxnSpLocks/>
             <a:stCxn id="197" idx="3"/>
-            <a:endCxn id="206" idx="0"/>
+            <a:endCxn id="206" idx="2"/>
           </p:cNvCxnSpPr>
           <p:nvPr/>
         </p:nvCxnSpPr>
         <p:spPr>
           <a:xfrm flipH="1">
-            <a:off x="1175655" y="3335745"/>
-            <a:ext cx="11111913" cy="403499"/>
+            <a:off x="1879127" y="2878545"/>
+            <a:ext cx="11191423" cy="1814146"/>
           </a:xfrm>
           <a:prstGeom prst="bentConnector4">
             <a:avLst>
-              <a:gd name="adj1" fmla="val -8676"/>
-              <a:gd name="adj2" fmla="val -802142"/>
+              <a:gd name="adj1" fmla="val -4313"/>
+              <a:gd name="adj2" fmla="val 332418"/>
             </a:avLst>
           </a:prstGeom>
           <a:ln w="38100">
@@ -7366,7 +7164,7 @@
         </p:nvSpPr>
         <p:spPr>
           <a:xfrm>
-            <a:off x="1045026" y="3739244"/>
+            <a:off x="1748498" y="4415105"/>
             <a:ext cx="261258" cy="277586"/>
           </a:xfrm>
           <a:prstGeom prst="diamond">
@@ -7452,8 +7250,8 @@
         </p:nvCxnSpPr>
         <p:spPr>
           <a:xfrm flipV="1">
-            <a:off x="2427756" y="5673443"/>
-            <a:ext cx="3092976" cy="607779"/>
+            <a:off x="3100814" y="5634773"/>
+            <a:ext cx="5442499" cy="1699997"/>
           </a:xfrm>
           <a:prstGeom prst="straightConnector1">
             <a:avLst/>
@@ -7491,15 +7289,15 @@
           </p:cNvPr>
           <p:cNvCxnSpPr>
             <a:cxnSpLocks/>
-            <a:stCxn id="211" idx="5"/>
-            <a:endCxn id="84" idx="1"/>
+            <a:stCxn id="252" idx="5"/>
+            <a:endCxn id="84" idx="0"/>
           </p:cNvCxnSpPr>
           <p:nvPr/>
         </p:nvCxnSpPr>
         <p:spPr>
           <a:xfrm>
-            <a:off x="5325062" y="5055554"/>
-            <a:ext cx="195670" cy="617889"/>
+            <a:off x="8207843" y="3207060"/>
+            <a:ext cx="971265" cy="2158238"/>
           </a:xfrm>
           <a:prstGeom prst="straightConnector1">
             <a:avLst/>
@@ -7540,7 +7338,7 @@
         </p:nvSpPr>
         <p:spPr>
           <a:xfrm>
-            <a:off x="5995845" y="8953637"/>
+            <a:off x="6122845" y="8953637"/>
             <a:ext cx="2548715" cy="799963"/>
           </a:xfrm>
           <a:prstGeom prst="rect">
@@ -7578,7 +7376,7 @@
         </p:nvSpPr>
         <p:spPr>
           <a:xfrm>
-            <a:off x="5135007" y="9133356"/>
+            <a:off x="5262007" y="9133356"/>
             <a:ext cx="784488" cy="442444"/>
           </a:xfrm>
           <a:prstGeom prst="flowChartProcess">
@@ -7641,8 +7439,8 @@
         </p:nvSpPr>
         <p:spPr>
           <a:xfrm>
-            <a:off x="3564030" y="4775200"/>
-            <a:ext cx="1956702" cy="560707"/>
+            <a:off x="7072233" y="4064001"/>
+            <a:ext cx="1258967" cy="550746"/>
           </a:xfrm>
           <a:prstGeom prst="flowChartInputOutput">
             <a:avLst/>
@@ -7680,29 +7478,13 @@
           <a:lstStyle/>
           <a:p>
             <a:pPr algn="ctr"/>
-            <a:r>
-              <a:rPr lang="en-US" sz="1642" dirty="0">
-                <a:solidFill>
-                  <a:schemeClr val="tx1"/>
-                </a:solidFill>
-                <a:latin typeface="Calibri" panose="020F0502020204030204" pitchFamily="34" charset="0"/>
-                <a:cs typeface="Calibri" panose="020F0502020204030204" pitchFamily="34" charset="0"/>
-              </a:rPr>
-              <a:t>Applied</a:t>
-            </a:r>
-          </a:p>
-          <a:p>
-            <a:pPr algn="ctr"/>
-            <a:r>
-              <a:rPr lang="en-US" sz="1642" dirty="0">
-                <a:solidFill>
-                  <a:schemeClr val="tx1"/>
-                </a:solidFill>
-                <a:latin typeface="Calibri" panose="020F0502020204030204" pitchFamily="34" charset="0"/>
-                <a:cs typeface="Calibri" panose="020F0502020204030204" pitchFamily="34" charset="0"/>
-              </a:rPr>
-              <a:t>Operators</a:t>
-            </a:r>
+            <a:endParaRPr lang="en-US" sz="1642" dirty="0">
+              <a:solidFill>
+                <a:schemeClr val="tx1"/>
+              </a:solidFill>
+              <a:latin typeface="Calibri" panose="020F0502020204030204" pitchFamily="34" charset="0"/>
+              <a:cs typeface="Calibri" panose="020F0502020204030204" pitchFamily="34" charset="0"/>
+            </a:endParaRPr>
           </a:p>
         </p:txBody>
       </p:sp>
@@ -7717,14 +7499,662 @@
           </p:cNvPr>
           <p:cNvCxnSpPr>
             <a:cxnSpLocks/>
-            <a:endCxn id="211" idx="2"/>
           </p:cNvCxnSpPr>
           <p:nvPr/>
         </p:nvCxnSpPr>
         <p:spPr>
           <a:xfrm>
-            <a:off x="3657600" y="4495800"/>
-            <a:ext cx="102100" cy="559754"/>
+            <a:off x="6858000" y="4318000"/>
+            <a:ext cx="355600" cy="0"/>
+          </a:xfrm>
+          <a:prstGeom prst="straightConnector1">
+            <a:avLst/>
+          </a:prstGeom>
+          <a:ln w="38100">
+            <a:solidFill>
+              <a:schemeClr val="tx1"/>
+            </a:solidFill>
+            <a:tailEnd type="triangle"/>
+          </a:ln>
+        </p:spPr>
+        <p:style>
+          <a:lnRef idx="1">
+            <a:schemeClr val="accent1"/>
+          </a:lnRef>
+          <a:fillRef idx="0">
+            <a:schemeClr val="accent1"/>
+          </a:fillRef>
+          <a:effectRef idx="0">
+            <a:schemeClr val="accent1"/>
+          </a:effectRef>
+          <a:fontRef idx="minor">
+            <a:schemeClr val="tx1"/>
+          </a:fontRef>
+        </p:style>
+      </p:cxnSp>
+      <p:sp>
+        <p:nvSpPr>
+          <p:cNvPr id="40" name="Rounded Rectangle 39">
+            <a:extLst>
+              <a:ext uri="{FF2B5EF4-FFF2-40B4-BE49-F238E27FC236}">
+                <a16:creationId xmlns:a16="http://schemas.microsoft.com/office/drawing/2014/main" id="{FB6A458B-B0A1-A244-A284-E7744D357A40}"/>
+              </a:ext>
+            </a:extLst>
+          </p:cNvPr>
+          <p:cNvSpPr/>
+          <p:nvPr/>
+        </p:nvSpPr>
+        <p:spPr>
+          <a:xfrm>
+            <a:off x="2273853" y="1955800"/>
+            <a:ext cx="6184347" cy="3512931"/>
+          </a:xfrm>
+          <a:prstGeom prst="roundRect">
+            <a:avLst/>
+          </a:prstGeom>
+          <a:noFill/>
+          <a:ln w="38100" cap="flat">
+            <a:solidFill>
+              <a:schemeClr val="tx1"/>
+            </a:solidFill>
+            <a:prstDash val="sysDash"/>
+            <a:miter lim="400000"/>
+          </a:ln>
+          <a:effectLst/>
+        </p:spPr>
+        <p:style>
+          <a:lnRef idx="0">
+            <a:scrgbClr r="0" g="0" b="0"/>
+          </a:lnRef>
+          <a:fillRef idx="0">
+            <a:scrgbClr r="0" g="0" b="0"/>
+          </a:fillRef>
+          <a:effectRef idx="0">
+            <a:scrgbClr r="0" g="0" b="0"/>
+          </a:effectRef>
+          <a:fontRef idx="none"/>
+        </p:style>
+        <p:txBody>
+          <a:bodyPr rot="0" spcFirstLastPara="1" vertOverflow="overflow" horzOverflow="overflow" vert="horz" wrap="square" lIns="50800" tIns="50800" rIns="50800" bIns="50800" numCol="1" spcCol="38100" rtlCol="0" anchor="ctr">
+            <a:spAutoFit/>
+          </a:bodyPr>
+          <a:lstStyle/>
+          <a:p>
+            <a:pPr marL="0" marR="0" indent="0" algn="ctr" defTabSz="584200" rtl="0" fontAlgn="auto" latinLnBrk="1" hangingPunct="0">
+              <a:lnSpc>
+                <a:spcPct val="100000"/>
+              </a:lnSpc>
+              <a:spcBef>
+                <a:spcPts val="0"/>
+              </a:spcBef>
+              <a:spcAft>
+                <a:spcPts val="0"/>
+              </a:spcAft>
+              <a:buClrTx/>
+              <a:buSzTx/>
+              <a:buFontTx/>
+              <a:buNone/>
+              <a:tabLst/>
+            </a:pPr>
+            <a:endParaRPr kumimoji="0" lang="en-US" sz="3600" b="0" i="0" u="none" strike="noStrike" cap="none" spc="0" normalizeH="0" baseline="0">
+              <a:ln>
+                <a:noFill/>
+              </a:ln>
+              <a:solidFill>
+                <a:srgbClr val="5F7579"/>
+              </a:solidFill>
+              <a:effectLst/>
+              <a:uFillTx/>
+              <a:latin typeface="+mn-lt"/>
+              <a:ea typeface="+mn-ea"/>
+              <a:cs typeface="+mn-cs"/>
+              <a:sym typeface="Helvetica Neue Bold Condensed"/>
+            </a:endParaRPr>
+          </a:p>
+        </p:txBody>
+      </p:sp>
+      <p:sp>
+        <p:nvSpPr>
+          <p:cNvPr id="54" name="Rectangle 53">
+            <a:extLst>
+              <a:ext uri="{FF2B5EF4-FFF2-40B4-BE49-F238E27FC236}">
+                <a16:creationId xmlns:a16="http://schemas.microsoft.com/office/drawing/2014/main" id="{647C1CBF-9491-9345-B34E-856E530259FA}"/>
+              </a:ext>
+            </a:extLst>
+          </p:cNvPr>
+          <p:cNvSpPr/>
+          <p:nvPr/>
+        </p:nvSpPr>
+        <p:spPr>
+          <a:xfrm>
+            <a:off x="3250509" y="2819400"/>
+            <a:ext cx="1219892" cy="345031"/>
+          </a:xfrm>
+          <a:prstGeom prst="rect">
+            <a:avLst/>
+          </a:prstGeom>
+        </p:spPr>
+        <p:txBody>
+          <a:bodyPr wrap="square">
+            <a:spAutoFit/>
+          </a:bodyPr>
+          <a:lstStyle/>
+          <a:p>
+            <a:r>
+              <a:rPr lang="en-US" sz="1642" dirty="0">
+                <a:solidFill>
+                  <a:schemeClr val="tx1"/>
+                </a:solidFill>
+                <a:latin typeface="Calibri" panose="020F0502020204030204" pitchFamily="34" charset="0"/>
+                <a:cs typeface="Calibri" panose="020F0502020204030204" pitchFamily="34" charset="0"/>
+              </a:rPr>
+              <a:t>Output </a:t>
+            </a:r>
+          </a:p>
+        </p:txBody>
+      </p:sp>
+      <p:sp>
+        <p:nvSpPr>
+          <p:cNvPr id="75" name="Rectangle 74">
+            <a:extLst>
+              <a:ext uri="{FF2B5EF4-FFF2-40B4-BE49-F238E27FC236}">
+                <a16:creationId xmlns:a16="http://schemas.microsoft.com/office/drawing/2014/main" id="{29A892A6-D185-8544-BB44-7BAF96AB7F95}"/>
+              </a:ext>
+            </a:extLst>
+          </p:cNvPr>
+          <p:cNvSpPr/>
+          <p:nvPr/>
+        </p:nvSpPr>
+        <p:spPr>
+          <a:xfrm>
+            <a:off x="-101600" y="3178387"/>
+            <a:ext cx="1808507" cy="597728"/>
+          </a:xfrm>
+          <a:prstGeom prst="rect">
+            <a:avLst/>
+          </a:prstGeom>
+        </p:spPr>
+        <p:txBody>
+          <a:bodyPr wrap="square">
+            <a:spAutoFit/>
+          </a:bodyPr>
+          <a:lstStyle/>
+          <a:p>
+            <a:r>
+              <a:rPr lang="en-US" sz="1642" dirty="0">
+                <a:solidFill>
+                  <a:schemeClr val="tx1"/>
+                </a:solidFill>
+                <a:latin typeface="Calibri" panose="020F0502020204030204" pitchFamily="34" charset="0"/>
+                <a:cs typeface="Calibri" panose="020F0502020204030204" pitchFamily="34" charset="0"/>
+              </a:rPr>
+              <a:t>SUT </a:t>
+            </a:r>
+          </a:p>
+          <a:p>
+            <a:r>
+              <a:rPr lang="en-US" sz="1642" dirty="0">
+                <a:solidFill>
+                  <a:schemeClr val="tx1"/>
+                </a:solidFill>
+                <a:latin typeface="Calibri" panose="020F0502020204030204" pitchFamily="34" charset="0"/>
+                <a:cs typeface="Calibri" panose="020F0502020204030204" pitchFamily="34" charset="0"/>
+              </a:rPr>
+              <a:t>Test Suite</a:t>
+            </a:r>
+          </a:p>
+        </p:txBody>
+      </p:sp>
+      <p:cxnSp>
+        <p:nvCxnSpPr>
+          <p:cNvPr id="214" name="Straight Connector 213">
+            <a:extLst>
+              <a:ext uri="{FF2B5EF4-FFF2-40B4-BE49-F238E27FC236}">
+                <a16:creationId xmlns:a16="http://schemas.microsoft.com/office/drawing/2014/main" id="{A395A247-3CA4-154B-B010-D1C8E4BC806C}"/>
+              </a:ext>
+            </a:extLst>
+          </p:cNvPr>
+          <p:cNvCxnSpPr>
+            <a:cxnSpLocks/>
+          </p:cNvCxnSpPr>
+          <p:nvPr/>
+        </p:nvCxnSpPr>
+        <p:spPr>
+          <a:xfrm>
+            <a:off x="2311400" y="2438400"/>
+            <a:ext cx="6146800" cy="0"/>
+          </a:xfrm>
+          <a:prstGeom prst="line">
+            <a:avLst/>
+          </a:prstGeom>
+          <a:noFill/>
+          <a:ln w="38100" cap="flat">
+            <a:solidFill>
+              <a:srgbClr val="535353"/>
+            </a:solidFill>
+            <a:prstDash val="sysDash"/>
+            <a:miter lim="400000"/>
+          </a:ln>
+          <a:effectLst/>
+        </p:spPr>
+        <p:style>
+          <a:lnRef idx="0">
+            <a:scrgbClr r="0" g="0" b="0"/>
+          </a:lnRef>
+          <a:fillRef idx="0">
+            <a:scrgbClr r="0" g="0" b="0"/>
+          </a:fillRef>
+          <a:effectRef idx="0">
+            <a:scrgbClr r="0" g="0" b="0"/>
+          </a:effectRef>
+          <a:fontRef idx="none"/>
+        </p:style>
+      </p:cxnSp>
+      <p:sp>
+        <p:nvSpPr>
+          <p:cNvPr id="223" name="Rectangle 222">
+            <a:extLst>
+              <a:ext uri="{FF2B5EF4-FFF2-40B4-BE49-F238E27FC236}">
+                <a16:creationId xmlns:a16="http://schemas.microsoft.com/office/drawing/2014/main" id="{B6E323EF-84FC-B44B-AA34-58BBD5287A42}"/>
+              </a:ext>
+            </a:extLst>
+          </p:cNvPr>
+          <p:cNvSpPr/>
+          <p:nvPr/>
+        </p:nvSpPr>
+        <p:spPr>
+          <a:xfrm>
+            <a:off x="9363075" y="4267199"/>
+            <a:ext cx="2320925" cy="597728"/>
+          </a:xfrm>
+          <a:prstGeom prst="rect">
+            <a:avLst/>
+          </a:prstGeom>
+        </p:spPr>
+        <p:txBody>
+          <a:bodyPr wrap="square">
+            <a:spAutoFit/>
+          </a:bodyPr>
+          <a:lstStyle/>
+          <a:p>
+            <a:r>
+              <a:rPr lang="en-US" sz="1642" dirty="0">
+                <a:solidFill>
+                  <a:schemeClr val="tx1"/>
+                </a:solidFill>
+                <a:latin typeface="Calibri" panose="020F0502020204030204" pitchFamily="34" charset="0"/>
+                <a:cs typeface="Calibri" panose="020F0502020204030204" pitchFamily="34" charset="0"/>
+              </a:rPr>
+              <a:t>Unexpected</a:t>
+            </a:r>
+          </a:p>
+          <a:p>
+            <a:r>
+              <a:rPr lang="en-US" sz="1642" dirty="0">
+                <a:solidFill>
+                  <a:schemeClr val="tx1"/>
+                </a:solidFill>
+                <a:latin typeface="Calibri" panose="020F0502020204030204" pitchFamily="34" charset="0"/>
+                <a:cs typeface="Calibri" panose="020F0502020204030204" pitchFamily="34" charset="0"/>
+              </a:rPr>
+              <a:t>Failures</a:t>
+            </a:r>
+          </a:p>
+        </p:txBody>
+      </p:sp>
+      <p:sp>
+        <p:nvSpPr>
+          <p:cNvPr id="229" name="Rectangle 228">
+            <a:extLst>
+              <a:ext uri="{FF2B5EF4-FFF2-40B4-BE49-F238E27FC236}">
+                <a16:creationId xmlns:a16="http://schemas.microsoft.com/office/drawing/2014/main" id="{36F63A8B-B0F8-9048-88ED-2804411C6D46}"/>
+              </a:ext>
+            </a:extLst>
+          </p:cNvPr>
+          <p:cNvSpPr/>
+          <p:nvPr/>
+        </p:nvSpPr>
+        <p:spPr>
+          <a:xfrm>
+            <a:off x="1920875" y="2374072"/>
+            <a:ext cx="2320925" cy="345031"/>
+          </a:xfrm>
+          <a:prstGeom prst="rect">
+            <a:avLst/>
+          </a:prstGeom>
+        </p:spPr>
+        <p:txBody>
+          <a:bodyPr wrap="square">
+            <a:spAutoFit/>
+          </a:bodyPr>
+          <a:lstStyle/>
+          <a:p>
+            <a:r>
+              <a:rPr lang="en-US" sz="1642" b="1" dirty="0">
+                <a:solidFill>
+                  <a:schemeClr val="tx1"/>
+                </a:solidFill>
+                <a:latin typeface="Calibri" panose="020F0502020204030204" pitchFamily="34" charset="0"/>
+                <a:cs typeface="Calibri" panose="020F0502020204030204" pitchFamily="34" charset="0"/>
+              </a:rPr>
+              <a:t>&lt;Iterate&gt;</a:t>
+            </a:r>
+          </a:p>
+        </p:txBody>
+      </p:sp>
+      <p:sp>
+        <p:nvSpPr>
+          <p:cNvPr id="234" name="Rectangle 233">
+            <a:extLst>
+              <a:ext uri="{FF2B5EF4-FFF2-40B4-BE49-F238E27FC236}">
+                <a16:creationId xmlns:a16="http://schemas.microsoft.com/office/drawing/2014/main" id="{1B1C7AD8-8E84-3847-A479-D32502204083}"/>
+              </a:ext>
+            </a:extLst>
+          </p:cNvPr>
+          <p:cNvSpPr/>
+          <p:nvPr/>
+        </p:nvSpPr>
+        <p:spPr>
+          <a:xfrm>
+            <a:off x="6781799" y="4013199"/>
+            <a:ext cx="1825625" cy="597728"/>
+          </a:xfrm>
+          <a:prstGeom prst="rect">
+            <a:avLst/>
+          </a:prstGeom>
+        </p:spPr>
+        <p:txBody>
+          <a:bodyPr wrap="square">
+            <a:spAutoFit/>
+          </a:bodyPr>
+          <a:lstStyle/>
+          <a:p>
+            <a:r>
+              <a:rPr lang="en-US" sz="1642" dirty="0">
+                <a:solidFill>
+                  <a:schemeClr val="tx1"/>
+                </a:solidFill>
+                <a:latin typeface="Calibri" panose="020F0502020204030204" pitchFamily="34" charset="0"/>
+                <a:cs typeface="Calibri" panose="020F0502020204030204" pitchFamily="34" charset="0"/>
+              </a:rPr>
+              <a:t>Applied</a:t>
+            </a:r>
+          </a:p>
+          <a:p>
+            <a:r>
+              <a:rPr lang="en-US" sz="1642" dirty="0">
+                <a:solidFill>
+                  <a:schemeClr val="tx1"/>
+                </a:solidFill>
+                <a:latin typeface="Calibri" panose="020F0502020204030204" pitchFamily="34" charset="0"/>
+                <a:cs typeface="Calibri" panose="020F0502020204030204" pitchFamily="34" charset="0"/>
+              </a:rPr>
+              <a:t>Operators</a:t>
+            </a:r>
+          </a:p>
+        </p:txBody>
+      </p:sp>
+      <p:sp>
+        <p:nvSpPr>
+          <p:cNvPr id="252" name="Data 251">
+            <a:extLst>
+              <a:ext uri="{FF2B5EF4-FFF2-40B4-BE49-F238E27FC236}">
+                <a16:creationId xmlns:a16="http://schemas.microsoft.com/office/drawing/2014/main" id="{5CB71A1A-DAA3-E346-B3BA-2AA9029AEA56}"/>
+              </a:ext>
+            </a:extLst>
+          </p:cNvPr>
+          <p:cNvSpPr/>
+          <p:nvPr/>
+        </p:nvSpPr>
+        <p:spPr>
+          <a:xfrm>
+            <a:off x="7097633" y="2967773"/>
+            <a:ext cx="1233567" cy="478573"/>
+          </a:xfrm>
+          <a:prstGeom prst="flowChartInputOutput">
+            <a:avLst/>
+          </a:prstGeom>
+          <a:noFill/>
+          <a:ln w="38100">
+            <a:solidFill>
+              <a:schemeClr val="tx1"/>
+            </a:solidFill>
+          </a:ln>
+        </p:spPr>
+        <p:style>
+          <a:lnRef idx="2">
+            <a:schemeClr val="accent1">
+              <a:shade val="50000"/>
+            </a:schemeClr>
+          </a:lnRef>
+          <a:fillRef idx="1">
+            <a:schemeClr val="accent1"/>
+          </a:fillRef>
+          <a:effectRef idx="0">
+            <a:schemeClr val="accent1"/>
+          </a:effectRef>
+          <a:fontRef idx="minor">
+            <a:schemeClr val="lt1"/>
+          </a:fontRef>
+        </p:style>
+        <p:txBody>
+          <a:bodyPr rot="0" spcFirstLastPara="0" vertOverflow="overflow" horzOverflow="overflow" vert="horz" wrap="square" lIns="150146" tIns="75073" rIns="150146" bIns="75073" numCol="1" spcCol="0" rtlCol="0" fromWordArt="0" anchor="ctr" anchorCtr="0" forceAA="0" compatLnSpc="1">
+            <a:prstTxWarp prst="textNoShape">
+              <a:avLst/>
+            </a:prstTxWarp>
+            <a:noAutofit/>
+          </a:bodyPr>
+          <a:lstStyle/>
+          <a:p>
+            <a:pPr algn="ctr"/>
+            <a:endParaRPr lang="en-US" sz="1642" dirty="0">
+              <a:solidFill>
+                <a:schemeClr val="tx1"/>
+              </a:solidFill>
+              <a:latin typeface="Calibri" panose="020F0502020204030204" pitchFamily="34" charset="0"/>
+              <a:cs typeface="Calibri" panose="020F0502020204030204" pitchFamily="34" charset="0"/>
+            </a:endParaRPr>
+          </a:p>
+        </p:txBody>
+      </p:sp>
+      <p:sp>
+        <p:nvSpPr>
+          <p:cNvPr id="253" name="Rectangle 252">
+            <a:extLst>
+              <a:ext uri="{FF2B5EF4-FFF2-40B4-BE49-F238E27FC236}">
+                <a16:creationId xmlns:a16="http://schemas.microsoft.com/office/drawing/2014/main" id="{CDF8D59D-6CEF-7D49-940A-714B7B857285}"/>
+              </a:ext>
+            </a:extLst>
+          </p:cNvPr>
+          <p:cNvSpPr/>
+          <p:nvPr/>
+        </p:nvSpPr>
+        <p:spPr>
+          <a:xfrm>
+            <a:off x="6781799" y="2895599"/>
+            <a:ext cx="1825625" cy="597728"/>
+          </a:xfrm>
+          <a:prstGeom prst="rect">
+            <a:avLst/>
+          </a:prstGeom>
+        </p:spPr>
+        <p:txBody>
+          <a:bodyPr wrap="square">
+            <a:spAutoFit/>
+          </a:bodyPr>
+          <a:lstStyle/>
+          <a:p>
+            <a:r>
+              <a:rPr lang="en-US" sz="1642" dirty="0">
+                <a:solidFill>
+                  <a:schemeClr val="tx1"/>
+                </a:solidFill>
+                <a:latin typeface="Calibri" panose="020F0502020204030204" pitchFamily="34" charset="0"/>
+                <a:cs typeface="Calibri" panose="020F0502020204030204" pitchFamily="34" charset="0"/>
+              </a:rPr>
+              <a:t>Killed</a:t>
+            </a:r>
+          </a:p>
+          <a:p>
+            <a:r>
+              <a:rPr lang="en-US" sz="1642" dirty="0">
+                <a:solidFill>
+                  <a:schemeClr val="tx1"/>
+                </a:solidFill>
+                <a:latin typeface="Calibri" panose="020F0502020204030204" pitchFamily="34" charset="0"/>
+                <a:cs typeface="Calibri" panose="020F0502020204030204" pitchFamily="34" charset="0"/>
+              </a:rPr>
+              <a:t>Mutants</a:t>
+            </a:r>
+          </a:p>
+        </p:txBody>
+      </p:sp>
+      <p:sp>
+        <p:nvSpPr>
+          <p:cNvPr id="256" name="Process 255">
+            <a:extLst>
+              <a:ext uri="{FF2B5EF4-FFF2-40B4-BE49-F238E27FC236}">
+                <a16:creationId xmlns:a16="http://schemas.microsoft.com/office/drawing/2014/main" id="{72166B81-2744-1B4F-8675-118EBDFCEC1F}"/>
+              </a:ext>
+            </a:extLst>
+          </p:cNvPr>
+          <p:cNvSpPr/>
+          <p:nvPr/>
+        </p:nvSpPr>
+        <p:spPr>
+          <a:xfrm>
+            <a:off x="4735540" y="2717800"/>
+            <a:ext cx="1271589" cy="538950"/>
+          </a:xfrm>
+          <a:prstGeom prst="flowChartProcess">
+            <a:avLst/>
+          </a:prstGeom>
+          <a:solidFill>
+            <a:schemeClr val="bg1"/>
+          </a:solidFill>
+          <a:ln w="38100">
+            <a:solidFill>
+              <a:schemeClr val="tx1"/>
+            </a:solidFill>
+          </a:ln>
+        </p:spPr>
+        <p:style>
+          <a:lnRef idx="2">
+            <a:schemeClr val="accent1">
+              <a:shade val="50000"/>
+            </a:schemeClr>
+          </a:lnRef>
+          <a:fillRef idx="1">
+            <a:schemeClr val="accent1"/>
+          </a:fillRef>
+          <a:effectRef idx="0">
+            <a:schemeClr val="accent1"/>
+          </a:effectRef>
+          <a:fontRef idx="minor">
+            <a:schemeClr val="lt1"/>
+          </a:fontRef>
+        </p:style>
+        <p:txBody>
+          <a:bodyPr rot="0" spcFirstLastPara="0" vertOverflow="overflow" horzOverflow="overflow" vert="horz" wrap="square" lIns="150146" tIns="75073" rIns="150146" bIns="75073" numCol="1" spcCol="0" rtlCol="0" fromWordArt="0" anchor="ctr" anchorCtr="0" forceAA="0" compatLnSpc="1">
+            <a:prstTxWarp prst="textNoShape">
+              <a:avLst/>
+            </a:prstTxWarp>
+            <a:noAutofit/>
+          </a:bodyPr>
+          <a:lstStyle/>
+          <a:p>
+            <a:pPr algn="ctr"/>
+            <a:r>
+              <a:rPr lang="en-US" sz="1642" dirty="0">
+                <a:solidFill>
+                  <a:schemeClr val="tx1"/>
+                </a:solidFill>
+                <a:latin typeface="Calibri" panose="020F0502020204030204" pitchFamily="34" charset="0"/>
+                <a:cs typeface="Calibri" panose="020F0502020204030204" pitchFamily="34" charset="0"/>
+              </a:rPr>
+              <a:t>Process</a:t>
+            </a:r>
+          </a:p>
+          <a:p>
+            <a:pPr algn="ctr"/>
+            <a:r>
+              <a:rPr lang="en-US" sz="1642" dirty="0">
+                <a:solidFill>
+                  <a:schemeClr val="tx1"/>
+                </a:solidFill>
+                <a:latin typeface="Calibri" panose="020F0502020204030204" pitchFamily="34" charset="0"/>
+                <a:cs typeface="Calibri" panose="020F0502020204030204" pitchFamily="34" charset="0"/>
+              </a:rPr>
+              <a:t>Output</a:t>
+            </a:r>
+          </a:p>
+        </p:txBody>
+      </p:sp>
+      <p:cxnSp>
+        <p:nvCxnSpPr>
+          <p:cNvPr id="257" name="Straight Arrow Connector 256">
+            <a:extLst>
+              <a:ext uri="{FF2B5EF4-FFF2-40B4-BE49-F238E27FC236}">
+                <a16:creationId xmlns:a16="http://schemas.microsoft.com/office/drawing/2014/main" id="{BEA116A0-D01E-2F48-BC53-4F371F06BB6D}"/>
+              </a:ext>
+            </a:extLst>
+          </p:cNvPr>
+          <p:cNvCxnSpPr>
+            <a:cxnSpLocks/>
+            <a:stCxn id="150" idx="5"/>
+            <a:endCxn id="256" idx="1"/>
+          </p:cNvCxnSpPr>
+          <p:nvPr/>
+        </p:nvCxnSpPr>
+        <p:spPr>
+          <a:xfrm flipV="1">
+            <a:off x="4352235" y="2987275"/>
+            <a:ext cx="383305" cy="13239"/>
+          </a:xfrm>
+          <a:prstGeom prst="straightConnector1">
+            <a:avLst/>
+          </a:prstGeom>
+          <a:ln w="38100">
+            <a:solidFill>
+              <a:schemeClr val="tx1"/>
+            </a:solidFill>
+            <a:tailEnd type="triangle"/>
+          </a:ln>
+        </p:spPr>
+        <p:style>
+          <a:lnRef idx="1">
+            <a:schemeClr val="accent1"/>
+          </a:lnRef>
+          <a:fillRef idx="0">
+            <a:schemeClr val="accent1"/>
+          </a:fillRef>
+          <a:effectRef idx="0">
+            <a:schemeClr val="accent1"/>
+          </a:effectRef>
+          <a:fontRef idx="minor">
+            <a:schemeClr val="tx1"/>
+          </a:fontRef>
+        </p:style>
+      </p:cxnSp>
+      <p:cxnSp>
+        <p:nvCxnSpPr>
+          <p:cNvPr id="260" name="Straight Arrow Connector 259">
+            <a:extLst>
+              <a:ext uri="{FF2B5EF4-FFF2-40B4-BE49-F238E27FC236}">
+                <a16:creationId xmlns:a16="http://schemas.microsoft.com/office/drawing/2014/main" id="{021F53F5-6E86-3449-9C7D-87D14009BF0F}"/>
+              </a:ext>
+            </a:extLst>
+          </p:cNvPr>
+          <p:cNvCxnSpPr>
+            <a:cxnSpLocks/>
+            <a:endCxn id="252" idx="2"/>
+          </p:cNvCxnSpPr>
+          <p:nvPr/>
+        </p:nvCxnSpPr>
+        <p:spPr>
+          <a:xfrm>
+            <a:off x="6883400" y="3207060"/>
+            <a:ext cx="337590" cy="0"/>
           </a:xfrm>
           <a:prstGeom prst="straightConnector1">
             <a:avLst/>
@@ -7773,6 +8203,9 @@
                     <p:cTn id="3" fill="hold">
                       <p:stCondLst>
                         <p:cond delay="indefinite"/>
+                        <p:cond evt="onBegin" delay="0">
+                          <p:tn val="2"/>
+                        </p:cond>
                       </p:stCondLst>
                       <p:childTnLst>
                         <p:par>
@@ -7782,7 +8215,7 @@
                             </p:stCondLst>
                             <p:childTnLst>
                               <p:par>
-                                <p:cTn id="5" presetID="1" presetClass="entr" presetSubtype="0" fill="hold" nodeType="clickEffect">
+                                <p:cTn id="5" presetID="1" presetClass="entr" presetSubtype="0" fill="hold" nodeType="withEffect">
                                   <p:stCondLst>
                                     <p:cond delay="0"/>
                                   </p:stCondLst>
@@ -7795,7 +8228,7 @@
                                           </p:stCondLst>
                                         </p:cTn>
                                         <p:tgtEl>
-                                          <p:spTgt spid="149"/>
+                                          <p:spTgt spid="188"/>
                                         </p:tgtEl>
                                         <p:attrNameLst>
                                           <p:attrName>style.visibility</p:attrName>
@@ -7840,52 +8273,7 @@
                                           </p:stCondLst>
                                         </p:cTn>
                                         <p:tgtEl>
-                                          <p:spTgt spid="83"/>
-                                        </p:tgtEl>
-                                        <p:attrNameLst>
-                                          <p:attrName>style.visibility</p:attrName>
-                                        </p:attrNameLst>
-                                      </p:cBhvr>
-                                      <p:to>
-                                        <p:strVal val="visible"/>
-                                      </p:to>
-                                    </p:set>
-                                  </p:childTnLst>
-                                </p:cTn>
-                              </p:par>
-                            </p:childTnLst>
-                          </p:cTn>
-                        </p:par>
-                      </p:childTnLst>
-                    </p:cTn>
-                  </p:par>
-                  <p:par>
-                    <p:cTn id="11" fill="hold">
-                      <p:stCondLst>
-                        <p:cond delay="indefinite"/>
-                      </p:stCondLst>
-                      <p:childTnLst>
-                        <p:par>
-                          <p:cTn id="12" fill="hold">
-                            <p:stCondLst>
-                              <p:cond delay="0"/>
-                            </p:stCondLst>
-                            <p:childTnLst>
-                              <p:par>
-                                <p:cTn id="13" presetID="1" presetClass="entr" presetSubtype="0" fill="hold" nodeType="clickEffect">
-                                  <p:stCondLst>
-                                    <p:cond delay="0"/>
-                                  </p:stCondLst>
-                                  <p:childTnLst>
-                                    <p:set>
-                                      <p:cBhvr>
-                                        <p:cTn id="14" dur="1" fill="hold">
-                                          <p:stCondLst>
-                                            <p:cond delay="0"/>
-                                          </p:stCondLst>
-                                        </p:cTn>
-                                        <p:tgtEl>
-                                          <p:spTgt spid="178"/>
+                                          <p:spTgt spid="170"/>
                                         </p:tgtEl>
                                         <p:attrNameLst>
                                           <p:attrName>style.visibility</p:attrName>
@@ -7899,176 +8287,14 @@
                                 </p:cTn>
                               </p:par>
                               <p:par>
-                                <p:cTn id="15" presetID="1" presetClass="entr" presetSubtype="0" fill="hold" nodeType="withEffect">
+                                <p:cTn id="11" presetID="1" presetClass="entr" presetSubtype="0" fill="hold" nodeType="withEffect">
                                   <p:stCondLst>
                                     <p:cond delay="0"/>
                                   </p:stCondLst>
                                   <p:childTnLst>
                                     <p:set>
                                       <p:cBhvr>
-                                        <p:cTn id="16" dur="1" fill="hold">
-                                          <p:stCondLst>
-                                            <p:cond delay="0"/>
-                                          </p:stCondLst>
-                                        </p:cTn>
-                                        <p:tgtEl>
-                                          <p:spTgt spid="188"/>
-                                        </p:tgtEl>
-                                        <p:attrNameLst>
-                                          <p:attrName>style.visibility</p:attrName>
-                                        </p:attrNameLst>
-                                      </p:cBhvr>
-                                      <p:to>
-                                        <p:strVal val="visible"/>
-                                      </p:to>
-                                    </p:set>
-                                  </p:childTnLst>
-                                </p:cTn>
-                              </p:par>
-                            </p:childTnLst>
-                          </p:cTn>
-                        </p:par>
-                      </p:childTnLst>
-                    </p:cTn>
-                  </p:par>
-                  <p:par>
-                    <p:cTn id="17" fill="hold">
-                      <p:stCondLst>
-                        <p:cond delay="indefinite"/>
-                      </p:stCondLst>
-                      <p:childTnLst>
-                        <p:par>
-                          <p:cTn id="18" fill="hold">
-                            <p:stCondLst>
-                              <p:cond delay="0"/>
-                            </p:stCondLst>
-                            <p:childTnLst>
-                              <p:par>
-                                <p:cTn id="19" presetID="1" presetClass="entr" presetSubtype="0" fill="hold" nodeType="clickEffect">
-                                  <p:stCondLst>
-                                    <p:cond delay="0"/>
-                                  </p:stCondLst>
-                                  <p:childTnLst>
-                                    <p:set>
-                                      <p:cBhvr>
-                                        <p:cTn id="20" dur="1" fill="hold">
-                                          <p:stCondLst>
-                                            <p:cond delay="0"/>
-                                          </p:stCondLst>
-                                        </p:cTn>
-                                        <p:tgtEl>
-                                          <p:spTgt spid="170"/>
-                                        </p:tgtEl>
-                                        <p:attrNameLst>
-                                          <p:attrName>style.visibility</p:attrName>
-                                        </p:attrNameLst>
-                                      </p:cBhvr>
-                                      <p:to>
-                                        <p:strVal val="visible"/>
-                                      </p:to>
-                                    </p:set>
-                                  </p:childTnLst>
-                                </p:cTn>
-                              </p:par>
-                            </p:childTnLst>
-                          </p:cTn>
-                        </p:par>
-                      </p:childTnLst>
-                    </p:cTn>
-                  </p:par>
-                  <p:par>
-                    <p:cTn id="21" fill="hold">
-                      <p:stCondLst>
-                        <p:cond delay="indefinite"/>
-                      </p:stCondLst>
-                      <p:childTnLst>
-                        <p:par>
-                          <p:cTn id="22" fill="hold">
-                            <p:stCondLst>
-                              <p:cond delay="0"/>
-                            </p:stCondLst>
-                            <p:childTnLst>
-                              <p:par>
-                                <p:cTn id="23" presetID="1" presetClass="entr" presetSubtype="0" fill="hold" nodeType="clickEffect">
-                                  <p:stCondLst>
-                                    <p:cond delay="0"/>
-                                  </p:stCondLst>
-                                  <p:childTnLst>
-                                    <p:set>
-                                      <p:cBhvr>
-                                        <p:cTn id="24" dur="1" fill="hold">
-                                          <p:stCondLst>
-                                            <p:cond delay="0"/>
-                                          </p:stCondLst>
-                                        </p:cTn>
-                                        <p:tgtEl>
-                                          <p:spTgt spid="88"/>
-                                        </p:tgtEl>
-                                        <p:attrNameLst>
-                                          <p:attrName>style.visibility</p:attrName>
-                                        </p:attrNameLst>
-                                      </p:cBhvr>
-                                      <p:to>
-                                        <p:strVal val="visible"/>
-                                      </p:to>
-                                    </p:set>
-                                  </p:childTnLst>
-                                </p:cTn>
-                              </p:par>
-                            </p:childTnLst>
-                          </p:cTn>
-                        </p:par>
-                      </p:childTnLst>
-                    </p:cTn>
-                  </p:par>
-                  <p:par>
-                    <p:cTn id="25" fill="hold">
-                      <p:stCondLst>
-                        <p:cond delay="indefinite"/>
-                      </p:stCondLst>
-                      <p:childTnLst>
-                        <p:par>
-                          <p:cTn id="26" fill="hold">
-                            <p:stCondLst>
-                              <p:cond delay="0"/>
-                            </p:stCondLst>
-                            <p:childTnLst>
-                              <p:par>
-                                <p:cTn id="27" presetID="1" presetClass="entr" presetSubtype="0" fill="hold" nodeType="clickEffect">
-                                  <p:stCondLst>
-                                    <p:cond delay="0"/>
-                                  </p:stCondLst>
-                                  <p:childTnLst>
-                                    <p:set>
-                                      <p:cBhvr>
-                                        <p:cTn id="28" dur="1" fill="hold">
-                                          <p:stCondLst>
-                                            <p:cond delay="0"/>
-                                          </p:stCondLst>
-                                        </p:cTn>
-                                        <p:tgtEl>
-                                          <p:spTgt spid="163"/>
-                                        </p:tgtEl>
-                                        <p:attrNameLst>
-                                          <p:attrName>style.visibility</p:attrName>
-                                        </p:attrNameLst>
-                                      </p:cBhvr>
-                                      <p:to>
-                                        <p:strVal val="visible"/>
-                                      </p:to>
-                                    </p:set>
-                                  </p:childTnLst>
-                                </p:cTn>
-                              </p:par>
-                              <p:par>
-                                <p:cTn id="29" presetID="1" presetClass="entr" presetSubtype="0" fill="hold" nodeType="withEffect">
-                                  <p:stCondLst>
-                                    <p:cond delay="0"/>
-                                  </p:stCondLst>
-                                  <p:childTnLst>
-                                    <p:set>
-                                      <p:cBhvr>
-                                        <p:cTn id="30" dur="1" fill="hold">
+                                        <p:cTn id="12" dur="1" fill="hold">
                                           <p:stCondLst>
                                             <p:cond delay="0"/>
                                           </p:stCondLst>
@@ -8088,14 +8314,14 @@
                                 </p:cTn>
                               </p:par>
                               <p:par>
-                                <p:cTn id="31" presetID="1" presetClass="entr" presetSubtype="0" fill="hold" grpId="0" nodeType="withEffect">
+                                <p:cTn id="13" presetID="1" presetClass="entr" presetSubtype="0" fill="hold" grpId="0" nodeType="withEffect">
                                   <p:stCondLst>
                                     <p:cond delay="0"/>
                                   </p:stCondLst>
                                   <p:childTnLst>
                                     <p:set>
                                       <p:cBhvr>
-                                        <p:cTn id="32" dur="1" fill="hold">
+                                        <p:cTn id="14" dur="1" fill="hold">
                                           <p:stCondLst>
                                             <p:cond delay="0"/>
                                           </p:stCondLst>
@@ -8121,26 +8347,26 @@
                     </p:cTn>
                   </p:par>
                   <p:par>
-                    <p:cTn id="33" fill="hold">
+                    <p:cTn id="15" fill="hold">
                       <p:stCondLst>
                         <p:cond delay="indefinite"/>
                       </p:stCondLst>
                       <p:childTnLst>
                         <p:par>
-                          <p:cTn id="34" fill="hold">
+                          <p:cTn id="16" fill="hold">
                             <p:stCondLst>
                               <p:cond delay="0"/>
                             </p:stCondLst>
                             <p:childTnLst>
                               <p:par>
-                                <p:cTn id="35" presetID="1" presetClass="entr" presetSubtype="0" fill="hold" grpId="0" nodeType="clickEffect">
+                                <p:cTn id="17" presetID="1" presetClass="entr" presetSubtype="0" fill="hold" grpId="0" nodeType="clickEffect">
                                   <p:stCondLst>
                                     <p:cond delay="0"/>
                                   </p:stCondLst>
                                   <p:childTnLst>
                                     <p:set>
                                       <p:cBhvr>
-                                        <p:cTn id="36" dur="1" fill="hold">
+                                        <p:cTn id="18" dur="1" fill="hold">
                                           <p:stCondLst>
                                             <p:cond delay="0"/>
                                           </p:stCondLst>
@@ -8160,14 +8386,14 @@
                                 </p:cTn>
                               </p:par>
                               <p:par>
-                                <p:cTn id="37" presetID="1" presetClass="entr" presetSubtype="0" fill="hold" grpId="0" nodeType="withEffect">
+                                <p:cTn id="19" presetID="1" presetClass="entr" presetSubtype="0" fill="hold" grpId="0" nodeType="withEffect">
                                   <p:stCondLst>
                                     <p:cond delay="0"/>
                                   </p:stCondLst>
                                   <p:childTnLst>
                                     <p:set>
                                       <p:cBhvr>
-                                        <p:cTn id="38" dur="1" fill="hold">
+                                        <p:cTn id="20" dur="1" fill="hold">
                                           <p:stCondLst>
                                             <p:cond delay="0"/>
                                           </p:stCondLst>
@@ -8187,14 +8413,14 @@
                                 </p:cTn>
                               </p:par>
                               <p:par>
-                                <p:cTn id="39" presetID="1" presetClass="entr" presetSubtype="0" fill="hold" nodeType="withEffect">
+                                <p:cTn id="21" presetID="1" presetClass="entr" presetSubtype="0" fill="hold" nodeType="withEffect">
                                   <p:stCondLst>
                                     <p:cond delay="0"/>
                                   </p:stCondLst>
                                   <p:childTnLst>
                                     <p:set>
                                       <p:cBhvr>
-                                        <p:cTn id="40" dur="1" fill="hold">
+                                        <p:cTn id="22" dur="1" fill="hold">
                                           <p:stCondLst>
                                             <p:cond delay="0"/>
                                           </p:stCondLst>
@@ -8214,14 +8440,14 @@
                                 </p:cTn>
                               </p:par>
                               <p:par>
-                                <p:cTn id="41" presetID="1" presetClass="entr" presetSubtype="0" fill="hold" nodeType="withEffect">
+                                <p:cTn id="23" presetID="1" presetClass="entr" presetSubtype="0" fill="hold" nodeType="withEffect">
                                   <p:stCondLst>
                                     <p:cond delay="0"/>
                                   </p:stCondLst>
                                   <p:childTnLst>
                                     <p:set>
                                       <p:cBhvr>
-                                        <p:cTn id="42" dur="1" fill="hold">
+                                        <p:cTn id="24" dur="1" fill="hold">
                                           <p:stCondLst>
                                             <p:cond delay="0"/>
                                           </p:stCondLst>
